--- a/Slides/PH223_Lecture_02.pptx
+++ b/Slides/PH223_Lecture_02.pptx
@@ -5,7 +5,7 @@
     <p:sldMasterId id="2147483648" r:id="rId1"/>
   </p:sldMasterIdLst>
   <p:notesMasterIdLst>
-    <p:notesMasterId r:id="rId34"/>
+    <p:notesMasterId r:id="rId35"/>
   </p:notesMasterIdLst>
   <p:sldIdLst>
     <p:sldId id="401" r:id="rId2"/>
@@ -40,6 +40,7 @@
     <p:sldId id="258" r:id="rId31"/>
     <p:sldId id="275" r:id="rId32"/>
     <p:sldId id="257" r:id="rId33"/>
+    <p:sldId id="1374" r:id="rId34"/>
   </p:sldIdLst>
   <p:sldSz cx="9144000" cy="6858000" type="screen4x3"/>
   <p:notesSz cx="6858000" cy="9144000"/>
@@ -160,7 +161,7 @@
 <file path=ppt/revisionInfo.xml><?xml version="1.0" encoding="utf-8"?>
 <p1510:revInfo xmlns:a="http://schemas.openxmlformats.org/drawingml/2006/main" xmlns:r="http://schemas.openxmlformats.org/officeDocument/2006/relationships" xmlns:p1510="http://schemas.microsoft.com/office/powerpoint/2015/10/main">
   <p1510:revLst>
-    <p1510:client id="{AD2954C9-22BF-43B1-89D3-59B7A6F8F17F}" v="31" dt="2023-09-12T00:12:27.807"/>
+    <p1510:client id="{2BFC4EAC-06D7-46B2-9AD7-C1486ABA3D80}" v="10" dt="2024-10-07T20:55:37.509"/>
   </p1510:revLst>
 </p1510:revInfo>
 </file>
@@ -682,6 +683,486 @@
       </pc:sldChg>
     </pc:docChg>
   </pc:docChgLst>
+  <pc:docChgLst>
+    <pc:chgData name="Lines, Todd" userId="afaf7c3a-e8aa-4568-882a-02ad8f9e19b0" providerId="ADAL" clId="{2BFC4EAC-06D7-46B2-9AD7-C1486ABA3D80}"/>
+    <pc:docChg chg="undo custSel addSld modSld">
+      <pc:chgData name="Lines, Todd" userId="afaf7c3a-e8aa-4568-882a-02ad8f9e19b0" providerId="ADAL" clId="{2BFC4EAC-06D7-46B2-9AD7-C1486ABA3D80}" dt="2024-10-07T21:00:01.836" v="188" actId="1076"/>
+      <pc:docMkLst>
+        <pc:docMk/>
+      </pc:docMkLst>
+      <pc:sldChg chg="addSp delSp modSp add mod">
+        <pc:chgData name="Lines, Todd" userId="afaf7c3a-e8aa-4568-882a-02ad8f9e19b0" providerId="ADAL" clId="{2BFC4EAC-06D7-46B2-9AD7-C1486ABA3D80}" dt="2024-10-07T21:00:01.836" v="188" actId="1076"/>
+        <pc:sldMkLst>
+          <pc:docMk/>
+          <pc:sldMk cId="3061675383" sldId="1374"/>
+        </pc:sldMkLst>
+        <pc:spChg chg="add mod ord">
+          <ac:chgData name="Lines, Todd" userId="afaf7c3a-e8aa-4568-882a-02ad8f9e19b0" providerId="ADAL" clId="{2BFC4EAC-06D7-46B2-9AD7-C1486ABA3D80}" dt="2024-10-07T20:59:08.983" v="159" actId="1035"/>
+          <ac:spMkLst>
+            <pc:docMk/>
+            <pc:sldMk cId="3061675383" sldId="1374"/>
+            <ac:spMk id="3" creationId="{B5432291-5FB6-1837-78B9-CEAE7924662A}"/>
+          </ac:spMkLst>
+        </pc:spChg>
+        <pc:spChg chg="mod">
+          <ac:chgData name="Lines, Todd" userId="afaf7c3a-e8aa-4568-882a-02ad8f9e19b0" providerId="ADAL" clId="{2BFC4EAC-06D7-46B2-9AD7-C1486ABA3D80}" dt="2024-10-07T20:53:25.833" v="3" actId="206"/>
+          <ac:spMkLst>
+            <pc:docMk/>
+            <pc:sldMk cId="3061675383" sldId="1374"/>
+            <ac:spMk id="10" creationId="{00000000-0000-0000-0000-000000000000}"/>
+          </ac:spMkLst>
+        </pc:spChg>
+        <pc:spChg chg="mod">
+          <ac:chgData name="Lines, Todd" userId="afaf7c3a-e8aa-4568-882a-02ad8f9e19b0" providerId="ADAL" clId="{2BFC4EAC-06D7-46B2-9AD7-C1486ABA3D80}" dt="2024-10-07T20:53:25.833" v="3" actId="206"/>
+          <ac:spMkLst>
+            <pc:docMk/>
+            <pc:sldMk cId="3061675383" sldId="1374"/>
+            <ac:spMk id="11" creationId="{00000000-0000-0000-0000-000000000000}"/>
+          </ac:spMkLst>
+        </pc:spChg>
+        <pc:spChg chg="mod">
+          <ac:chgData name="Lines, Todd" userId="afaf7c3a-e8aa-4568-882a-02ad8f9e19b0" providerId="ADAL" clId="{2BFC4EAC-06D7-46B2-9AD7-C1486ABA3D80}" dt="2024-10-07T20:53:25.833" v="3" actId="206"/>
+          <ac:spMkLst>
+            <pc:docMk/>
+            <pc:sldMk cId="3061675383" sldId="1374"/>
+            <ac:spMk id="13" creationId="{00000000-0000-0000-0000-000000000000}"/>
+          </ac:spMkLst>
+        </pc:spChg>
+        <pc:spChg chg="mod">
+          <ac:chgData name="Lines, Todd" userId="afaf7c3a-e8aa-4568-882a-02ad8f9e19b0" providerId="ADAL" clId="{2BFC4EAC-06D7-46B2-9AD7-C1486ABA3D80}" dt="2024-10-07T20:53:25.833" v="3" actId="206"/>
+          <ac:spMkLst>
+            <pc:docMk/>
+            <pc:sldMk cId="3061675383" sldId="1374"/>
+            <ac:spMk id="14" creationId="{00000000-0000-0000-0000-000000000000}"/>
+          </ac:spMkLst>
+        </pc:spChg>
+        <pc:spChg chg="mod">
+          <ac:chgData name="Lines, Todd" userId="afaf7c3a-e8aa-4568-882a-02ad8f9e19b0" providerId="ADAL" clId="{2BFC4EAC-06D7-46B2-9AD7-C1486ABA3D80}" dt="2024-10-07T20:53:25.833" v="3" actId="206"/>
+          <ac:spMkLst>
+            <pc:docMk/>
+            <pc:sldMk cId="3061675383" sldId="1374"/>
+            <ac:spMk id="15" creationId="{00000000-0000-0000-0000-000000000000}"/>
+          </ac:spMkLst>
+        </pc:spChg>
+        <pc:spChg chg="add mod ord">
+          <ac:chgData name="Lines, Todd" userId="afaf7c3a-e8aa-4568-882a-02ad8f9e19b0" providerId="ADAL" clId="{2BFC4EAC-06D7-46B2-9AD7-C1486ABA3D80}" dt="2024-10-07T20:59:08.983" v="159" actId="1035"/>
+          <ac:spMkLst>
+            <pc:docMk/>
+            <pc:sldMk cId="3061675383" sldId="1374"/>
+            <ac:spMk id="25" creationId="{F49AC4AA-E1CE-7045-6211-23FEFB8B7976}"/>
+          </ac:spMkLst>
+        </pc:spChg>
+        <pc:spChg chg="mod">
+          <ac:chgData name="Lines, Todd" userId="afaf7c3a-e8aa-4568-882a-02ad8f9e19b0" providerId="ADAL" clId="{2BFC4EAC-06D7-46B2-9AD7-C1486ABA3D80}" dt="2024-10-07T20:53:25.833" v="3" actId="206"/>
+          <ac:spMkLst>
+            <pc:docMk/>
+            <pc:sldMk cId="3061675383" sldId="1374"/>
+            <ac:spMk id="26" creationId="{00000000-0000-0000-0000-000000000000}"/>
+          </ac:spMkLst>
+        </pc:spChg>
+        <pc:spChg chg="mod">
+          <ac:chgData name="Lines, Todd" userId="afaf7c3a-e8aa-4568-882a-02ad8f9e19b0" providerId="ADAL" clId="{2BFC4EAC-06D7-46B2-9AD7-C1486ABA3D80}" dt="2024-10-07T20:53:25.833" v="3" actId="206"/>
+          <ac:spMkLst>
+            <pc:docMk/>
+            <pc:sldMk cId="3061675383" sldId="1374"/>
+            <ac:spMk id="27" creationId="{00000000-0000-0000-0000-000000000000}"/>
+          </ac:spMkLst>
+        </pc:spChg>
+        <pc:spChg chg="mod">
+          <ac:chgData name="Lines, Todd" userId="afaf7c3a-e8aa-4568-882a-02ad8f9e19b0" providerId="ADAL" clId="{2BFC4EAC-06D7-46B2-9AD7-C1486ABA3D80}" dt="2024-10-07T20:53:25.833" v="3" actId="206"/>
+          <ac:spMkLst>
+            <pc:docMk/>
+            <pc:sldMk cId="3061675383" sldId="1374"/>
+            <ac:spMk id="28" creationId="{00000000-0000-0000-0000-000000000000}"/>
+          </ac:spMkLst>
+        </pc:spChg>
+        <pc:spChg chg="add mod ord">
+          <ac:chgData name="Lines, Todd" userId="afaf7c3a-e8aa-4568-882a-02ad8f9e19b0" providerId="ADAL" clId="{2BFC4EAC-06D7-46B2-9AD7-C1486ABA3D80}" dt="2024-10-07T20:59:08.983" v="159" actId="1035"/>
+          <ac:spMkLst>
+            <pc:docMk/>
+            <pc:sldMk cId="3061675383" sldId="1374"/>
+            <ac:spMk id="29" creationId="{E2F8B26B-67C4-1B3A-FDD1-6EB35749A7C2}"/>
+          </ac:spMkLst>
+        </pc:spChg>
+        <pc:spChg chg="mod">
+          <ac:chgData name="Lines, Todd" userId="afaf7c3a-e8aa-4568-882a-02ad8f9e19b0" providerId="ADAL" clId="{2BFC4EAC-06D7-46B2-9AD7-C1486ABA3D80}" dt="2024-10-07T20:53:25.833" v="3" actId="206"/>
+          <ac:spMkLst>
+            <pc:docMk/>
+            <pc:sldMk cId="3061675383" sldId="1374"/>
+            <ac:spMk id="30" creationId="{00000000-0000-0000-0000-000000000000}"/>
+          </ac:spMkLst>
+        </pc:spChg>
+        <pc:spChg chg="mod">
+          <ac:chgData name="Lines, Todd" userId="afaf7c3a-e8aa-4568-882a-02ad8f9e19b0" providerId="ADAL" clId="{2BFC4EAC-06D7-46B2-9AD7-C1486ABA3D80}" dt="2024-10-07T20:53:25.833" v="3" actId="206"/>
+          <ac:spMkLst>
+            <pc:docMk/>
+            <pc:sldMk cId="3061675383" sldId="1374"/>
+            <ac:spMk id="31" creationId="{00000000-0000-0000-0000-000000000000}"/>
+          </ac:spMkLst>
+        </pc:spChg>
+        <pc:spChg chg="mod">
+          <ac:chgData name="Lines, Todd" userId="afaf7c3a-e8aa-4568-882a-02ad8f9e19b0" providerId="ADAL" clId="{2BFC4EAC-06D7-46B2-9AD7-C1486ABA3D80}" dt="2024-10-07T20:53:25.833" v="3" actId="206"/>
+          <ac:spMkLst>
+            <pc:docMk/>
+            <pc:sldMk cId="3061675383" sldId="1374"/>
+            <ac:spMk id="32" creationId="{00000000-0000-0000-0000-000000000000}"/>
+          </ac:spMkLst>
+        </pc:spChg>
+        <pc:spChg chg="mod">
+          <ac:chgData name="Lines, Todd" userId="afaf7c3a-e8aa-4568-882a-02ad8f9e19b0" providerId="ADAL" clId="{2BFC4EAC-06D7-46B2-9AD7-C1486ABA3D80}" dt="2024-10-07T20:53:25.833" v="3" actId="206"/>
+          <ac:spMkLst>
+            <pc:docMk/>
+            <pc:sldMk cId="3061675383" sldId="1374"/>
+            <ac:spMk id="33" creationId="{00000000-0000-0000-0000-000000000000}"/>
+          </ac:spMkLst>
+        </pc:spChg>
+        <pc:spChg chg="del">
+          <ac:chgData name="Lines, Todd" userId="afaf7c3a-e8aa-4568-882a-02ad8f9e19b0" providerId="ADAL" clId="{2BFC4EAC-06D7-46B2-9AD7-C1486ABA3D80}" dt="2024-10-07T20:53:48.943" v="6" actId="478"/>
+          <ac:spMkLst>
+            <pc:docMk/>
+            <pc:sldMk cId="3061675383" sldId="1374"/>
+            <ac:spMk id="45" creationId="{889B9919-1F2F-9DF6-945D-CD10CDF5BDC8}"/>
+          </ac:spMkLst>
+        </pc:spChg>
+        <pc:spChg chg="del">
+          <ac:chgData name="Lines, Todd" userId="afaf7c3a-e8aa-4568-882a-02ad8f9e19b0" providerId="ADAL" clId="{2BFC4EAC-06D7-46B2-9AD7-C1486ABA3D80}" dt="2024-10-07T20:54:11.247" v="10" actId="478"/>
+          <ac:spMkLst>
+            <pc:docMk/>
+            <pc:sldMk cId="3061675383" sldId="1374"/>
+            <ac:spMk id="67" creationId="{D4C29B45-8390-06E8-C3FF-8F2094EFABFA}"/>
+          </ac:spMkLst>
+        </pc:spChg>
+        <pc:spChg chg="add mod ord">
+          <ac:chgData name="Lines, Todd" userId="afaf7c3a-e8aa-4568-882a-02ad8f9e19b0" providerId="ADAL" clId="{2BFC4EAC-06D7-46B2-9AD7-C1486ABA3D80}" dt="2024-10-07T20:59:08.983" v="159" actId="1035"/>
+          <ac:spMkLst>
+            <pc:docMk/>
+            <pc:sldMk cId="3061675383" sldId="1374"/>
+            <ac:spMk id="72" creationId="{2B9168F3-18E5-5177-1452-4ABFA75EFA32}"/>
+          </ac:spMkLst>
+        </pc:spChg>
+        <pc:spChg chg="add mod ord">
+          <ac:chgData name="Lines, Todd" userId="afaf7c3a-e8aa-4568-882a-02ad8f9e19b0" providerId="ADAL" clId="{2BFC4EAC-06D7-46B2-9AD7-C1486ABA3D80}" dt="2024-10-07T20:59:08.983" v="159" actId="1035"/>
+          <ac:spMkLst>
+            <pc:docMk/>
+            <pc:sldMk cId="3061675383" sldId="1374"/>
+            <ac:spMk id="73" creationId="{08F0EDB4-BB9A-2134-ABE1-E8F86295A3EF}"/>
+          </ac:spMkLst>
+        </pc:spChg>
+        <pc:spChg chg="add mod ord">
+          <ac:chgData name="Lines, Todd" userId="afaf7c3a-e8aa-4568-882a-02ad8f9e19b0" providerId="ADAL" clId="{2BFC4EAC-06D7-46B2-9AD7-C1486ABA3D80}" dt="2024-10-07T21:00:01.836" v="188" actId="1076"/>
+          <ac:spMkLst>
+            <pc:docMk/>
+            <pc:sldMk cId="3061675383" sldId="1374"/>
+            <ac:spMk id="74" creationId="{207781D3-2E5B-533E-5F6E-62765B0DEA2F}"/>
+          </ac:spMkLst>
+        </pc:spChg>
+        <pc:spChg chg="del">
+          <ac:chgData name="Lines, Todd" userId="afaf7c3a-e8aa-4568-882a-02ad8f9e19b0" providerId="ADAL" clId="{2BFC4EAC-06D7-46B2-9AD7-C1486ABA3D80}" dt="2024-10-07T20:54:32.970" v="13" actId="478"/>
+          <ac:spMkLst>
+            <pc:docMk/>
+            <pc:sldMk cId="3061675383" sldId="1374"/>
+            <ac:spMk id="154" creationId="{2E200B7F-75E8-3BC8-69AB-6A34796B6A4C}"/>
+          </ac:spMkLst>
+        </pc:spChg>
+        <pc:spChg chg="del">
+          <ac:chgData name="Lines, Todd" userId="afaf7c3a-e8aa-4568-882a-02ad8f9e19b0" providerId="ADAL" clId="{2BFC4EAC-06D7-46B2-9AD7-C1486ABA3D80}" dt="2024-10-07T20:54:52.031" v="18" actId="478"/>
+          <ac:spMkLst>
+            <pc:docMk/>
+            <pc:sldMk cId="3061675383" sldId="1374"/>
+            <ac:spMk id="177" creationId="{7EA95FC1-AE87-D5B4-FF57-E480FFF01F31}"/>
+          </ac:spMkLst>
+        </pc:spChg>
+        <pc:spChg chg="del">
+          <ac:chgData name="Lines, Todd" userId="afaf7c3a-e8aa-4568-882a-02ad8f9e19b0" providerId="ADAL" clId="{2BFC4EAC-06D7-46B2-9AD7-C1486ABA3D80}" dt="2024-10-07T20:55:10.746" v="30" actId="478"/>
+          <ac:spMkLst>
+            <pc:docMk/>
+            <pc:sldMk cId="3061675383" sldId="1374"/>
+            <ac:spMk id="201" creationId="{04743E6F-85F8-0F55-1AD6-A62CCDEDF994}"/>
+          </ac:spMkLst>
+        </pc:spChg>
+        <pc:spChg chg="mod">
+          <ac:chgData name="Lines, Todd" userId="afaf7c3a-e8aa-4568-882a-02ad8f9e19b0" providerId="ADAL" clId="{2BFC4EAC-06D7-46B2-9AD7-C1486ABA3D80}" dt="2024-10-07T20:59:08.983" v="159" actId="1035"/>
+          <ac:spMkLst>
+            <pc:docMk/>
+            <pc:sldMk cId="3061675383" sldId="1374"/>
+            <ac:spMk id="206" creationId="{5AD1ADD3-C790-FC47-1EB8-92D3EF48E452}"/>
+          </ac:spMkLst>
+        </pc:spChg>
+        <pc:spChg chg="mod">
+          <ac:chgData name="Lines, Todd" userId="afaf7c3a-e8aa-4568-882a-02ad8f9e19b0" providerId="ADAL" clId="{2BFC4EAC-06D7-46B2-9AD7-C1486ABA3D80}" dt="2024-10-07T20:59:08.983" v="159" actId="1035"/>
+          <ac:spMkLst>
+            <pc:docMk/>
+            <pc:sldMk cId="3061675383" sldId="1374"/>
+            <ac:spMk id="207" creationId="{FD55524D-8DEF-602B-A908-FEEBEE63845E}"/>
+          </ac:spMkLst>
+        </pc:spChg>
+        <pc:spChg chg="mod">
+          <ac:chgData name="Lines, Todd" userId="afaf7c3a-e8aa-4568-882a-02ad8f9e19b0" providerId="ADAL" clId="{2BFC4EAC-06D7-46B2-9AD7-C1486ABA3D80}" dt="2024-10-07T20:59:08.983" v="159" actId="1035"/>
+          <ac:spMkLst>
+            <pc:docMk/>
+            <pc:sldMk cId="3061675383" sldId="1374"/>
+            <ac:spMk id="208" creationId="{BF0DB82B-3B1C-1321-6098-9C4246687234}"/>
+          </ac:spMkLst>
+        </pc:spChg>
+        <pc:spChg chg="mod">
+          <ac:chgData name="Lines, Todd" userId="afaf7c3a-e8aa-4568-882a-02ad8f9e19b0" providerId="ADAL" clId="{2BFC4EAC-06D7-46B2-9AD7-C1486ABA3D80}" dt="2024-10-07T20:59:08.983" v="159" actId="1035"/>
+          <ac:spMkLst>
+            <pc:docMk/>
+            <pc:sldMk cId="3061675383" sldId="1374"/>
+            <ac:spMk id="209" creationId="{BAB27AEA-7DC2-010F-9DF6-091E8C163126}"/>
+          </ac:spMkLst>
+        </pc:spChg>
+        <pc:spChg chg="mod">
+          <ac:chgData name="Lines, Todd" userId="afaf7c3a-e8aa-4568-882a-02ad8f9e19b0" providerId="ADAL" clId="{2BFC4EAC-06D7-46B2-9AD7-C1486ABA3D80}" dt="2024-10-07T20:59:08.983" v="159" actId="1035"/>
+          <ac:spMkLst>
+            <pc:docMk/>
+            <pc:sldMk cId="3061675383" sldId="1374"/>
+            <ac:spMk id="210" creationId="{5D1FEAA1-C622-3099-2EF7-47CE19F3355C}"/>
+          </ac:spMkLst>
+        </pc:spChg>
+        <pc:spChg chg="mod">
+          <ac:chgData name="Lines, Todd" userId="afaf7c3a-e8aa-4568-882a-02ad8f9e19b0" providerId="ADAL" clId="{2BFC4EAC-06D7-46B2-9AD7-C1486ABA3D80}" dt="2024-10-07T20:59:08.983" v="159" actId="1035"/>
+          <ac:spMkLst>
+            <pc:docMk/>
+            <pc:sldMk cId="3061675383" sldId="1374"/>
+            <ac:spMk id="211" creationId="{3C546664-1C78-8585-B561-3D2CDDCE4069}"/>
+          </ac:spMkLst>
+        </pc:spChg>
+        <pc:spChg chg="mod">
+          <ac:chgData name="Lines, Todd" userId="afaf7c3a-e8aa-4568-882a-02ad8f9e19b0" providerId="ADAL" clId="{2BFC4EAC-06D7-46B2-9AD7-C1486ABA3D80}" dt="2024-10-07T20:58:39.617" v="135" actId="1035"/>
+          <ac:spMkLst>
+            <pc:docMk/>
+            <pc:sldMk cId="3061675383" sldId="1374"/>
+            <ac:spMk id="235" creationId="{2A410ABD-30B8-6D86-D7D8-6EF4C93C367A}"/>
+          </ac:spMkLst>
+        </pc:spChg>
+        <pc:spChg chg="mod">
+          <ac:chgData name="Lines, Todd" userId="afaf7c3a-e8aa-4568-882a-02ad8f9e19b0" providerId="ADAL" clId="{2BFC4EAC-06D7-46B2-9AD7-C1486ABA3D80}" dt="2024-10-07T20:56:02.683" v="62" actId="1036"/>
+          <ac:spMkLst>
+            <pc:docMk/>
+            <pc:sldMk cId="3061675383" sldId="1374"/>
+            <ac:spMk id="239" creationId="{11EDDF38-500B-B984-7D17-0CD49F8F18F0}"/>
+          </ac:spMkLst>
+        </pc:spChg>
+        <pc:spChg chg="mod">
+          <ac:chgData name="Lines, Todd" userId="afaf7c3a-e8aa-4568-882a-02ad8f9e19b0" providerId="ADAL" clId="{2BFC4EAC-06D7-46B2-9AD7-C1486ABA3D80}" dt="2024-10-07T20:56:48.894" v="101" actId="1035"/>
+          <ac:spMkLst>
+            <pc:docMk/>
+            <pc:sldMk cId="3061675383" sldId="1374"/>
+            <ac:spMk id="240" creationId="{32C0D1B1-E755-070E-73C0-0E71E97C9B62}"/>
+          </ac:spMkLst>
+        </pc:spChg>
+        <pc:spChg chg="del">
+          <ac:chgData name="Lines, Todd" userId="afaf7c3a-e8aa-4568-882a-02ad8f9e19b0" providerId="ADAL" clId="{2BFC4EAC-06D7-46B2-9AD7-C1486ABA3D80}" dt="2024-10-07T20:59:53.167" v="187" actId="478"/>
+          <ac:spMkLst>
+            <pc:docMk/>
+            <pc:sldMk cId="3061675383" sldId="1374"/>
+            <ac:spMk id="241" creationId="{B908C9E7-C3E4-BE6A-BB38-07A32BBFD88E}"/>
+          </ac:spMkLst>
+        </pc:spChg>
+        <pc:spChg chg="del">
+          <ac:chgData name="Lines, Todd" userId="afaf7c3a-e8aa-4568-882a-02ad8f9e19b0" providerId="ADAL" clId="{2BFC4EAC-06D7-46B2-9AD7-C1486ABA3D80}" dt="2024-10-07T20:56:35.309" v="83" actId="478"/>
+          <ac:spMkLst>
+            <pc:docMk/>
+            <pc:sldMk cId="3061675383" sldId="1374"/>
+            <ac:spMk id="243" creationId="{62E3A9B1-93BD-3862-4DB1-7AD85799B12C}"/>
+          </ac:spMkLst>
+        </pc:spChg>
+        <pc:spChg chg="mod">
+          <ac:chgData name="Lines, Todd" userId="afaf7c3a-e8aa-4568-882a-02ad8f9e19b0" providerId="ADAL" clId="{2BFC4EAC-06D7-46B2-9AD7-C1486ABA3D80}" dt="2024-10-07T20:59:26.215" v="184" actId="1035"/>
+          <ac:spMkLst>
+            <pc:docMk/>
+            <pc:sldMk cId="3061675383" sldId="1374"/>
+            <ac:spMk id="244" creationId="{2E32B649-C40A-8258-D4D7-31C3A8650DD9}"/>
+          </ac:spMkLst>
+        </pc:spChg>
+        <pc:spChg chg="mod">
+          <ac:chgData name="Lines, Todd" userId="afaf7c3a-e8aa-4568-882a-02ad8f9e19b0" providerId="ADAL" clId="{2BFC4EAC-06D7-46B2-9AD7-C1486ABA3D80}" dt="2024-10-07T20:59:26.215" v="184" actId="1035"/>
+          <ac:spMkLst>
+            <pc:docMk/>
+            <pc:sldMk cId="3061675383" sldId="1374"/>
+            <ac:spMk id="245" creationId="{2AF3BB31-B47A-6F23-E0FF-5E74464E96AF}"/>
+          </ac:spMkLst>
+        </pc:spChg>
+        <pc:spChg chg="mod">
+          <ac:chgData name="Lines, Todd" userId="afaf7c3a-e8aa-4568-882a-02ad8f9e19b0" providerId="ADAL" clId="{2BFC4EAC-06D7-46B2-9AD7-C1486ABA3D80}" dt="2024-10-07T20:59:26.215" v="184" actId="1035"/>
+          <ac:spMkLst>
+            <pc:docMk/>
+            <pc:sldMk cId="3061675383" sldId="1374"/>
+            <ac:spMk id="246" creationId="{E22182E2-9445-3454-C1C6-8F4D689FC3BF}"/>
+          </ac:spMkLst>
+        </pc:spChg>
+        <pc:spChg chg="mod">
+          <ac:chgData name="Lines, Todd" userId="afaf7c3a-e8aa-4568-882a-02ad8f9e19b0" providerId="ADAL" clId="{2BFC4EAC-06D7-46B2-9AD7-C1486ABA3D80}" dt="2024-10-07T20:59:26.215" v="184" actId="1035"/>
+          <ac:spMkLst>
+            <pc:docMk/>
+            <pc:sldMk cId="3061675383" sldId="1374"/>
+            <ac:spMk id="247" creationId="{34FFD664-BA93-315E-9D5F-B88E61EA506D}"/>
+          </ac:spMkLst>
+        </pc:spChg>
+        <pc:spChg chg="mod">
+          <ac:chgData name="Lines, Todd" userId="afaf7c3a-e8aa-4568-882a-02ad8f9e19b0" providerId="ADAL" clId="{2BFC4EAC-06D7-46B2-9AD7-C1486ABA3D80}" dt="2024-10-07T20:59:26.215" v="184" actId="1035"/>
+          <ac:spMkLst>
+            <pc:docMk/>
+            <pc:sldMk cId="3061675383" sldId="1374"/>
+            <ac:spMk id="248" creationId="{E73AADC8-19B5-E286-137F-BC547464ABBF}"/>
+          </ac:spMkLst>
+        </pc:spChg>
+        <pc:spChg chg="mod">
+          <ac:chgData name="Lines, Todd" userId="afaf7c3a-e8aa-4568-882a-02ad8f9e19b0" providerId="ADAL" clId="{2BFC4EAC-06D7-46B2-9AD7-C1486ABA3D80}" dt="2024-10-07T20:59:26.215" v="184" actId="1035"/>
+          <ac:spMkLst>
+            <pc:docMk/>
+            <pc:sldMk cId="3061675383" sldId="1374"/>
+            <ac:spMk id="249" creationId="{B5877734-9EBD-9B3E-E605-5DE675E8916B}"/>
+          </ac:spMkLst>
+        </pc:spChg>
+        <pc:spChg chg="mod">
+          <ac:chgData name="Lines, Todd" userId="afaf7c3a-e8aa-4568-882a-02ad8f9e19b0" providerId="ADAL" clId="{2BFC4EAC-06D7-46B2-9AD7-C1486ABA3D80}" dt="2024-10-07T20:59:29.965" v="185" actId="1076"/>
+          <ac:spMkLst>
+            <pc:docMk/>
+            <pc:sldMk cId="3061675383" sldId="1374"/>
+            <ac:spMk id="250" creationId="{12B94F3E-708E-9F56-6484-D4C43F6883CF}"/>
+          </ac:spMkLst>
+        </pc:spChg>
+        <pc:grpChg chg="mod ord">
+          <ac:chgData name="Lines, Todd" userId="afaf7c3a-e8aa-4568-882a-02ad8f9e19b0" providerId="ADAL" clId="{2BFC4EAC-06D7-46B2-9AD7-C1486ABA3D80}" dt="2024-10-07T20:59:08.983" v="159" actId="1035"/>
+          <ac:grpSpMkLst>
+            <pc:docMk/>
+            <pc:sldMk cId="3061675383" sldId="1374"/>
+            <ac:grpSpMk id="2" creationId="{3B18B4ED-C350-6711-C4AF-D365C901F3B6}"/>
+          </ac:grpSpMkLst>
+        </pc:grpChg>
+        <pc:grpChg chg="mod">
+          <ac:chgData name="Lines, Todd" userId="afaf7c3a-e8aa-4568-882a-02ad8f9e19b0" providerId="ADAL" clId="{2BFC4EAC-06D7-46B2-9AD7-C1486ABA3D80}" dt="2024-10-07T20:59:08.983" v="159" actId="1035"/>
+          <ac:grpSpMkLst>
+            <pc:docMk/>
+            <pc:sldMk cId="3061675383" sldId="1374"/>
+            <ac:grpSpMk id="134" creationId="{228DA5FA-F9E1-A933-782E-A9AF93AE31F2}"/>
+          </ac:grpSpMkLst>
+        </pc:grpChg>
+        <pc:grpChg chg="mod">
+          <ac:chgData name="Lines, Todd" userId="afaf7c3a-e8aa-4568-882a-02ad8f9e19b0" providerId="ADAL" clId="{2BFC4EAC-06D7-46B2-9AD7-C1486ABA3D80}" dt="2024-10-07T20:59:08.983" v="159" actId="1035"/>
+          <ac:grpSpMkLst>
+            <pc:docMk/>
+            <pc:sldMk cId="3061675383" sldId="1374"/>
+            <ac:grpSpMk id="135" creationId="{36263903-69B8-CD96-6827-D76359F116AA}"/>
+          </ac:grpSpMkLst>
+        </pc:grpChg>
+        <pc:grpChg chg="mod">
+          <ac:chgData name="Lines, Todd" userId="afaf7c3a-e8aa-4568-882a-02ad8f9e19b0" providerId="ADAL" clId="{2BFC4EAC-06D7-46B2-9AD7-C1486ABA3D80}" dt="2024-10-07T20:59:08.983" v="159" actId="1035"/>
+          <ac:grpSpMkLst>
+            <pc:docMk/>
+            <pc:sldMk cId="3061675383" sldId="1374"/>
+            <ac:grpSpMk id="136" creationId="{46A38369-87A9-AD06-28A1-7C0032B121DA}"/>
+          </ac:grpSpMkLst>
+        </pc:grpChg>
+        <pc:grpChg chg="mod">
+          <ac:chgData name="Lines, Todd" userId="afaf7c3a-e8aa-4568-882a-02ad8f9e19b0" providerId="ADAL" clId="{2BFC4EAC-06D7-46B2-9AD7-C1486ABA3D80}" dt="2024-10-07T20:59:08.983" v="159" actId="1035"/>
+          <ac:grpSpMkLst>
+            <pc:docMk/>
+            <pc:sldMk cId="3061675383" sldId="1374"/>
+            <ac:grpSpMk id="159" creationId="{C1B7D8F2-39B2-9BDC-31BF-D50678887FA7}"/>
+          </ac:grpSpMkLst>
+        </pc:grpChg>
+        <pc:grpChg chg="mod">
+          <ac:chgData name="Lines, Todd" userId="afaf7c3a-e8aa-4568-882a-02ad8f9e19b0" providerId="ADAL" clId="{2BFC4EAC-06D7-46B2-9AD7-C1486ABA3D80}" dt="2024-10-07T20:59:08.983" v="159" actId="1035"/>
+          <ac:grpSpMkLst>
+            <pc:docMk/>
+            <pc:sldMk cId="3061675383" sldId="1374"/>
+            <ac:grpSpMk id="183" creationId="{A896ABE6-63BD-67B1-7E6B-FFBA4688799D}"/>
+          </ac:grpSpMkLst>
+        </pc:grpChg>
+        <pc:grpChg chg="mod">
+          <ac:chgData name="Lines, Todd" userId="afaf7c3a-e8aa-4568-882a-02ad8f9e19b0" providerId="ADAL" clId="{2BFC4EAC-06D7-46B2-9AD7-C1486ABA3D80}" dt="2024-10-07T21:00:01.836" v="188" actId="1076"/>
+          <ac:grpSpMkLst>
+            <pc:docMk/>
+            <pc:sldMk cId="3061675383" sldId="1374"/>
+            <ac:grpSpMk id="251" creationId="{5703A761-12B7-4645-B19A-3A58223512B4}"/>
+          </ac:grpSpMkLst>
+        </pc:grpChg>
+        <pc:cxnChg chg="mod">
+          <ac:chgData name="Lines, Todd" userId="afaf7c3a-e8aa-4568-882a-02ad8f9e19b0" providerId="ADAL" clId="{2BFC4EAC-06D7-46B2-9AD7-C1486ABA3D80}" dt="2024-10-07T20:53:25.833" v="3" actId="206"/>
+          <ac:cxnSpMkLst>
+            <pc:docMk/>
+            <pc:sldMk cId="3061675383" sldId="1374"/>
+            <ac:cxnSpMk id="6" creationId="{00000000-0000-0000-0000-000000000000}"/>
+          </ac:cxnSpMkLst>
+        </pc:cxnChg>
+        <pc:cxnChg chg="mod">
+          <ac:chgData name="Lines, Todd" userId="afaf7c3a-e8aa-4568-882a-02ad8f9e19b0" providerId="ADAL" clId="{2BFC4EAC-06D7-46B2-9AD7-C1486ABA3D80}" dt="2024-10-07T20:53:25.833" v="3" actId="206"/>
+          <ac:cxnSpMkLst>
+            <pc:docMk/>
+            <pc:sldMk cId="3061675383" sldId="1374"/>
+            <ac:cxnSpMk id="8" creationId="{00000000-0000-0000-0000-000000000000}"/>
+          </ac:cxnSpMkLst>
+        </pc:cxnChg>
+        <pc:cxnChg chg="mod">
+          <ac:chgData name="Lines, Todd" userId="afaf7c3a-e8aa-4568-882a-02ad8f9e19b0" providerId="ADAL" clId="{2BFC4EAC-06D7-46B2-9AD7-C1486ABA3D80}" dt="2024-10-07T20:53:25.833" v="3" actId="206"/>
+          <ac:cxnSpMkLst>
+            <pc:docMk/>
+            <pc:sldMk cId="3061675383" sldId="1374"/>
+            <ac:cxnSpMk id="16" creationId="{00000000-0000-0000-0000-000000000000}"/>
+          </ac:cxnSpMkLst>
+        </pc:cxnChg>
+        <pc:cxnChg chg="mod">
+          <ac:chgData name="Lines, Todd" userId="afaf7c3a-e8aa-4568-882a-02ad8f9e19b0" providerId="ADAL" clId="{2BFC4EAC-06D7-46B2-9AD7-C1486ABA3D80}" dt="2024-10-07T20:53:25.833" v="3" actId="206"/>
+          <ac:cxnSpMkLst>
+            <pc:docMk/>
+            <pc:sldMk cId="3061675383" sldId="1374"/>
+            <ac:cxnSpMk id="18" creationId="{00000000-0000-0000-0000-000000000000}"/>
+          </ac:cxnSpMkLst>
+        </pc:cxnChg>
+        <pc:cxnChg chg="mod">
+          <ac:chgData name="Lines, Todd" userId="afaf7c3a-e8aa-4568-882a-02ad8f9e19b0" providerId="ADAL" clId="{2BFC4EAC-06D7-46B2-9AD7-C1486ABA3D80}" dt="2024-10-07T20:53:25.833" v="3" actId="206"/>
+          <ac:cxnSpMkLst>
+            <pc:docMk/>
+            <pc:sldMk cId="3061675383" sldId="1374"/>
+            <ac:cxnSpMk id="19" creationId="{00000000-0000-0000-0000-000000000000}"/>
+          </ac:cxnSpMkLst>
+        </pc:cxnChg>
+        <pc:cxnChg chg="mod">
+          <ac:chgData name="Lines, Todd" userId="afaf7c3a-e8aa-4568-882a-02ad8f9e19b0" providerId="ADAL" clId="{2BFC4EAC-06D7-46B2-9AD7-C1486ABA3D80}" dt="2024-10-07T20:53:25.833" v="3" actId="206"/>
+          <ac:cxnSpMkLst>
+            <pc:docMk/>
+            <pc:sldMk cId="3061675383" sldId="1374"/>
+            <ac:cxnSpMk id="20" creationId="{00000000-0000-0000-0000-000000000000}"/>
+          </ac:cxnSpMkLst>
+        </pc:cxnChg>
+        <pc:cxnChg chg="mod">
+          <ac:chgData name="Lines, Todd" userId="afaf7c3a-e8aa-4568-882a-02ad8f9e19b0" providerId="ADAL" clId="{2BFC4EAC-06D7-46B2-9AD7-C1486ABA3D80}" dt="2024-10-07T20:53:25.833" v="3" actId="206"/>
+          <ac:cxnSpMkLst>
+            <pc:docMk/>
+            <pc:sldMk cId="3061675383" sldId="1374"/>
+            <ac:cxnSpMk id="21" creationId="{00000000-0000-0000-0000-000000000000}"/>
+          </ac:cxnSpMkLst>
+        </pc:cxnChg>
+        <pc:cxnChg chg="mod">
+          <ac:chgData name="Lines, Todd" userId="afaf7c3a-e8aa-4568-882a-02ad8f9e19b0" providerId="ADAL" clId="{2BFC4EAC-06D7-46B2-9AD7-C1486ABA3D80}" dt="2024-10-07T20:53:25.833" v="3" actId="206"/>
+          <ac:cxnSpMkLst>
+            <pc:docMk/>
+            <pc:sldMk cId="3061675383" sldId="1374"/>
+            <ac:cxnSpMk id="22" creationId="{00000000-0000-0000-0000-000000000000}"/>
+          </ac:cxnSpMkLst>
+        </pc:cxnChg>
+        <pc:cxnChg chg="mod">
+          <ac:chgData name="Lines, Todd" userId="afaf7c3a-e8aa-4568-882a-02ad8f9e19b0" providerId="ADAL" clId="{2BFC4EAC-06D7-46B2-9AD7-C1486ABA3D80}" dt="2024-10-07T20:53:25.833" v="3" actId="206"/>
+          <ac:cxnSpMkLst>
+            <pc:docMk/>
+            <pc:sldMk cId="3061675383" sldId="1374"/>
+            <ac:cxnSpMk id="23" creationId="{00000000-0000-0000-0000-000000000000}"/>
+          </ac:cxnSpMkLst>
+        </pc:cxnChg>
+        <pc:cxnChg chg="mod">
+          <ac:chgData name="Lines, Todd" userId="afaf7c3a-e8aa-4568-882a-02ad8f9e19b0" providerId="ADAL" clId="{2BFC4EAC-06D7-46B2-9AD7-C1486ABA3D80}" dt="2024-10-07T20:53:25.833" v="3" actId="206"/>
+          <ac:cxnSpMkLst>
+            <pc:docMk/>
+            <pc:sldMk cId="3061675383" sldId="1374"/>
+            <ac:cxnSpMk id="24" creationId="{00000000-0000-0000-0000-000000000000}"/>
+          </ac:cxnSpMkLst>
+        </pc:cxnChg>
+      </pc:sldChg>
+    </pc:docChg>
+  </pc:docChgLst>
 </pc:chgInfo>
 </file>
 
@@ -768,7 +1249,7 @@
             <a:fld id="{DA2CA0F8-BD70-4694-BD56-6665D6FFBF3C}" type="datetimeFigureOut">
               <a:rPr lang="en-US" smtClean="0"/>
               <a:pPr/>
-              <a:t>9/11/2023</a:t>
+              <a:t>10/7/2024</a:t>
             </a:fld>
             <a:endParaRPr lang="en-US"/>
           </a:p>
@@ -1726,7 +2207,7 @@
             <a:fld id="{81363FC6-F0D5-4376-9B97-08D3CD3871A3}" type="datetimeFigureOut">
               <a:rPr lang="en-US" smtClean="0"/>
               <a:pPr/>
-              <a:t>9/11/2023</a:t>
+              <a:t>10/7/2024</a:t>
             </a:fld>
             <a:endParaRPr lang="en-US"/>
           </a:p>
@@ -1891,7 +2372,7 @@
             <a:fld id="{81363FC6-F0D5-4376-9B97-08D3CD3871A3}" type="datetimeFigureOut">
               <a:rPr lang="en-US" smtClean="0"/>
               <a:pPr/>
-              <a:t>9/11/2023</a:t>
+              <a:t>10/7/2024</a:t>
             </a:fld>
             <a:endParaRPr lang="en-US"/>
           </a:p>
@@ -2066,7 +2547,7 @@
             <a:fld id="{81363FC6-F0D5-4376-9B97-08D3CD3871A3}" type="datetimeFigureOut">
               <a:rPr lang="en-US" smtClean="0"/>
               <a:pPr/>
-              <a:t>9/11/2023</a:t>
+              <a:t>10/7/2024</a:t>
             </a:fld>
             <a:endParaRPr lang="en-US"/>
           </a:p>
@@ -2231,7 +2712,7 @@
             <a:fld id="{81363FC6-F0D5-4376-9B97-08D3CD3871A3}" type="datetimeFigureOut">
               <a:rPr lang="en-US" smtClean="0"/>
               <a:pPr/>
-              <a:t>9/11/2023</a:t>
+              <a:t>10/7/2024</a:t>
             </a:fld>
             <a:endParaRPr lang="en-US"/>
           </a:p>
@@ -2473,7 +2954,7 @@
             <a:fld id="{81363FC6-F0D5-4376-9B97-08D3CD3871A3}" type="datetimeFigureOut">
               <a:rPr lang="en-US" smtClean="0"/>
               <a:pPr/>
-              <a:t>9/11/2023</a:t>
+              <a:t>10/7/2024</a:t>
             </a:fld>
             <a:endParaRPr lang="en-US"/>
           </a:p>
@@ -2755,7 +3236,7 @@
             <a:fld id="{81363FC6-F0D5-4376-9B97-08D3CD3871A3}" type="datetimeFigureOut">
               <a:rPr lang="en-US" smtClean="0"/>
               <a:pPr/>
-              <a:t>9/11/2023</a:t>
+              <a:t>10/7/2024</a:t>
             </a:fld>
             <a:endParaRPr lang="en-US"/>
           </a:p>
@@ -3171,7 +3652,7 @@
             <a:fld id="{81363FC6-F0D5-4376-9B97-08D3CD3871A3}" type="datetimeFigureOut">
               <a:rPr lang="en-US" smtClean="0"/>
               <a:pPr/>
-              <a:t>9/11/2023</a:t>
+              <a:t>10/7/2024</a:t>
             </a:fld>
             <a:endParaRPr lang="en-US"/>
           </a:p>
@@ -3285,7 +3766,7 @@
             <a:fld id="{81363FC6-F0D5-4376-9B97-08D3CD3871A3}" type="datetimeFigureOut">
               <a:rPr lang="en-US" smtClean="0"/>
               <a:pPr/>
-              <a:t>9/11/2023</a:t>
+              <a:t>10/7/2024</a:t>
             </a:fld>
             <a:endParaRPr lang="en-US"/>
           </a:p>
@@ -3377,7 +3858,7 @@
             <a:fld id="{81363FC6-F0D5-4376-9B97-08D3CD3871A3}" type="datetimeFigureOut">
               <a:rPr lang="en-US" smtClean="0"/>
               <a:pPr/>
-              <a:t>9/11/2023</a:t>
+              <a:t>10/7/2024</a:t>
             </a:fld>
             <a:endParaRPr lang="en-US"/>
           </a:p>
@@ -3649,7 +4130,7 @@
             <a:fld id="{81363FC6-F0D5-4376-9B97-08D3CD3871A3}" type="datetimeFigureOut">
               <a:rPr lang="en-US" smtClean="0"/>
               <a:pPr/>
-              <a:t>9/11/2023</a:t>
+              <a:t>10/7/2024</a:t>
             </a:fld>
             <a:endParaRPr lang="en-US"/>
           </a:p>
@@ -3898,7 +4379,7 @@
             <a:fld id="{81363FC6-F0D5-4376-9B97-08D3CD3871A3}" type="datetimeFigureOut">
               <a:rPr lang="en-US" smtClean="0"/>
               <a:pPr/>
-              <a:t>9/11/2023</a:t>
+              <a:t>10/7/2024</a:t>
             </a:fld>
             <a:endParaRPr lang="en-US"/>
           </a:p>
@@ -4106,7 +4587,7 @@
             <a:fld id="{81363FC6-F0D5-4376-9B97-08D3CD3871A3}" type="datetimeFigureOut">
               <a:rPr lang="en-US" smtClean="0"/>
               <a:pPr/>
-              <a:t>9/11/2023</a:t>
+              <a:t>10/7/2024</a:t>
             </a:fld>
             <a:endParaRPr lang="en-US"/>
           </a:p>
@@ -41110,6 +41591,8039 @@
 </p:sld>
 </file>
 
+<file path=ppt/slides/slide33.xml><?xml version="1.0" encoding="utf-8"?>
+<p:sld xmlns:a="http://schemas.openxmlformats.org/drawingml/2006/main" xmlns:r="http://schemas.openxmlformats.org/officeDocument/2006/relationships" xmlns:p="http://schemas.openxmlformats.org/presentationml/2006/main">
+  <p:cSld>
+    <p:spTree>
+      <p:nvGrpSpPr>
+        <p:cNvPr id="1" name=""/>
+        <p:cNvGrpSpPr/>
+        <p:nvPr/>
+      </p:nvGrpSpPr>
+      <p:grpSpPr>
+        <a:xfrm>
+          <a:off x="0" y="0"/>
+          <a:ext cx="0" cy="0"/>
+          <a:chOff x="0" y="0"/>
+          <a:chExt cx="0" cy="0"/>
+        </a:xfrm>
+      </p:grpSpPr>
+      <p:grpSp>
+        <p:nvGrpSpPr>
+          <p:cNvPr id="2" name="Group 1">
+            <a:extLst>
+              <a:ext uri="{FF2B5EF4-FFF2-40B4-BE49-F238E27FC236}">
+                <a16:creationId xmlns:a16="http://schemas.microsoft.com/office/drawing/2014/main" id="{3B18B4ED-C350-6711-C4AF-D365C901F3B6}"/>
+              </a:ext>
+            </a:extLst>
+          </p:cNvPr>
+          <p:cNvGrpSpPr/>
+          <p:nvPr/>
+        </p:nvGrpSpPr>
+        <p:grpSpPr>
+          <a:xfrm>
+            <a:off x="2762918" y="44450"/>
+            <a:ext cx="3156492" cy="1588637"/>
+            <a:chOff x="952500" y="254000"/>
+            <a:chExt cx="8191500" cy="3429000"/>
+          </a:xfrm>
+        </p:grpSpPr>
+        <p:cxnSp>
+          <p:nvCxnSpPr>
+            <p:cNvPr id="6" name="Straight Connector 5"/>
+            <p:cNvCxnSpPr/>
+            <p:nvPr/>
+          </p:nvCxnSpPr>
+          <p:spPr>
+            <a:xfrm>
+              <a:off x="2476500" y="276388"/>
+              <a:ext cx="0" cy="3406612"/>
+            </a:xfrm>
+            <a:prstGeom prst="line">
+              <a:avLst/>
+            </a:prstGeom>
+            <a:ln w="19050">
+              <a:solidFill>
+                <a:schemeClr val="tx1"/>
+              </a:solidFill>
+            </a:ln>
+          </p:spPr>
+          <p:style>
+            <a:lnRef idx="1">
+              <a:schemeClr val="accent1"/>
+            </a:lnRef>
+            <a:fillRef idx="0">
+              <a:schemeClr val="accent1"/>
+            </a:fillRef>
+            <a:effectRef idx="0">
+              <a:schemeClr val="accent1"/>
+            </a:effectRef>
+            <a:fontRef idx="minor">
+              <a:schemeClr val="tx1"/>
+            </a:fontRef>
+          </p:style>
+        </p:cxnSp>
+        <p:cxnSp>
+          <p:nvCxnSpPr>
+            <p:cNvPr id="8" name="Straight Connector 7"/>
+            <p:cNvCxnSpPr/>
+            <p:nvPr/>
+          </p:nvCxnSpPr>
+          <p:spPr>
+            <a:xfrm flipH="1">
+              <a:off x="952500" y="2159000"/>
+              <a:ext cx="6096000" cy="0"/>
+            </a:xfrm>
+            <a:prstGeom prst="line">
+              <a:avLst/>
+            </a:prstGeom>
+            <a:ln w="19050">
+              <a:solidFill>
+                <a:schemeClr val="tx1"/>
+              </a:solidFill>
+            </a:ln>
+          </p:spPr>
+          <p:style>
+            <a:lnRef idx="1">
+              <a:schemeClr val="accent1"/>
+            </a:lnRef>
+            <a:fillRef idx="0">
+              <a:schemeClr val="accent1"/>
+            </a:fillRef>
+            <a:effectRef idx="0">
+              <a:schemeClr val="accent1"/>
+            </a:effectRef>
+            <a:fontRef idx="minor">
+              <a:schemeClr val="tx1"/>
+            </a:fontRef>
+          </p:style>
+        </p:cxnSp>
+        <p:sp>
+          <p:nvSpPr>
+            <p:cNvPr id="10" name="TextBox 9"/>
+            <p:cNvSpPr txBox="1"/>
+            <p:nvPr/>
+          </p:nvSpPr>
+          <p:spPr>
+            <a:xfrm>
+              <a:off x="1104899" y="254000"/>
+              <a:ext cx="1510912" cy="564673"/>
+            </a:xfrm>
+            <a:prstGeom prst="rect">
+              <a:avLst/>
+            </a:prstGeom>
+            <a:noFill/>
+          </p:spPr>
+          <p:txBody>
+            <a:bodyPr wrap="none" rtlCol="0">
+              <a:spAutoFit/>
+            </a:bodyPr>
+            <a:lstStyle/>
+            <a:p>
+              <a:r>
+                <a:rPr lang="en-US" sz="1100" dirty="0"/>
+                <a:t>D(mm)</a:t>
+              </a:r>
+            </a:p>
+          </p:txBody>
+        </p:sp>
+        <p:sp>
+          <p:nvSpPr>
+            <p:cNvPr id="11" name="TextBox 10"/>
+            <p:cNvSpPr txBox="1"/>
+            <p:nvPr/>
+          </p:nvSpPr>
+          <p:spPr>
+            <a:xfrm>
+              <a:off x="1956692" y="1040826"/>
+              <a:ext cx="666434" cy="564673"/>
+            </a:xfrm>
+            <a:prstGeom prst="rect">
+              <a:avLst/>
+            </a:prstGeom>
+            <a:noFill/>
+          </p:spPr>
+          <p:txBody>
+            <a:bodyPr wrap="none" rtlCol="0">
+              <a:spAutoFit/>
+            </a:bodyPr>
+            <a:lstStyle/>
+            <a:p>
+              <a:r>
+                <a:rPr lang="en-US" sz="1100" dirty="0"/>
+                <a:t>2</a:t>
+              </a:r>
+            </a:p>
+          </p:txBody>
+        </p:sp>
+        <p:sp>
+          <p:nvSpPr>
+            <p:cNvPr id="13" name="TextBox 12"/>
+            <p:cNvSpPr txBox="1"/>
+            <p:nvPr/>
+          </p:nvSpPr>
+          <p:spPr>
+            <a:xfrm>
+              <a:off x="1846083" y="2702581"/>
+              <a:ext cx="778751" cy="564673"/>
+            </a:xfrm>
+            <a:prstGeom prst="rect">
+              <a:avLst/>
+            </a:prstGeom>
+            <a:noFill/>
+          </p:spPr>
+          <p:txBody>
+            <a:bodyPr wrap="none" rtlCol="0">
+              <a:spAutoFit/>
+            </a:bodyPr>
+            <a:lstStyle/>
+            <a:p>
+              <a:r>
+                <a:rPr lang="en-US" sz="1100" dirty="0"/>
+                <a:t>-2</a:t>
+              </a:r>
+            </a:p>
+          </p:txBody>
+        </p:sp>
+        <p:sp>
+          <p:nvSpPr>
+            <p:cNvPr id="14" name="TextBox 13"/>
+            <p:cNvSpPr txBox="1"/>
+            <p:nvPr/>
+          </p:nvSpPr>
+          <p:spPr>
+            <a:xfrm>
+              <a:off x="1409699" y="2260024"/>
+              <a:ext cx="778751" cy="564673"/>
+            </a:xfrm>
+            <a:prstGeom prst="rect">
+              <a:avLst/>
+            </a:prstGeom>
+            <a:noFill/>
+          </p:spPr>
+          <p:txBody>
+            <a:bodyPr wrap="none" rtlCol="0">
+              <a:spAutoFit/>
+            </a:bodyPr>
+            <a:lstStyle/>
+            <a:p>
+              <a:r>
+                <a:rPr lang="en-US" sz="1100" dirty="0"/>
+                <a:t>-2</a:t>
+              </a:r>
+            </a:p>
+          </p:txBody>
+        </p:sp>
+        <p:sp>
+          <p:nvSpPr>
+            <p:cNvPr id="15" name="TextBox 14"/>
+            <p:cNvSpPr txBox="1"/>
+            <p:nvPr/>
+          </p:nvSpPr>
+          <p:spPr>
+            <a:xfrm>
+              <a:off x="3050230" y="2260024"/>
+              <a:ext cx="666434" cy="564673"/>
+            </a:xfrm>
+            <a:prstGeom prst="rect">
+              <a:avLst/>
+            </a:prstGeom>
+            <a:noFill/>
+          </p:spPr>
+          <p:txBody>
+            <a:bodyPr wrap="none" rtlCol="0">
+              <a:spAutoFit/>
+            </a:bodyPr>
+            <a:lstStyle/>
+            <a:p>
+              <a:r>
+                <a:rPr lang="en-US" sz="1100" dirty="0"/>
+                <a:t>2</a:t>
+              </a:r>
+            </a:p>
+          </p:txBody>
+        </p:sp>
+        <p:cxnSp>
+          <p:nvCxnSpPr>
+            <p:cNvPr id="16" name="Straight Connector 15"/>
+            <p:cNvCxnSpPr/>
+            <p:nvPr/>
+          </p:nvCxnSpPr>
+          <p:spPr>
+            <a:xfrm>
+              <a:off x="4000500" y="1979694"/>
+              <a:ext cx="0" cy="341886"/>
+            </a:xfrm>
+            <a:prstGeom prst="line">
+              <a:avLst/>
+            </a:prstGeom>
+            <a:ln w="19050">
+              <a:solidFill>
+                <a:schemeClr val="tx1"/>
+              </a:solidFill>
+            </a:ln>
+          </p:spPr>
+          <p:style>
+            <a:lnRef idx="1">
+              <a:schemeClr val="accent1"/>
+            </a:lnRef>
+            <a:fillRef idx="0">
+              <a:schemeClr val="accent1"/>
+            </a:fillRef>
+            <a:effectRef idx="0">
+              <a:schemeClr val="accent1"/>
+            </a:effectRef>
+            <a:fontRef idx="minor">
+              <a:schemeClr val="tx1"/>
+            </a:fontRef>
+          </p:style>
+        </p:cxnSp>
+        <p:cxnSp>
+          <p:nvCxnSpPr>
+            <p:cNvPr id="18" name="Straight Connector 17"/>
+            <p:cNvCxnSpPr/>
+            <p:nvPr/>
+          </p:nvCxnSpPr>
+          <p:spPr>
+            <a:xfrm>
+              <a:off x="4762500" y="2006600"/>
+              <a:ext cx="0" cy="341886"/>
+            </a:xfrm>
+            <a:prstGeom prst="line">
+              <a:avLst/>
+            </a:prstGeom>
+            <a:ln w="19050">
+              <a:solidFill>
+                <a:schemeClr val="tx1"/>
+              </a:solidFill>
+            </a:ln>
+          </p:spPr>
+          <p:style>
+            <a:lnRef idx="1">
+              <a:schemeClr val="accent1"/>
+            </a:lnRef>
+            <a:fillRef idx="0">
+              <a:schemeClr val="accent1"/>
+            </a:fillRef>
+            <a:effectRef idx="0">
+              <a:schemeClr val="accent1"/>
+            </a:effectRef>
+            <a:fontRef idx="minor">
+              <a:schemeClr val="tx1"/>
+            </a:fontRef>
+          </p:style>
+        </p:cxnSp>
+        <p:cxnSp>
+          <p:nvCxnSpPr>
+            <p:cNvPr id="19" name="Straight Connector 18"/>
+            <p:cNvCxnSpPr/>
+            <p:nvPr/>
+          </p:nvCxnSpPr>
+          <p:spPr>
+            <a:xfrm>
+              <a:off x="5524500" y="2006600"/>
+              <a:ext cx="0" cy="341886"/>
+            </a:xfrm>
+            <a:prstGeom prst="line">
+              <a:avLst/>
+            </a:prstGeom>
+            <a:ln w="19050">
+              <a:solidFill>
+                <a:schemeClr val="tx1"/>
+              </a:solidFill>
+            </a:ln>
+          </p:spPr>
+          <p:style>
+            <a:lnRef idx="1">
+              <a:schemeClr val="accent1"/>
+            </a:lnRef>
+            <a:fillRef idx="0">
+              <a:schemeClr val="accent1"/>
+            </a:fillRef>
+            <a:effectRef idx="0">
+              <a:schemeClr val="accent1"/>
+            </a:effectRef>
+            <a:fontRef idx="minor">
+              <a:schemeClr val="tx1"/>
+            </a:fontRef>
+          </p:style>
+        </p:cxnSp>
+        <p:cxnSp>
+          <p:nvCxnSpPr>
+            <p:cNvPr id="20" name="Straight Connector 19"/>
+            <p:cNvCxnSpPr/>
+            <p:nvPr/>
+          </p:nvCxnSpPr>
+          <p:spPr>
+            <a:xfrm>
+              <a:off x="6286500" y="2006600"/>
+              <a:ext cx="0" cy="341886"/>
+            </a:xfrm>
+            <a:prstGeom prst="line">
+              <a:avLst/>
+            </a:prstGeom>
+            <a:ln w="19050">
+              <a:solidFill>
+                <a:schemeClr val="tx1"/>
+              </a:solidFill>
+            </a:ln>
+          </p:spPr>
+          <p:style>
+            <a:lnRef idx="1">
+              <a:schemeClr val="accent1"/>
+            </a:lnRef>
+            <a:fillRef idx="0">
+              <a:schemeClr val="accent1"/>
+            </a:fillRef>
+            <a:effectRef idx="0">
+              <a:schemeClr val="accent1"/>
+            </a:effectRef>
+            <a:fontRef idx="minor">
+              <a:schemeClr val="tx1"/>
+            </a:fontRef>
+          </p:style>
+        </p:cxnSp>
+        <p:cxnSp>
+          <p:nvCxnSpPr>
+            <p:cNvPr id="21" name="Straight Connector 20"/>
+            <p:cNvCxnSpPr/>
+            <p:nvPr/>
+          </p:nvCxnSpPr>
+          <p:spPr>
+            <a:xfrm>
+              <a:off x="3238500" y="2006600"/>
+              <a:ext cx="0" cy="341886"/>
+            </a:xfrm>
+            <a:prstGeom prst="line">
+              <a:avLst/>
+            </a:prstGeom>
+            <a:ln w="19050">
+              <a:solidFill>
+                <a:schemeClr val="tx1"/>
+              </a:solidFill>
+            </a:ln>
+          </p:spPr>
+          <p:style>
+            <a:lnRef idx="1">
+              <a:schemeClr val="accent1"/>
+            </a:lnRef>
+            <a:fillRef idx="0">
+              <a:schemeClr val="accent1"/>
+            </a:fillRef>
+            <a:effectRef idx="0">
+              <a:schemeClr val="accent1"/>
+            </a:effectRef>
+            <a:fontRef idx="minor">
+              <a:schemeClr val="tx1"/>
+            </a:fontRef>
+          </p:style>
+        </p:cxnSp>
+        <p:cxnSp>
+          <p:nvCxnSpPr>
+            <p:cNvPr id="22" name="Straight Connector 21"/>
+            <p:cNvCxnSpPr/>
+            <p:nvPr/>
+          </p:nvCxnSpPr>
+          <p:spPr>
+            <a:xfrm>
+              <a:off x="1714500" y="2006600"/>
+              <a:ext cx="0" cy="341886"/>
+            </a:xfrm>
+            <a:prstGeom prst="line">
+              <a:avLst/>
+            </a:prstGeom>
+            <a:ln w="19050">
+              <a:solidFill>
+                <a:schemeClr val="tx1"/>
+              </a:solidFill>
+            </a:ln>
+          </p:spPr>
+          <p:style>
+            <a:lnRef idx="1">
+              <a:schemeClr val="accent1"/>
+            </a:lnRef>
+            <a:fillRef idx="0">
+              <a:schemeClr val="accent1"/>
+            </a:fillRef>
+            <a:effectRef idx="0">
+              <a:schemeClr val="accent1"/>
+            </a:effectRef>
+            <a:fontRef idx="minor">
+              <a:schemeClr val="tx1"/>
+            </a:fontRef>
+          </p:style>
+        </p:cxnSp>
+        <p:cxnSp>
+          <p:nvCxnSpPr>
+            <p:cNvPr id="23" name="Straight Connector 22"/>
+            <p:cNvCxnSpPr/>
+            <p:nvPr/>
+          </p:nvCxnSpPr>
+          <p:spPr>
+            <a:xfrm rot="5400000">
+              <a:off x="2495043" y="2750057"/>
+              <a:ext cx="0" cy="341886"/>
+            </a:xfrm>
+            <a:prstGeom prst="line">
+              <a:avLst/>
+            </a:prstGeom>
+            <a:ln w="19050">
+              <a:solidFill>
+                <a:schemeClr val="tx1"/>
+              </a:solidFill>
+            </a:ln>
+          </p:spPr>
+          <p:style>
+            <a:lnRef idx="1">
+              <a:schemeClr val="accent1"/>
+            </a:lnRef>
+            <a:fillRef idx="0">
+              <a:schemeClr val="accent1"/>
+            </a:fillRef>
+            <a:effectRef idx="0">
+              <a:schemeClr val="accent1"/>
+            </a:effectRef>
+            <a:fontRef idx="minor">
+              <a:schemeClr val="tx1"/>
+            </a:fontRef>
+          </p:style>
+        </p:cxnSp>
+        <p:cxnSp>
+          <p:nvCxnSpPr>
+            <p:cNvPr id="24" name="Straight Connector 23"/>
+            <p:cNvCxnSpPr/>
+            <p:nvPr/>
+          </p:nvCxnSpPr>
+          <p:spPr>
+            <a:xfrm rot="5400000">
+              <a:off x="2495043" y="1226057"/>
+              <a:ext cx="0" cy="341886"/>
+            </a:xfrm>
+            <a:prstGeom prst="line">
+              <a:avLst/>
+            </a:prstGeom>
+            <a:ln w="19050">
+              <a:solidFill>
+                <a:schemeClr val="tx1"/>
+              </a:solidFill>
+            </a:ln>
+          </p:spPr>
+          <p:style>
+            <a:lnRef idx="1">
+              <a:schemeClr val="accent1"/>
+            </a:lnRef>
+            <a:fillRef idx="0">
+              <a:schemeClr val="accent1"/>
+            </a:fillRef>
+            <a:effectRef idx="0">
+              <a:schemeClr val="accent1"/>
+            </a:effectRef>
+            <a:fontRef idx="minor">
+              <a:schemeClr val="tx1"/>
+            </a:fontRef>
+          </p:style>
+        </p:cxnSp>
+        <p:sp>
+          <p:nvSpPr>
+            <p:cNvPr id="27" name="TextBox 26"/>
+            <p:cNvSpPr txBox="1"/>
+            <p:nvPr/>
+          </p:nvSpPr>
+          <p:spPr>
+            <a:xfrm>
+              <a:off x="4980214" y="330200"/>
+              <a:ext cx="4049487" cy="564673"/>
+            </a:xfrm>
+            <a:prstGeom prst="rect">
+              <a:avLst/>
+            </a:prstGeom>
+            <a:noFill/>
+          </p:spPr>
+          <p:txBody>
+            <a:bodyPr wrap="square" rtlCol="0">
+              <a:spAutoFit/>
+            </a:bodyPr>
+            <a:lstStyle/>
+            <a:p>
+              <a:r>
+                <a:rPr lang="en-US" sz="1100" dirty="0"/>
+                <a:t>t=0</a:t>
+              </a:r>
+            </a:p>
+          </p:txBody>
+        </p:sp>
+        <p:sp>
+          <p:nvSpPr>
+            <p:cNvPr id="30" name="TextBox 29"/>
+            <p:cNvSpPr txBox="1"/>
+            <p:nvPr/>
+          </p:nvSpPr>
+          <p:spPr>
+            <a:xfrm>
+              <a:off x="6972301" y="2260024"/>
+              <a:ext cx="2171699" cy="564673"/>
+            </a:xfrm>
+            <a:prstGeom prst="rect">
+              <a:avLst/>
+            </a:prstGeom>
+            <a:noFill/>
+          </p:spPr>
+          <p:txBody>
+            <a:bodyPr wrap="square" rtlCol="0">
+              <a:spAutoFit/>
+            </a:bodyPr>
+            <a:lstStyle/>
+            <a:p>
+              <a:r>
+                <a:rPr lang="en-US" sz="1100" dirty="0"/>
+                <a:t>x(cm)</a:t>
+              </a:r>
+            </a:p>
+          </p:txBody>
+        </p:sp>
+        <p:sp>
+          <p:nvSpPr>
+            <p:cNvPr id="28" name="Freeform 27"/>
+            <p:cNvSpPr/>
+            <p:nvPr/>
+          </p:nvSpPr>
+          <p:spPr>
+            <a:xfrm>
+              <a:off x="996044" y="1407886"/>
+              <a:ext cx="6008915" cy="764980"/>
+            </a:xfrm>
+            <a:custGeom>
+              <a:avLst/>
+              <a:gdLst>
+                <a:gd name="connsiteX0" fmla="*/ 0 w 6008914"/>
+                <a:gd name="connsiteY0" fmla="*/ 751114 h 762000"/>
+                <a:gd name="connsiteX1" fmla="*/ 2253343 w 6008914"/>
+                <a:gd name="connsiteY1" fmla="*/ 762000 h 762000"/>
+                <a:gd name="connsiteX2" fmla="*/ 2460171 w 6008914"/>
+                <a:gd name="connsiteY2" fmla="*/ 10885 h 762000"/>
+                <a:gd name="connsiteX3" fmla="*/ 2993571 w 6008914"/>
+                <a:gd name="connsiteY3" fmla="*/ 0 h 762000"/>
+                <a:gd name="connsiteX4" fmla="*/ 3766457 w 6008914"/>
+                <a:gd name="connsiteY4" fmla="*/ 751114 h 762000"/>
+                <a:gd name="connsiteX5" fmla="*/ 6008914 w 6008914"/>
+                <a:gd name="connsiteY5" fmla="*/ 751114 h 762000"/>
+                <a:gd name="connsiteX6" fmla="*/ 6008914 w 6008914"/>
+                <a:gd name="connsiteY6" fmla="*/ 751114 h 762000"/>
+                <a:gd name="connsiteX0" fmla="*/ 0 w 6008914"/>
+                <a:gd name="connsiteY0" fmla="*/ 751114 h 762000"/>
+                <a:gd name="connsiteX1" fmla="*/ 2253343 w 6008914"/>
+                <a:gd name="connsiteY1" fmla="*/ 762000 h 762000"/>
+                <a:gd name="connsiteX2" fmla="*/ 2460171 w 6008914"/>
+                <a:gd name="connsiteY2" fmla="*/ 10885 h 762000"/>
+                <a:gd name="connsiteX3" fmla="*/ 2993571 w 6008914"/>
+                <a:gd name="connsiteY3" fmla="*/ 0 h 762000"/>
+                <a:gd name="connsiteX4" fmla="*/ 3346240 w 6008914"/>
+                <a:gd name="connsiteY4" fmla="*/ 442725 h 762000"/>
+                <a:gd name="connsiteX5" fmla="*/ 6008914 w 6008914"/>
+                <a:gd name="connsiteY5" fmla="*/ 751114 h 762000"/>
+                <a:gd name="connsiteX6" fmla="*/ 6008914 w 6008914"/>
+                <a:gd name="connsiteY6" fmla="*/ 751114 h 762000"/>
+                <a:gd name="connsiteX0" fmla="*/ 0 w 6008914"/>
+                <a:gd name="connsiteY0" fmla="*/ 751114 h 762000"/>
+                <a:gd name="connsiteX1" fmla="*/ 2253343 w 6008914"/>
+                <a:gd name="connsiteY1" fmla="*/ 762000 h 762000"/>
+                <a:gd name="connsiteX2" fmla="*/ 2460171 w 6008914"/>
+                <a:gd name="connsiteY2" fmla="*/ 10885 h 762000"/>
+                <a:gd name="connsiteX3" fmla="*/ 2993571 w 6008914"/>
+                <a:gd name="connsiteY3" fmla="*/ 0 h 762000"/>
+                <a:gd name="connsiteX4" fmla="*/ 3346240 w 6008914"/>
+                <a:gd name="connsiteY4" fmla="*/ 442725 h 762000"/>
+                <a:gd name="connsiteX5" fmla="*/ 4651255 w 6008914"/>
+                <a:gd name="connsiteY5" fmla="*/ 621066 h 762000"/>
+                <a:gd name="connsiteX6" fmla="*/ 6008914 w 6008914"/>
+                <a:gd name="connsiteY6" fmla="*/ 751114 h 762000"/>
+                <a:gd name="connsiteX7" fmla="*/ 6008914 w 6008914"/>
+                <a:gd name="connsiteY7" fmla="*/ 751114 h 762000"/>
+                <a:gd name="connsiteX0" fmla="*/ 0 w 6008914"/>
+                <a:gd name="connsiteY0" fmla="*/ 751114 h 764981"/>
+                <a:gd name="connsiteX1" fmla="*/ 2253343 w 6008914"/>
+                <a:gd name="connsiteY1" fmla="*/ 762000 h 764981"/>
+                <a:gd name="connsiteX2" fmla="*/ 2460171 w 6008914"/>
+                <a:gd name="connsiteY2" fmla="*/ 10885 h 764981"/>
+                <a:gd name="connsiteX3" fmla="*/ 2993571 w 6008914"/>
+                <a:gd name="connsiteY3" fmla="*/ 0 h 764981"/>
+                <a:gd name="connsiteX4" fmla="*/ 3346240 w 6008914"/>
+                <a:gd name="connsiteY4" fmla="*/ 442725 h 764981"/>
+                <a:gd name="connsiteX5" fmla="*/ 4577099 w 6008914"/>
+                <a:gd name="connsiteY5" fmla="*/ 764981 h 764981"/>
+                <a:gd name="connsiteX6" fmla="*/ 6008914 w 6008914"/>
+                <a:gd name="connsiteY6" fmla="*/ 751114 h 764981"/>
+                <a:gd name="connsiteX7" fmla="*/ 6008914 w 6008914"/>
+                <a:gd name="connsiteY7" fmla="*/ 751114 h 764981"/>
+              </a:gdLst>
+              <a:ahLst/>
+              <a:cxnLst>
+                <a:cxn ang="0">
+                  <a:pos x="connsiteX0" y="connsiteY0"/>
+                </a:cxn>
+                <a:cxn ang="0">
+                  <a:pos x="connsiteX1" y="connsiteY1"/>
+                </a:cxn>
+                <a:cxn ang="0">
+                  <a:pos x="connsiteX2" y="connsiteY2"/>
+                </a:cxn>
+                <a:cxn ang="0">
+                  <a:pos x="connsiteX3" y="connsiteY3"/>
+                </a:cxn>
+                <a:cxn ang="0">
+                  <a:pos x="connsiteX4" y="connsiteY4"/>
+                </a:cxn>
+                <a:cxn ang="0">
+                  <a:pos x="connsiteX5" y="connsiteY5"/>
+                </a:cxn>
+                <a:cxn ang="0">
+                  <a:pos x="connsiteX6" y="connsiteY6"/>
+                </a:cxn>
+                <a:cxn ang="0">
+                  <a:pos x="connsiteX7" y="connsiteY7"/>
+                </a:cxn>
+              </a:cxnLst>
+              <a:rect l="l" t="t" r="r" b="b"/>
+              <a:pathLst>
+                <a:path w="6008914" h="764981">
+                  <a:moveTo>
+                    <a:pt x="0" y="751114"/>
+                  </a:moveTo>
+                  <a:lnTo>
+                    <a:pt x="2253343" y="762000"/>
+                  </a:lnTo>
+                  <a:lnTo>
+                    <a:pt x="2460171" y="10885"/>
+                  </a:lnTo>
+                  <a:lnTo>
+                    <a:pt x="2993571" y="0"/>
+                  </a:lnTo>
+                  <a:lnTo>
+                    <a:pt x="3346240" y="442725"/>
+                  </a:lnTo>
+                  <a:lnTo>
+                    <a:pt x="4577099" y="764981"/>
+                  </a:lnTo>
+                  <a:lnTo>
+                    <a:pt x="6008914" y="751114"/>
+                  </a:lnTo>
+                  <a:lnTo>
+                    <a:pt x="6008914" y="751114"/>
+                  </a:lnTo>
+                </a:path>
+              </a:pathLst>
+            </a:custGeom>
+            <a:noFill/>
+            <a:ln w="57150">
+              <a:solidFill>
+                <a:schemeClr val="tx1"/>
+              </a:solidFill>
+            </a:ln>
+          </p:spPr>
+          <p:style>
+            <a:lnRef idx="2">
+              <a:schemeClr val="accent1">
+                <a:shade val="50000"/>
+              </a:schemeClr>
+            </a:lnRef>
+            <a:fillRef idx="1">
+              <a:schemeClr val="accent1"/>
+            </a:fillRef>
+            <a:effectRef idx="0">
+              <a:schemeClr val="accent1"/>
+            </a:effectRef>
+            <a:fontRef idx="minor">
+              <a:schemeClr val="lt1"/>
+            </a:fontRef>
+          </p:style>
+          <p:txBody>
+            <a:bodyPr rtlCol="0" anchor="ctr"/>
+            <a:lstStyle/>
+            <a:p>
+              <a:pPr algn="ctr"/>
+              <a:endParaRPr lang="en-US" sz="800"/>
+            </a:p>
+          </p:txBody>
+        </p:sp>
+        <p:sp>
+          <p:nvSpPr>
+            <p:cNvPr id="26" name="TextBox 25"/>
+            <p:cNvSpPr txBox="1"/>
+            <p:nvPr/>
+          </p:nvSpPr>
+          <p:spPr>
+            <a:xfrm>
+              <a:off x="3803972" y="2260024"/>
+              <a:ext cx="666434" cy="564673"/>
+            </a:xfrm>
+            <a:prstGeom prst="rect">
+              <a:avLst/>
+            </a:prstGeom>
+            <a:noFill/>
+          </p:spPr>
+          <p:txBody>
+            <a:bodyPr wrap="none" rtlCol="0">
+              <a:spAutoFit/>
+            </a:bodyPr>
+            <a:lstStyle/>
+            <a:p>
+              <a:r>
+                <a:rPr lang="en-US" sz="1100" dirty="0"/>
+                <a:t>4</a:t>
+              </a:r>
+            </a:p>
+          </p:txBody>
+        </p:sp>
+        <p:sp>
+          <p:nvSpPr>
+            <p:cNvPr id="31" name="TextBox 30"/>
+            <p:cNvSpPr txBox="1"/>
+            <p:nvPr/>
+          </p:nvSpPr>
+          <p:spPr>
+            <a:xfrm>
+              <a:off x="4569467" y="2260024"/>
+              <a:ext cx="666434" cy="564673"/>
+            </a:xfrm>
+            <a:prstGeom prst="rect">
+              <a:avLst/>
+            </a:prstGeom>
+            <a:noFill/>
+          </p:spPr>
+          <p:txBody>
+            <a:bodyPr wrap="none" rtlCol="0">
+              <a:spAutoFit/>
+            </a:bodyPr>
+            <a:lstStyle/>
+            <a:p>
+              <a:r>
+                <a:rPr lang="en-US" sz="1100" dirty="0"/>
+                <a:t>6</a:t>
+              </a:r>
+            </a:p>
+          </p:txBody>
+        </p:sp>
+        <p:sp>
+          <p:nvSpPr>
+            <p:cNvPr id="32" name="TextBox 31"/>
+            <p:cNvSpPr txBox="1"/>
+            <p:nvPr/>
+          </p:nvSpPr>
+          <p:spPr>
+            <a:xfrm>
+              <a:off x="5327976" y="2260024"/>
+              <a:ext cx="666434" cy="564673"/>
+            </a:xfrm>
+            <a:prstGeom prst="rect">
+              <a:avLst/>
+            </a:prstGeom>
+            <a:noFill/>
+          </p:spPr>
+          <p:txBody>
+            <a:bodyPr wrap="none" rtlCol="0">
+              <a:spAutoFit/>
+            </a:bodyPr>
+            <a:lstStyle/>
+            <a:p>
+              <a:r>
+                <a:rPr lang="en-US" sz="1100" dirty="0"/>
+                <a:t>8</a:t>
+              </a:r>
+            </a:p>
+          </p:txBody>
+        </p:sp>
+        <p:sp>
+          <p:nvSpPr>
+            <p:cNvPr id="33" name="TextBox 32"/>
+            <p:cNvSpPr txBox="1"/>
+            <p:nvPr/>
+          </p:nvSpPr>
+          <p:spPr>
+            <a:xfrm>
+              <a:off x="5981699" y="2260024"/>
+              <a:ext cx="853631" cy="564673"/>
+            </a:xfrm>
+            <a:prstGeom prst="rect">
+              <a:avLst/>
+            </a:prstGeom>
+            <a:noFill/>
+          </p:spPr>
+          <p:txBody>
+            <a:bodyPr wrap="none" rtlCol="0">
+              <a:spAutoFit/>
+            </a:bodyPr>
+            <a:lstStyle/>
+            <a:p>
+              <a:r>
+                <a:rPr lang="en-US" sz="1100" dirty="0"/>
+                <a:t>10</a:t>
+              </a:r>
+            </a:p>
+          </p:txBody>
+        </p:sp>
+      </p:grpSp>
+      <p:sp>
+        <p:nvSpPr>
+          <p:cNvPr id="3" name="Freeform 27">
+            <a:extLst>
+              <a:ext uri="{FF2B5EF4-FFF2-40B4-BE49-F238E27FC236}">
+                <a16:creationId xmlns:a16="http://schemas.microsoft.com/office/drawing/2014/main" id="{B5432291-5FB6-1837-78B9-CEAE7924662A}"/>
+              </a:ext>
+            </a:extLst>
+          </p:cNvPr>
+          <p:cNvSpPr/>
+          <p:nvPr/>
+        </p:nvSpPr>
+        <p:spPr>
+          <a:xfrm>
+            <a:off x="2625778" y="2142281"/>
+            <a:ext cx="2315460" cy="354411"/>
+          </a:xfrm>
+          <a:custGeom>
+            <a:avLst/>
+            <a:gdLst>
+              <a:gd name="connsiteX0" fmla="*/ 0 w 6008914"/>
+              <a:gd name="connsiteY0" fmla="*/ 751114 h 762000"/>
+              <a:gd name="connsiteX1" fmla="*/ 2253343 w 6008914"/>
+              <a:gd name="connsiteY1" fmla="*/ 762000 h 762000"/>
+              <a:gd name="connsiteX2" fmla="*/ 2460171 w 6008914"/>
+              <a:gd name="connsiteY2" fmla="*/ 10885 h 762000"/>
+              <a:gd name="connsiteX3" fmla="*/ 2993571 w 6008914"/>
+              <a:gd name="connsiteY3" fmla="*/ 0 h 762000"/>
+              <a:gd name="connsiteX4" fmla="*/ 3766457 w 6008914"/>
+              <a:gd name="connsiteY4" fmla="*/ 751114 h 762000"/>
+              <a:gd name="connsiteX5" fmla="*/ 6008914 w 6008914"/>
+              <a:gd name="connsiteY5" fmla="*/ 751114 h 762000"/>
+              <a:gd name="connsiteX6" fmla="*/ 6008914 w 6008914"/>
+              <a:gd name="connsiteY6" fmla="*/ 751114 h 762000"/>
+              <a:gd name="connsiteX0" fmla="*/ 0 w 6008914"/>
+              <a:gd name="connsiteY0" fmla="*/ 751114 h 762000"/>
+              <a:gd name="connsiteX1" fmla="*/ 2253343 w 6008914"/>
+              <a:gd name="connsiteY1" fmla="*/ 762000 h 762000"/>
+              <a:gd name="connsiteX2" fmla="*/ 2460171 w 6008914"/>
+              <a:gd name="connsiteY2" fmla="*/ 10885 h 762000"/>
+              <a:gd name="connsiteX3" fmla="*/ 2993571 w 6008914"/>
+              <a:gd name="connsiteY3" fmla="*/ 0 h 762000"/>
+              <a:gd name="connsiteX4" fmla="*/ 3346240 w 6008914"/>
+              <a:gd name="connsiteY4" fmla="*/ 442725 h 762000"/>
+              <a:gd name="connsiteX5" fmla="*/ 6008914 w 6008914"/>
+              <a:gd name="connsiteY5" fmla="*/ 751114 h 762000"/>
+              <a:gd name="connsiteX6" fmla="*/ 6008914 w 6008914"/>
+              <a:gd name="connsiteY6" fmla="*/ 751114 h 762000"/>
+              <a:gd name="connsiteX0" fmla="*/ 0 w 6008914"/>
+              <a:gd name="connsiteY0" fmla="*/ 751114 h 762000"/>
+              <a:gd name="connsiteX1" fmla="*/ 2253343 w 6008914"/>
+              <a:gd name="connsiteY1" fmla="*/ 762000 h 762000"/>
+              <a:gd name="connsiteX2" fmla="*/ 2460171 w 6008914"/>
+              <a:gd name="connsiteY2" fmla="*/ 10885 h 762000"/>
+              <a:gd name="connsiteX3" fmla="*/ 2993571 w 6008914"/>
+              <a:gd name="connsiteY3" fmla="*/ 0 h 762000"/>
+              <a:gd name="connsiteX4" fmla="*/ 3346240 w 6008914"/>
+              <a:gd name="connsiteY4" fmla="*/ 442725 h 762000"/>
+              <a:gd name="connsiteX5" fmla="*/ 4651255 w 6008914"/>
+              <a:gd name="connsiteY5" fmla="*/ 621066 h 762000"/>
+              <a:gd name="connsiteX6" fmla="*/ 6008914 w 6008914"/>
+              <a:gd name="connsiteY6" fmla="*/ 751114 h 762000"/>
+              <a:gd name="connsiteX7" fmla="*/ 6008914 w 6008914"/>
+              <a:gd name="connsiteY7" fmla="*/ 751114 h 762000"/>
+              <a:gd name="connsiteX0" fmla="*/ 0 w 6008914"/>
+              <a:gd name="connsiteY0" fmla="*/ 751114 h 764981"/>
+              <a:gd name="connsiteX1" fmla="*/ 2253343 w 6008914"/>
+              <a:gd name="connsiteY1" fmla="*/ 762000 h 764981"/>
+              <a:gd name="connsiteX2" fmla="*/ 2460171 w 6008914"/>
+              <a:gd name="connsiteY2" fmla="*/ 10885 h 764981"/>
+              <a:gd name="connsiteX3" fmla="*/ 2993571 w 6008914"/>
+              <a:gd name="connsiteY3" fmla="*/ 0 h 764981"/>
+              <a:gd name="connsiteX4" fmla="*/ 3346240 w 6008914"/>
+              <a:gd name="connsiteY4" fmla="*/ 442725 h 764981"/>
+              <a:gd name="connsiteX5" fmla="*/ 4577099 w 6008914"/>
+              <a:gd name="connsiteY5" fmla="*/ 764981 h 764981"/>
+              <a:gd name="connsiteX6" fmla="*/ 6008914 w 6008914"/>
+              <a:gd name="connsiteY6" fmla="*/ 751114 h 764981"/>
+              <a:gd name="connsiteX7" fmla="*/ 6008914 w 6008914"/>
+              <a:gd name="connsiteY7" fmla="*/ 751114 h 764981"/>
+            </a:gdLst>
+            <a:ahLst/>
+            <a:cxnLst>
+              <a:cxn ang="0">
+                <a:pos x="connsiteX0" y="connsiteY0"/>
+              </a:cxn>
+              <a:cxn ang="0">
+                <a:pos x="connsiteX1" y="connsiteY1"/>
+              </a:cxn>
+              <a:cxn ang="0">
+                <a:pos x="connsiteX2" y="connsiteY2"/>
+              </a:cxn>
+              <a:cxn ang="0">
+                <a:pos x="connsiteX3" y="connsiteY3"/>
+              </a:cxn>
+              <a:cxn ang="0">
+                <a:pos x="connsiteX4" y="connsiteY4"/>
+              </a:cxn>
+              <a:cxn ang="0">
+                <a:pos x="connsiteX5" y="connsiteY5"/>
+              </a:cxn>
+              <a:cxn ang="0">
+                <a:pos x="connsiteX6" y="connsiteY6"/>
+              </a:cxn>
+              <a:cxn ang="0">
+                <a:pos x="connsiteX7" y="connsiteY7"/>
+              </a:cxn>
+            </a:cxnLst>
+            <a:rect l="l" t="t" r="r" b="b"/>
+            <a:pathLst>
+              <a:path w="6008914" h="764981">
+                <a:moveTo>
+                  <a:pt x="0" y="751114"/>
+                </a:moveTo>
+                <a:lnTo>
+                  <a:pt x="2253343" y="762000"/>
+                </a:lnTo>
+                <a:lnTo>
+                  <a:pt x="2460171" y="10885"/>
+                </a:lnTo>
+                <a:lnTo>
+                  <a:pt x="2993571" y="0"/>
+                </a:lnTo>
+                <a:lnTo>
+                  <a:pt x="3346240" y="442725"/>
+                </a:lnTo>
+                <a:lnTo>
+                  <a:pt x="4577099" y="764981"/>
+                </a:lnTo>
+                <a:lnTo>
+                  <a:pt x="6008914" y="751114"/>
+                </a:lnTo>
+                <a:lnTo>
+                  <a:pt x="6008914" y="751114"/>
+                </a:lnTo>
+              </a:path>
+            </a:pathLst>
+          </a:custGeom>
+          <a:noFill/>
+          <a:ln w="57150">
+            <a:solidFill>
+              <a:schemeClr val="tx1"/>
+            </a:solidFill>
+          </a:ln>
+        </p:spPr>
+        <p:style>
+          <a:lnRef idx="2">
+            <a:schemeClr val="accent1">
+              <a:shade val="50000"/>
+            </a:schemeClr>
+          </a:lnRef>
+          <a:fillRef idx="1">
+            <a:schemeClr val="accent1"/>
+          </a:fillRef>
+          <a:effectRef idx="0">
+            <a:schemeClr val="accent1"/>
+          </a:effectRef>
+          <a:fontRef idx="minor">
+            <a:schemeClr val="lt1"/>
+          </a:fontRef>
+        </p:style>
+        <p:txBody>
+          <a:bodyPr rtlCol="0" anchor="ctr"/>
+          <a:lstStyle/>
+          <a:p>
+            <a:pPr algn="ctr"/>
+            <a:endParaRPr lang="en-US" sz="800"/>
+          </a:p>
+        </p:txBody>
+      </p:sp>
+      <p:sp>
+        <p:nvSpPr>
+          <p:cNvPr id="25" name="Freeform 27">
+            <a:extLst>
+              <a:ext uri="{FF2B5EF4-FFF2-40B4-BE49-F238E27FC236}">
+                <a16:creationId xmlns:a16="http://schemas.microsoft.com/office/drawing/2014/main" id="{F49AC4AA-E1CE-7045-6211-23FEFB8B7976}"/>
+              </a:ext>
+            </a:extLst>
+          </p:cNvPr>
+          <p:cNvSpPr/>
+          <p:nvPr/>
+        </p:nvSpPr>
+        <p:spPr>
+          <a:xfrm>
+            <a:off x="2496812" y="3771148"/>
+            <a:ext cx="2315460" cy="354411"/>
+          </a:xfrm>
+          <a:custGeom>
+            <a:avLst/>
+            <a:gdLst>
+              <a:gd name="connsiteX0" fmla="*/ 0 w 6008914"/>
+              <a:gd name="connsiteY0" fmla="*/ 751114 h 762000"/>
+              <a:gd name="connsiteX1" fmla="*/ 2253343 w 6008914"/>
+              <a:gd name="connsiteY1" fmla="*/ 762000 h 762000"/>
+              <a:gd name="connsiteX2" fmla="*/ 2460171 w 6008914"/>
+              <a:gd name="connsiteY2" fmla="*/ 10885 h 762000"/>
+              <a:gd name="connsiteX3" fmla="*/ 2993571 w 6008914"/>
+              <a:gd name="connsiteY3" fmla="*/ 0 h 762000"/>
+              <a:gd name="connsiteX4" fmla="*/ 3766457 w 6008914"/>
+              <a:gd name="connsiteY4" fmla="*/ 751114 h 762000"/>
+              <a:gd name="connsiteX5" fmla="*/ 6008914 w 6008914"/>
+              <a:gd name="connsiteY5" fmla="*/ 751114 h 762000"/>
+              <a:gd name="connsiteX6" fmla="*/ 6008914 w 6008914"/>
+              <a:gd name="connsiteY6" fmla="*/ 751114 h 762000"/>
+              <a:gd name="connsiteX0" fmla="*/ 0 w 6008914"/>
+              <a:gd name="connsiteY0" fmla="*/ 751114 h 762000"/>
+              <a:gd name="connsiteX1" fmla="*/ 2253343 w 6008914"/>
+              <a:gd name="connsiteY1" fmla="*/ 762000 h 762000"/>
+              <a:gd name="connsiteX2" fmla="*/ 2460171 w 6008914"/>
+              <a:gd name="connsiteY2" fmla="*/ 10885 h 762000"/>
+              <a:gd name="connsiteX3" fmla="*/ 2993571 w 6008914"/>
+              <a:gd name="connsiteY3" fmla="*/ 0 h 762000"/>
+              <a:gd name="connsiteX4" fmla="*/ 3346240 w 6008914"/>
+              <a:gd name="connsiteY4" fmla="*/ 442725 h 762000"/>
+              <a:gd name="connsiteX5" fmla="*/ 6008914 w 6008914"/>
+              <a:gd name="connsiteY5" fmla="*/ 751114 h 762000"/>
+              <a:gd name="connsiteX6" fmla="*/ 6008914 w 6008914"/>
+              <a:gd name="connsiteY6" fmla="*/ 751114 h 762000"/>
+              <a:gd name="connsiteX0" fmla="*/ 0 w 6008914"/>
+              <a:gd name="connsiteY0" fmla="*/ 751114 h 762000"/>
+              <a:gd name="connsiteX1" fmla="*/ 2253343 w 6008914"/>
+              <a:gd name="connsiteY1" fmla="*/ 762000 h 762000"/>
+              <a:gd name="connsiteX2" fmla="*/ 2460171 w 6008914"/>
+              <a:gd name="connsiteY2" fmla="*/ 10885 h 762000"/>
+              <a:gd name="connsiteX3" fmla="*/ 2993571 w 6008914"/>
+              <a:gd name="connsiteY3" fmla="*/ 0 h 762000"/>
+              <a:gd name="connsiteX4" fmla="*/ 3346240 w 6008914"/>
+              <a:gd name="connsiteY4" fmla="*/ 442725 h 762000"/>
+              <a:gd name="connsiteX5" fmla="*/ 4651255 w 6008914"/>
+              <a:gd name="connsiteY5" fmla="*/ 621066 h 762000"/>
+              <a:gd name="connsiteX6" fmla="*/ 6008914 w 6008914"/>
+              <a:gd name="connsiteY6" fmla="*/ 751114 h 762000"/>
+              <a:gd name="connsiteX7" fmla="*/ 6008914 w 6008914"/>
+              <a:gd name="connsiteY7" fmla="*/ 751114 h 762000"/>
+              <a:gd name="connsiteX0" fmla="*/ 0 w 6008914"/>
+              <a:gd name="connsiteY0" fmla="*/ 751114 h 764981"/>
+              <a:gd name="connsiteX1" fmla="*/ 2253343 w 6008914"/>
+              <a:gd name="connsiteY1" fmla="*/ 762000 h 764981"/>
+              <a:gd name="connsiteX2" fmla="*/ 2460171 w 6008914"/>
+              <a:gd name="connsiteY2" fmla="*/ 10885 h 764981"/>
+              <a:gd name="connsiteX3" fmla="*/ 2993571 w 6008914"/>
+              <a:gd name="connsiteY3" fmla="*/ 0 h 764981"/>
+              <a:gd name="connsiteX4" fmla="*/ 3346240 w 6008914"/>
+              <a:gd name="connsiteY4" fmla="*/ 442725 h 764981"/>
+              <a:gd name="connsiteX5" fmla="*/ 4577099 w 6008914"/>
+              <a:gd name="connsiteY5" fmla="*/ 764981 h 764981"/>
+              <a:gd name="connsiteX6" fmla="*/ 6008914 w 6008914"/>
+              <a:gd name="connsiteY6" fmla="*/ 751114 h 764981"/>
+              <a:gd name="connsiteX7" fmla="*/ 6008914 w 6008914"/>
+              <a:gd name="connsiteY7" fmla="*/ 751114 h 764981"/>
+            </a:gdLst>
+            <a:ahLst/>
+            <a:cxnLst>
+              <a:cxn ang="0">
+                <a:pos x="connsiteX0" y="connsiteY0"/>
+              </a:cxn>
+              <a:cxn ang="0">
+                <a:pos x="connsiteX1" y="connsiteY1"/>
+              </a:cxn>
+              <a:cxn ang="0">
+                <a:pos x="connsiteX2" y="connsiteY2"/>
+              </a:cxn>
+              <a:cxn ang="0">
+                <a:pos x="connsiteX3" y="connsiteY3"/>
+              </a:cxn>
+              <a:cxn ang="0">
+                <a:pos x="connsiteX4" y="connsiteY4"/>
+              </a:cxn>
+              <a:cxn ang="0">
+                <a:pos x="connsiteX5" y="connsiteY5"/>
+              </a:cxn>
+              <a:cxn ang="0">
+                <a:pos x="connsiteX6" y="connsiteY6"/>
+              </a:cxn>
+              <a:cxn ang="0">
+                <a:pos x="connsiteX7" y="connsiteY7"/>
+              </a:cxn>
+            </a:cxnLst>
+            <a:rect l="l" t="t" r="r" b="b"/>
+            <a:pathLst>
+              <a:path w="6008914" h="764981">
+                <a:moveTo>
+                  <a:pt x="0" y="751114"/>
+                </a:moveTo>
+                <a:lnTo>
+                  <a:pt x="2253343" y="762000"/>
+                </a:lnTo>
+                <a:lnTo>
+                  <a:pt x="2460171" y="10885"/>
+                </a:lnTo>
+                <a:lnTo>
+                  <a:pt x="2993571" y="0"/>
+                </a:lnTo>
+                <a:lnTo>
+                  <a:pt x="3346240" y="442725"/>
+                </a:lnTo>
+                <a:lnTo>
+                  <a:pt x="4577099" y="764981"/>
+                </a:lnTo>
+                <a:lnTo>
+                  <a:pt x="6008914" y="751114"/>
+                </a:lnTo>
+                <a:lnTo>
+                  <a:pt x="6008914" y="751114"/>
+                </a:lnTo>
+              </a:path>
+            </a:pathLst>
+          </a:custGeom>
+          <a:noFill/>
+          <a:ln w="57150">
+            <a:solidFill>
+              <a:schemeClr val="tx1"/>
+            </a:solidFill>
+          </a:ln>
+        </p:spPr>
+        <p:style>
+          <a:lnRef idx="2">
+            <a:schemeClr val="accent1">
+              <a:shade val="50000"/>
+            </a:schemeClr>
+          </a:lnRef>
+          <a:fillRef idx="1">
+            <a:schemeClr val="accent1"/>
+          </a:fillRef>
+          <a:effectRef idx="0">
+            <a:schemeClr val="accent1"/>
+          </a:effectRef>
+          <a:fontRef idx="minor">
+            <a:schemeClr val="lt1"/>
+          </a:fontRef>
+        </p:style>
+        <p:txBody>
+          <a:bodyPr rtlCol="0" anchor="ctr"/>
+          <a:lstStyle/>
+          <a:p>
+            <a:pPr algn="ctr"/>
+            <a:endParaRPr lang="en-US" sz="800"/>
+          </a:p>
+        </p:txBody>
+      </p:sp>
+      <p:sp>
+        <p:nvSpPr>
+          <p:cNvPr id="29" name="Freeform 27">
+            <a:extLst>
+              <a:ext uri="{FF2B5EF4-FFF2-40B4-BE49-F238E27FC236}">
+                <a16:creationId xmlns:a16="http://schemas.microsoft.com/office/drawing/2014/main" id="{E2F8B26B-67C4-1B3A-FDD1-6EB35749A7C2}"/>
+              </a:ext>
+            </a:extLst>
+          </p:cNvPr>
+          <p:cNvSpPr/>
+          <p:nvPr/>
+        </p:nvSpPr>
+        <p:spPr>
+          <a:xfrm>
+            <a:off x="5548076" y="627762"/>
+            <a:ext cx="2315460" cy="354411"/>
+          </a:xfrm>
+          <a:custGeom>
+            <a:avLst/>
+            <a:gdLst>
+              <a:gd name="connsiteX0" fmla="*/ 0 w 6008914"/>
+              <a:gd name="connsiteY0" fmla="*/ 751114 h 762000"/>
+              <a:gd name="connsiteX1" fmla="*/ 2253343 w 6008914"/>
+              <a:gd name="connsiteY1" fmla="*/ 762000 h 762000"/>
+              <a:gd name="connsiteX2" fmla="*/ 2460171 w 6008914"/>
+              <a:gd name="connsiteY2" fmla="*/ 10885 h 762000"/>
+              <a:gd name="connsiteX3" fmla="*/ 2993571 w 6008914"/>
+              <a:gd name="connsiteY3" fmla="*/ 0 h 762000"/>
+              <a:gd name="connsiteX4" fmla="*/ 3766457 w 6008914"/>
+              <a:gd name="connsiteY4" fmla="*/ 751114 h 762000"/>
+              <a:gd name="connsiteX5" fmla="*/ 6008914 w 6008914"/>
+              <a:gd name="connsiteY5" fmla="*/ 751114 h 762000"/>
+              <a:gd name="connsiteX6" fmla="*/ 6008914 w 6008914"/>
+              <a:gd name="connsiteY6" fmla="*/ 751114 h 762000"/>
+              <a:gd name="connsiteX0" fmla="*/ 0 w 6008914"/>
+              <a:gd name="connsiteY0" fmla="*/ 751114 h 762000"/>
+              <a:gd name="connsiteX1" fmla="*/ 2253343 w 6008914"/>
+              <a:gd name="connsiteY1" fmla="*/ 762000 h 762000"/>
+              <a:gd name="connsiteX2" fmla="*/ 2460171 w 6008914"/>
+              <a:gd name="connsiteY2" fmla="*/ 10885 h 762000"/>
+              <a:gd name="connsiteX3" fmla="*/ 2993571 w 6008914"/>
+              <a:gd name="connsiteY3" fmla="*/ 0 h 762000"/>
+              <a:gd name="connsiteX4" fmla="*/ 3346240 w 6008914"/>
+              <a:gd name="connsiteY4" fmla="*/ 442725 h 762000"/>
+              <a:gd name="connsiteX5" fmla="*/ 6008914 w 6008914"/>
+              <a:gd name="connsiteY5" fmla="*/ 751114 h 762000"/>
+              <a:gd name="connsiteX6" fmla="*/ 6008914 w 6008914"/>
+              <a:gd name="connsiteY6" fmla="*/ 751114 h 762000"/>
+              <a:gd name="connsiteX0" fmla="*/ 0 w 6008914"/>
+              <a:gd name="connsiteY0" fmla="*/ 751114 h 762000"/>
+              <a:gd name="connsiteX1" fmla="*/ 2253343 w 6008914"/>
+              <a:gd name="connsiteY1" fmla="*/ 762000 h 762000"/>
+              <a:gd name="connsiteX2" fmla="*/ 2460171 w 6008914"/>
+              <a:gd name="connsiteY2" fmla="*/ 10885 h 762000"/>
+              <a:gd name="connsiteX3" fmla="*/ 2993571 w 6008914"/>
+              <a:gd name="connsiteY3" fmla="*/ 0 h 762000"/>
+              <a:gd name="connsiteX4" fmla="*/ 3346240 w 6008914"/>
+              <a:gd name="connsiteY4" fmla="*/ 442725 h 762000"/>
+              <a:gd name="connsiteX5" fmla="*/ 4651255 w 6008914"/>
+              <a:gd name="connsiteY5" fmla="*/ 621066 h 762000"/>
+              <a:gd name="connsiteX6" fmla="*/ 6008914 w 6008914"/>
+              <a:gd name="connsiteY6" fmla="*/ 751114 h 762000"/>
+              <a:gd name="connsiteX7" fmla="*/ 6008914 w 6008914"/>
+              <a:gd name="connsiteY7" fmla="*/ 751114 h 762000"/>
+              <a:gd name="connsiteX0" fmla="*/ 0 w 6008914"/>
+              <a:gd name="connsiteY0" fmla="*/ 751114 h 764981"/>
+              <a:gd name="connsiteX1" fmla="*/ 2253343 w 6008914"/>
+              <a:gd name="connsiteY1" fmla="*/ 762000 h 764981"/>
+              <a:gd name="connsiteX2" fmla="*/ 2460171 w 6008914"/>
+              <a:gd name="connsiteY2" fmla="*/ 10885 h 764981"/>
+              <a:gd name="connsiteX3" fmla="*/ 2993571 w 6008914"/>
+              <a:gd name="connsiteY3" fmla="*/ 0 h 764981"/>
+              <a:gd name="connsiteX4" fmla="*/ 3346240 w 6008914"/>
+              <a:gd name="connsiteY4" fmla="*/ 442725 h 764981"/>
+              <a:gd name="connsiteX5" fmla="*/ 4577099 w 6008914"/>
+              <a:gd name="connsiteY5" fmla="*/ 764981 h 764981"/>
+              <a:gd name="connsiteX6" fmla="*/ 6008914 w 6008914"/>
+              <a:gd name="connsiteY6" fmla="*/ 751114 h 764981"/>
+              <a:gd name="connsiteX7" fmla="*/ 6008914 w 6008914"/>
+              <a:gd name="connsiteY7" fmla="*/ 751114 h 764981"/>
+            </a:gdLst>
+            <a:ahLst/>
+            <a:cxnLst>
+              <a:cxn ang="0">
+                <a:pos x="connsiteX0" y="connsiteY0"/>
+              </a:cxn>
+              <a:cxn ang="0">
+                <a:pos x="connsiteX1" y="connsiteY1"/>
+              </a:cxn>
+              <a:cxn ang="0">
+                <a:pos x="connsiteX2" y="connsiteY2"/>
+              </a:cxn>
+              <a:cxn ang="0">
+                <a:pos x="connsiteX3" y="connsiteY3"/>
+              </a:cxn>
+              <a:cxn ang="0">
+                <a:pos x="connsiteX4" y="connsiteY4"/>
+              </a:cxn>
+              <a:cxn ang="0">
+                <a:pos x="connsiteX5" y="connsiteY5"/>
+              </a:cxn>
+              <a:cxn ang="0">
+                <a:pos x="connsiteX6" y="connsiteY6"/>
+              </a:cxn>
+              <a:cxn ang="0">
+                <a:pos x="connsiteX7" y="connsiteY7"/>
+              </a:cxn>
+            </a:cxnLst>
+            <a:rect l="l" t="t" r="r" b="b"/>
+            <a:pathLst>
+              <a:path w="6008914" h="764981">
+                <a:moveTo>
+                  <a:pt x="0" y="751114"/>
+                </a:moveTo>
+                <a:lnTo>
+                  <a:pt x="2253343" y="762000"/>
+                </a:lnTo>
+                <a:lnTo>
+                  <a:pt x="2460171" y="10885"/>
+                </a:lnTo>
+                <a:lnTo>
+                  <a:pt x="2993571" y="0"/>
+                </a:lnTo>
+                <a:lnTo>
+                  <a:pt x="3346240" y="442725"/>
+                </a:lnTo>
+                <a:lnTo>
+                  <a:pt x="4577099" y="764981"/>
+                </a:lnTo>
+                <a:lnTo>
+                  <a:pt x="6008914" y="751114"/>
+                </a:lnTo>
+                <a:lnTo>
+                  <a:pt x="6008914" y="751114"/>
+                </a:lnTo>
+              </a:path>
+            </a:pathLst>
+          </a:custGeom>
+          <a:noFill/>
+          <a:ln w="57150">
+            <a:solidFill>
+              <a:schemeClr val="tx1"/>
+            </a:solidFill>
+          </a:ln>
+        </p:spPr>
+        <p:style>
+          <a:lnRef idx="2">
+            <a:schemeClr val="accent1">
+              <a:shade val="50000"/>
+            </a:schemeClr>
+          </a:lnRef>
+          <a:fillRef idx="1">
+            <a:schemeClr val="accent1"/>
+          </a:fillRef>
+          <a:effectRef idx="0">
+            <a:schemeClr val="accent1"/>
+          </a:effectRef>
+          <a:fontRef idx="minor">
+            <a:schemeClr val="lt1"/>
+          </a:fontRef>
+        </p:style>
+        <p:txBody>
+          <a:bodyPr rtlCol="0" anchor="ctr"/>
+          <a:lstStyle/>
+          <a:p>
+            <a:pPr algn="ctr"/>
+            <a:endParaRPr lang="en-US" sz="800"/>
+          </a:p>
+        </p:txBody>
+      </p:sp>
+      <p:sp>
+        <p:nvSpPr>
+          <p:cNvPr id="72" name="Freeform 27">
+            <a:extLst>
+              <a:ext uri="{FF2B5EF4-FFF2-40B4-BE49-F238E27FC236}">
+                <a16:creationId xmlns:a16="http://schemas.microsoft.com/office/drawing/2014/main" id="{2B9168F3-18E5-5177-1452-4ABFA75EFA32}"/>
+              </a:ext>
+            </a:extLst>
+          </p:cNvPr>
+          <p:cNvSpPr/>
+          <p:nvPr/>
+        </p:nvSpPr>
+        <p:spPr>
+          <a:xfrm>
+            <a:off x="5420261" y="2257120"/>
+            <a:ext cx="2315460" cy="354411"/>
+          </a:xfrm>
+          <a:custGeom>
+            <a:avLst/>
+            <a:gdLst>
+              <a:gd name="connsiteX0" fmla="*/ 0 w 6008914"/>
+              <a:gd name="connsiteY0" fmla="*/ 751114 h 762000"/>
+              <a:gd name="connsiteX1" fmla="*/ 2253343 w 6008914"/>
+              <a:gd name="connsiteY1" fmla="*/ 762000 h 762000"/>
+              <a:gd name="connsiteX2" fmla="*/ 2460171 w 6008914"/>
+              <a:gd name="connsiteY2" fmla="*/ 10885 h 762000"/>
+              <a:gd name="connsiteX3" fmla="*/ 2993571 w 6008914"/>
+              <a:gd name="connsiteY3" fmla="*/ 0 h 762000"/>
+              <a:gd name="connsiteX4" fmla="*/ 3766457 w 6008914"/>
+              <a:gd name="connsiteY4" fmla="*/ 751114 h 762000"/>
+              <a:gd name="connsiteX5" fmla="*/ 6008914 w 6008914"/>
+              <a:gd name="connsiteY5" fmla="*/ 751114 h 762000"/>
+              <a:gd name="connsiteX6" fmla="*/ 6008914 w 6008914"/>
+              <a:gd name="connsiteY6" fmla="*/ 751114 h 762000"/>
+              <a:gd name="connsiteX0" fmla="*/ 0 w 6008914"/>
+              <a:gd name="connsiteY0" fmla="*/ 751114 h 762000"/>
+              <a:gd name="connsiteX1" fmla="*/ 2253343 w 6008914"/>
+              <a:gd name="connsiteY1" fmla="*/ 762000 h 762000"/>
+              <a:gd name="connsiteX2" fmla="*/ 2460171 w 6008914"/>
+              <a:gd name="connsiteY2" fmla="*/ 10885 h 762000"/>
+              <a:gd name="connsiteX3" fmla="*/ 2993571 w 6008914"/>
+              <a:gd name="connsiteY3" fmla="*/ 0 h 762000"/>
+              <a:gd name="connsiteX4" fmla="*/ 3346240 w 6008914"/>
+              <a:gd name="connsiteY4" fmla="*/ 442725 h 762000"/>
+              <a:gd name="connsiteX5" fmla="*/ 6008914 w 6008914"/>
+              <a:gd name="connsiteY5" fmla="*/ 751114 h 762000"/>
+              <a:gd name="connsiteX6" fmla="*/ 6008914 w 6008914"/>
+              <a:gd name="connsiteY6" fmla="*/ 751114 h 762000"/>
+              <a:gd name="connsiteX0" fmla="*/ 0 w 6008914"/>
+              <a:gd name="connsiteY0" fmla="*/ 751114 h 762000"/>
+              <a:gd name="connsiteX1" fmla="*/ 2253343 w 6008914"/>
+              <a:gd name="connsiteY1" fmla="*/ 762000 h 762000"/>
+              <a:gd name="connsiteX2" fmla="*/ 2460171 w 6008914"/>
+              <a:gd name="connsiteY2" fmla="*/ 10885 h 762000"/>
+              <a:gd name="connsiteX3" fmla="*/ 2993571 w 6008914"/>
+              <a:gd name="connsiteY3" fmla="*/ 0 h 762000"/>
+              <a:gd name="connsiteX4" fmla="*/ 3346240 w 6008914"/>
+              <a:gd name="connsiteY4" fmla="*/ 442725 h 762000"/>
+              <a:gd name="connsiteX5" fmla="*/ 4651255 w 6008914"/>
+              <a:gd name="connsiteY5" fmla="*/ 621066 h 762000"/>
+              <a:gd name="connsiteX6" fmla="*/ 6008914 w 6008914"/>
+              <a:gd name="connsiteY6" fmla="*/ 751114 h 762000"/>
+              <a:gd name="connsiteX7" fmla="*/ 6008914 w 6008914"/>
+              <a:gd name="connsiteY7" fmla="*/ 751114 h 762000"/>
+              <a:gd name="connsiteX0" fmla="*/ 0 w 6008914"/>
+              <a:gd name="connsiteY0" fmla="*/ 751114 h 764981"/>
+              <a:gd name="connsiteX1" fmla="*/ 2253343 w 6008914"/>
+              <a:gd name="connsiteY1" fmla="*/ 762000 h 764981"/>
+              <a:gd name="connsiteX2" fmla="*/ 2460171 w 6008914"/>
+              <a:gd name="connsiteY2" fmla="*/ 10885 h 764981"/>
+              <a:gd name="connsiteX3" fmla="*/ 2993571 w 6008914"/>
+              <a:gd name="connsiteY3" fmla="*/ 0 h 764981"/>
+              <a:gd name="connsiteX4" fmla="*/ 3346240 w 6008914"/>
+              <a:gd name="connsiteY4" fmla="*/ 442725 h 764981"/>
+              <a:gd name="connsiteX5" fmla="*/ 4577099 w 6008914"/>
+              <a:gd name="connsiteY5" fmla="*/ 764981 h 764981"/>
+              <a:gd name="connsiteX6" fmla="*/ 6008914 w 6008914"/>
+              <a:gd name="connsiteY6" fmla="*/ 751114 h 764981"/>
+              <a:gd name="connsiteX7" fmla="*/ 6008914 w 6008914"/>
+              <a:gd name="connsiteY7" fmla="*/ 751114 h 764981"/>
+            </a:gdLst>
+            <a:ahLst/>
+            <a:cxnLst>
+              <a:cxn ang="0">
+                <a:pos x="connsiteX0" y="connsiteY0"/>
+              </a:cxn>
+              <a:cxn ang="0">
+                <a:pos x="connsiteX1" y="connsiteY1"/>
+              </a:cxn>
+              <a:cxn ang="0">
+                <a:pos x="connsiteX2" y="connsiteY2"/>
+              </a:cxn>
+              <a:cxn ang="0">
+                <a:pos x="connsiteX3" y="connsiteY3"/>
+              </a:cxn>
+              <a:cxn ang="0">
+                <a:pos x="connsiteX4" y="connsiteY4"/>
+              </a:cxn>
+              <a:cxn ang="0">
+                <a:pos x="connsiteX5" y="connsiteY5"/>
+              </a:cxn>
+              <a:cxn ang="0">
+                <a:pos x="connsiteX6" y="connsiteY6"/>
+              </a:cxn>
+              <a:cxn ang="0">
+                <a:pos x="connsiteX7" y="connsiteY7"/>
+              </a:cxn>
+            </a:cxnLst>
+            <a:rect l="l" t="t" r="r" b="b"/>
+            <a:pathLst>
+              <a:path w="6008914" h="764981">
+                <a:moveTo>
+                  <a:pt x="0" y="751114"/>
+                </a:moveTo>
+                <a:lnTo>
+                  <a:pt x="2253343" y="762000"/>
+                </a:lnTo>
+                <a:lnTo>
+                  <a:pt x="2460171" y="10885"/>
+                </a:lnTo>
+                <a:lnTo>
+                  <a:pt x="2993571" y="0"/>
+                </a:lnTo>
+                <a:lnTo>
+                  <a:pt x="3346240" y="442725"/>
+                </a:lnTo>
+                <a:lnTo>
+                  <a:pt x="4577099" y="764981"/>
+                </a:lnTo>
+                <a:lnTo>
+                  <a:pt x="6008914" y="751114"/>
+                </a:lnTo>
+                <a:lnTo>
+                  <a:pt x="6008914" y="751114"/>
+                </a:lnTo>
+              </a:path>
+            </a:pathLst>
+          </a:custGeom>
+          <a:noFill/>
+          <a:ln w="57150">
+            <a:solidFill>
+              <a:schemeClr val="tx1"/>
+            </a:solidFill>
+          </a:ln>
+        </p:spPr>
+        <p:style>
+          <a:lnRef idx="2">
+            <a:schemeClr val="accent1">
+              <a:shade val="50000"/>
+            </a:schemeClr>
+          </a:lnRef>
+          <a:fillRef idx="1">
+            <a:schemeClr val="accent1"/>
+          </a:fillRef>
+          <a:effectRef idx="0">
+            <a:schemeClr val="accent1"/>
+          </a:effectRef>
+          <a:fontRef idx="minor">
+            <a:schemeClr val="lt1"/>
+          </a:fontRef>
+        </p:style>
+        <p:txBody>
+          <a:bodyPr rtlCol="0" anchor="ctr"/>
+          <a:lstStyle/>
+          <a:p>
+            <a:pPr algn="ctr"/>
+            <a:endParaRPr lang="en-US" sz="800"/>
+          </a:p>
+        </p:txBody>
+      </p:sp>
+      <p:sp>
+        <p:nvSpPr>
+          <p:cNvPr id="73" name="Freeform 27">
+            <a:extLst>
+              <a:ext uri="{FF2B5EF4-FFF2-40B4-BE49-F238E27FC236}">
+                <a16:creationId xmlns:a16="http://schemas.microsoft.com/office/drawing/2014/main" id="{08F0EDB4-BB9A-2134-ABE1-E8F86295A3EF}"/>
+              </a:ext>
+            </a:extLst>
+          </p:cNvPr>
+          <p:cNvSpPr/>
+          <p:nvPr/>
+        </p:nvSpPr>
+        <p:spPr>
+          <a:xfrm>
+            <a:off x="5295971" y="3885579"/>
+            <a:ext cx="2315460" cy="354411"/>
+          </a:xfrm>
+          <a:custGeom>
+            <a:avLst/>
+            <a:gdLst>
+              <a:gd name="connsiteX0" fmla="*/ 0 w 6008914"/>
+              <a:gd name="connsiteY0" fmla="*/ 751114 h 762000"/>
+              <a:gd name="connsiteX1" fmla="*/ 2253343 w 6008914"/>
+              <a:gd name="connsiteY1" fmla="*/ 762000 h 762000"/>
+              <a:gd name="connsiteX2" fmla="*/ 2460171 w 6008914"/>
+              <a:gd name="connsiteY2" fmla="*/ 10885 h 762000"/>
+              <a:gd name="connsiteX3" fmla="*/ 2993571 w 6008914"/>
+              <a:gd name="connsiteY3" fmla="*/ 0 h 762000"/>
+              <a:gd name="connsiteX4" fmla="*/ 3766457 w 6008914"/>
+              <a:gd name="connsiteY4" fmla="*/ 751114 h 762000"/>
+              <a:gd name="connsiteX5" fmla="*/ 6008914 w 6008914"/>
+              <a:gd name="connsiteY5" fmla="*/ 751114 h 762000"/>
+              <a:gd name="connsiteX6" fmla="*/ 6008914 w 6008914"/>
+              <a:gd name="connsiteY6" fmla="*/ 751114 h 762000"/>
+              <a:gd name="connsiteX0" fmla="*/ 0 w 6008914"/>
+              <a:gd name="connsiteY0" fmla="*/ 751114 h 762000"/>
+              <a:gd name="connsiteX1" fmla="*/ 2253343 w 6008914"/>
+              <a:gd name="connsiteY1" fmla="*/ 762000 h 762000"/>
+              <a:gd name="connsiteX2" fmla="*/ 2460171 w 6008914"/>
+              <a:gd name="connsiteY2" fmla="*/ 10885 h 762000"/>
+              <a:gd name="connsiteX3" fmla="*/ 2993571 w 6008914"/>
+              <a:gd name="connsiteY3" fmla="*/ 0 h 762000"/>
+              <a:gd name="connsiteX4" fmla="*/ 3346240 w 6008914"/>
+              <a:gd name="connsiteY4" fmla="*/ 442725 h 762000"/>
+              <a:gd name="connsiteX5" fmla="*/ 6008914 w 6008914"/>
+              <a:gd name="connsiteY5" fmla="*/ 751114 h 762000"/>
+              <a:gd name="connsiteX6" fmla="*/ 6008914 w 6008914"/>
+              <a:gd name="connsiteY6" fmla="*/ 751114 h 762000"/>
+              <a:gd name="connsiteX0" fmla="*/ 0 w 6008914"/>
+              <a:gd name="connsiteY0" fmla="*/ 751114 h 762000"/>
+              <a:gd name="connsiteX1" fmla="*/ 2253343 w 6008914"/>
+              <a:gd name="connsiteY1" fmla="*/ 762000 h 762000"/>
+              <a:gd name="connsiteX2" fmla="*/ 2460171 w 6008914"/>
+              <a:gd name="connsiteY2" fmla="*/ 10885 h 762000"/>
+              <a:gd name="connsiteX3" fmla="*/ 2993571 w 6008914"/>
+              <a:gd name="connsiteY3" fmla="*/ 0 h 762000"/>
+              <a:gd name="connsiteX4" fmla="*/ 3346240 w 6008914"/>
+              <a:gd name="connsiteY4" fmla="*/ 442725 h 762000"/>
+              <a:gd name="connsiteX5" fmla="*/ 4651255 w 6008914"/>
+              <a:gd name="connsiteY5" fmla="*/ 621066 h 762000"/>
+              <a:gd name="connsiteX6" fmla="*/ 6008914 w 6008914"/>
+              <a:gd name="connsiteY6" fmla="*/ 751114 h 762000"/>
+              <a:gd name="connsiteX7" fmla="*/ 6008914 w 6008914"/>
+              <a:gd name="connsiteY7" fmla="*/ 751114 h 762000"/>
+              <a:gd name="connsiteX0" fmla="*/ 0 w 6008914"/>
+              <a:gd name="connsiteY0" fmla="*/ 751114 h 764981"/>
+              <a:gd name="connsiteX1" fmla="*/ 2253343 w 6008914"/>
+              <a:gd name="connsiteY1" fmla="*/ 762000 h 764981"/>
+              <a:gd name="connsiteX2" fmla="*/ 2460171 w 6008914"/>
+              <a:gd name="connsiteY2" fmla="*/ 10885 h 764981"/>
+              <a:gd name="connsiteX3" fmla="*/ 2993571 w 6008914"/>
+              <a:gd name="connsiteY3" fmla="*/ 0 h 764981"/>
+              <a:gd name="connsiteX4" fmla="*/ 3346240 w 6008914"/>
+              <a:gd name="connsiteY4" fmla="*/ 442725 h 764981"/>
+              <a:gd name="connsiteX5" fmla="*/ 4577099 w 6008914"/>
+              <a:gd name="connsiteY5" fmla="*/ 764981 h 764981"/>
+              <a:gd name="connsiteX6" fmla="*/ 6008914 w 6008914"/>
+              <a:gd name="connsiteY6" fmla="*/ 751114 h 764981"/>
+              <a:gd name="connsiteX7" fmla="*/ 6008914 w 6008914"/>
+              <a:gd name="connsiteY7" fmla="*/ 751114 h 764981"/>
+            </a:gdLst>
+            <a:ahLst/>
+            <a:cxnLst>
+              <a:cxn ang="0">
+                <a:pos x="connsiteX0" y="connsiteY0"/>
+              </a:cxn>
+              <a:cxn ang="0">
+                <a:pos x="connsiteX1" y="connsiteY1"/>
+              </a:cxn>
+              <a:cxn ang="0">
+                <a:pos x="connsiteX2" y="connsiteY2"/>
+              </a:cxn>
+              <a:cxn ang="0">
+                <a:pos x="connsiteX3" y="connsiteY3"/>
+              </a:cxn>
+              <a:cxn ang="0">
+                <a:pos x="connsiteX4" y="connsiteY4"/>
+              </a:cxn>
+              <a:cxn ang="0">
+                <a:pos x="connsiteX5" y="connsiteY5"/>
+              </a:cxn>
+              <a:cxn ang="0">
+                <a:pos x="connsiteX6" y="connsiteY6"/>
+              </a:cxn>
+              <a:cxn ang="0">
+                <a:pos x="connsiteX7" y="connsiteY7"/>
+              </a:cxn>
+            </a:cxnLst>
+            <a:rect l="l" t="t" r="r" b="b"/>
+            <a:pathLst>
+              <a:path w="6008914" h="764981">
+                <a:moveTo>
+                  <a:pt x="0" y="751114"/>
+                </a:moveTo>
+                <a:lnTo>
+                  <a:pt x="2253343" y="762000"/>
+                </a:lnTo>
+                <a:lnTo>
+                  <a:pt x="2460171" y="10885"/>
+                </a:lnTo>
+                <a:lnTo>
+                  <a:pt x="2993571" y="0"/>
+                </a:lnTo>
+                <a:lnTo>
+                  <a:pt x="3346240" y="442725"/>
+                </a:lnTo>
+                <a:lnTo>
+                  <a:pt x="4577099" y="764981"/>
+                </a:lnTo>
+                <a:lnTo>
+                  <a:pt x="6008914" y="751114"/>
+                </a:lnTo>
+                <a:lnTo>
+                  <a:pt x="6008914" y="751114"/>
+                </a:lnTo>
+              </a:path>
+            </a:pathLst>
+          </a:custGeom>
+          <a:noFill/>
+          <a:ln w="57150">
+            <a:solidFill>
+              <a:schemeClr val="tx1"/>
+            </a:solidFill>
+          </a:ln>
+        </p:spPr>
+        <p:style>
+          <a:lnRef idx="2">
+            <a:schemeClr val="accent1">
+              <a:shade val="50000"/>
+            </a:schemeClr>
+          </a:lnRef>
+          <a:fillRef idx="1">
+            <a:schemeClr val="accent1"/>
+          </a:fillRef>
+          <a:effectRef idx="0">
+            <a:schemeClr val="accent1"/>
+          </a:effectRef>
+          <a:fontRef idx="minor">
+            <a:schemeClr val="lt1"/>
+          </a:fontRef>
+        </p:style>
+        <p:txBody>
+          <a:bodyPr rtlCol="0" anchor="ctr"/>
+          <a:lstStyle/>
+          <a:p>
+            <a:pPr algn="ctr"/>
+            <a:endParaRPr lang="en-US" sz="800"/>
+          </a:p>
+        </p:txBody>
+      </p:sp>
+      <p:sp>
+        <p:nvSpPr>
+          <p:cNvPr id="74" name="Freeform 27">
+            <a:extLst>
+              <a:ext uri="{FF2B5EF4-FFF2-40B4-BE49-F238E27FC236}">
+                <a16:creationId xmlns:a16="http://schemas.microsoft.com/office/drawing/2014/main" id="{207781D3-2E5B-533E-5F6E-62765B0DEA2F}"/>
+              </a:ext>
+            </a:extLst>
+          </p:cNvPr>
+          <p:cNvSpPr/>
+          <p:nvPr/>
+        </p:nvSpPr>
+        <p:spPr>
+          <a:xfrm>
+            <a:off x="4379932" y="5851870"/>
+            <a:ext cx="3483604" cy="354411"/>
+          </a:xfrm>
+          <a:custGeom>
+            <a:avLst/>
+            <a:gdLst>
+              <a:gd name="connsiteX0" fmla="*/ 0 w 6008914"/>
+              <a:gd name="connsiteY0" fmla="*/ 751114 h 762000"/>
+              <a:gd name="connsiteX1" fmla="*/ 2253343 w 6008914"/>
+              <a:gd name="connsiteY1" fmla="*/ 762000 h 762000"/>
+              <a:gd name="connsiteX2" fmla="*/ 2460171 w 6008914"/>
+              <a:gd name="connsiteY2" fmla="*/ 10885 h 762000"/>
+              <a:gd name="connsiteX3" fmla="*/ 2993571 w 6008914"/>
+              <a:gd name="connsiteY3" fmla="*/ 0 h 762000"/>
+              <a:gd name="connsiteX4" fmla="*/ 3766457 w 6008914"/>
+              <a:gd name="connsiteY4" fmla="*/ 751114 h 762000"/>
+              <a:gd name="connsiteX5" fmla="*/ 6008914 w 6008914"/>
+              <a:gd name="connsiteY5" fmla="*/ 751114 h 762000"/>
+              <a:gd name="connsiteX6" fmla="*/ 6008914 w 6008914"/>
+              <a:gd name="connsiteY6" fmla="*/ 751114 h 762000"/>
+              <a:gd name="connsiteX0" fmla="*/ 0 w 6008914"/>
+              <a:gd name="connsiteY0" fmla="*/ 751114 h 762000"/>
+              <a:gd name="connsiteX1" fmla="*/ 2253343 w 6008914"/>
+              <a:gd name="connsiteY1" fmla="*/ 762000 h 762000"/>
+              <a:gd name="connsiteX2" fmla="*/ 2460171 w 6008914"/>
+              <a:gd name="connsiteY2" fmla="*/ 10885 h 762000"/>
+              <a:gd name="connsiteX3" fmla="*/ 2993571 w 6008914"/>
+              <a:gd name="connsiteY3" fmla="*/ 0 h 762000"/>
+              <a:gd name="connsiteX4" fmla="*/ 3346240 w 6008914"/>
+              <a:gd name="connsiteY4" fmla="*/ 442725 h 762000"/>
+              <a:gd name="connsiteX5" fmla="*/ 6008914 w 6008914"/>
+              <a:gd name="connsiteY5" fmla="*/ 751114 h 762000"/>
+              <a:gd name="connsiteX6" fmla="*/ 6008914 w 6008914"/>
+              <a:gd name="connsiteY6" fmla="*/ 751114 h 762000"/>
+              <a:gd name="connsiteX0" fmla="*/ 0 w 6008914"/>
+              <a:gd name="connsiteY0" fmla="*/ 751114 h 762000"/>
+              <a:gd name="connsiteX1" fmla="*/ 2253343 w 6008914"/>
+              <a:gd name="connsiteY1" fmla="*/ 762000 h 762000"/>
+              <a:gd name="connsiteX2" fmla="*/ 2460171 w 6008914"/>
+              <a:gd name="connsiteY2" fmla="*/ 10885 h 762000"/>
+              <a:gd name="connsiteX3" fmla="*/ 2993571 w 6008914"/>
+              <a:gd name="connsiteY3" fmla="*/ 0 h 762000"/>
+              <a:gd name="connsiteX4" fmla="*/ 3346240 w 6008914"/>
+              <a:gd name="connsiteY4" fmla="*/ 442725 h 762000"/>
+              <a:gd name="connsiteX5" fmla="*/ 4651255 w 6008914"/>
+              <a:gd name="connsiteY5" fmla="*/ 621066 h 762000"/>
+              <a:gd name="connsiteX6" fmla="*/ 6008914 w 6008914"/>
+              <a:gd name="connsiteY6" fmla="*/ 751114 h 762000"/>
+              <a:gd name="connsiteX7" fmla="*/ 6008914 w 6008914"/>
+              <a:gd name="connsiteY7" fmla="*/ 751114 h 762000"/>
+              <a:gd name="connsiteX0" fmla="*/ 0 w 6008914"/>
+              <a:gd name="connsiteY0" fmla="*/ 751114 h 764981"/>
+              <a:gd name="connsiteX1" fmla="*/ 2253343 w 6008914"/>
+              <a:gd name="connsiteY1" fmla="*/ 762000 h 764981"/>
+              <a:gd name="connsiteX2" fmla="*/ 2460171 w 6008914"/>
+              <a:gd name="connsiteY2" fmla="*/ 10885 h 764981"/>
+              <a:gd name="connsiteX3" fmla="*/ 2993571 w 6008914"/>
+              <a:gd name="connsiteY3" fmla="*/ 0 h 764981"/>
+              <a:gd name="connsiteX4" fmla="*/ 3346240 w 6008914"/>
+              <a:gd name="connsiteY4" fmla="*/ 442725 h 764981"/>
+              <a:gd name="connsiteX5" fmla="*/ 4577099 w 6008914"/>
+              <a:gd name="connsiteY5" fmla="*/ 764981 h 764981"/>
+              <a:gd name="connsiteX6" fmla="*/ 6008914 w 6008914"/>
+              <a:gd name="connsiteY6" fmla="*/ 751114 h 764981"/>
+              <a:gd name="connsiteX7" fmla="*/ 6008914 w 6008914"/>
+              <a:gd name="connsiteY7" fmla="*/ 751114 h 764981"/>
+            </a:gdLst>
+            <a:ahLst/>
+            <a:cxnLst>
+              <a:cxn ang="0">
+                <a:pos x="connsiteX0" y="connsiteY0"/>
+              </a:cxn>
+              <a:cxn ang="0">
+                <a:pos x="connsiteX1" y="connsiteY1"/>
+              </a:cxn>
+              <a:cxn ang="0">
+                <a:pos x="connsiteX2" y="connsiteY2"/>
+              </a:cxn>
+              <a:cxn ang="0">
+                <a:pos x="connsiteX3" y="connsiteY3"/>
+              </a:cxn>
+              <a:cxn ang="0">
+                <a:pos x="connsiteX4" y="connsiteY4"/>
+              </a:cxn>
+              <a:cxn ang="0">
+                <a:pos x="connsiteX5" y="connsiteY5"/>
+              </a:cxn>
+              <a:cxn ang="0">
+                <a:pos x="connsiteX6" y="connsiteY6"/>
+              </a:cxn>
+              <a:cxn ang="0">
+                <a:pos x="connsiteX7" y="connsiteY7"/>
+              </a:cxn>
+            </a:cxnLst>
+            <a:rect l="l" t="t" r="r" b="b"/>
+            <a:pathLst>
+              <a:path w="6008914" h="764981">
+                <a:moveTo>
+                  <a:pt x="0" y="751114"/>
+                </a:moveTo>
+                <a:lnTo>
+                  <a:pt x="2253343" y="762000"/>
+                </a:lnTo>
+                <a:lnTo>
+                  <a:pt x="2460171" y="10885"/>
+                </a:lnTo>
+                <a:lnTo>
+                  <a:pt x="2993571" y="0"/>
+                </a:lnTo>
+                <a:lnTo>
+                  <a:pt x="3346240" y="442725"/>
+                </a:lnTo>
+                <a:lnTo>
+                  <a:pt x="4577099" y="764981"/>
+                </a:lnTo>
+                <a:lnTo>
+                  <a:pt x="6008914" y="751114"/>
+                </a:lnTo>
+                <a:lnTo>
+                  <a:pt x="6008914" y="751114"/>
+                </a:lnTo>
+              </a:path>
+            </a:pathLst>
+          </a:custGeom>
+          <a:noFill/>
+          <a:ln w="57150">
+            <a:solidFill>
+              <a:schemeClr val="tx1"/>
+            </a:solidFill>
+          </a:ln>
+        </p:spPr>
+        <p:style>
+          <a:lnRef idx="2">
+            <a:schemeClr val="accent1">
+              <a:shade val="50000"/>
+            </a:schemeClr>
+          </a:lnRef>
+          <a:fillRef idx="1">
+            <a:schemeClr val="accent1"/>
+          </a:fillRef>
+          <a:effectRef idx="0">
+            <a:schemeClr val="accent1"/>
+          </a:effectRef>
+          <a:fontRef idx="minor">
+            <a:schemeClr val="lt1"/>
+          </a:fontRef>
+        </p:style>
+        <p:txBody>
+          <a:bodyPr rtlCol="0" anchor="ctr"/>
+          <a:lstStyle/>
+          <a:p>
+            <a:pPr algn="ctr"/>
+            <a:endParaRPr lang="en-US" sz="800"/>
+          </a:p>
+        </p:txBody>
+      </p:sp>
+      <p:grpSp>
+        <p:nvGrpSpPr>
+          <p:cNvPr id="134" name="Group 133">
+            <a:extLst>
+              <a:ext uri="{FF2B5EF4-FFF2-40B4-BE49-F238E27FC236}">
+                <a16:creationId xmlns:a16="http://schemas.microsoft.com/office/drawing/2014/main" id="{228DA5FA-F9E1-A933-782E-A9AF93AE31F2}"/>
+              </a:ext>
+            </a:extLst>
+          </p:cNvPr>
+          <p:cNvGrpSpPr/>
+          <p:nvPr/>
+        </p:nvGrpSpPr>
+        <p:grpSpPr>
+          <a:xfrm>
+            <a:off x="2762919" y="1627782"/>
+            <a:ext cx="3156492" cy="1588637"/>
+            <a:chOff x="952500" y="2582998"/>
+            <a:chExt cx="4980940" cy="2336800"/>
+          </a:xfrm>
+        </p:grpSpPr>
+        <p:cxnSp>
+          <p:nvCxnSpPr>
+            <p:cNvPr id="4" name="Straight Connector 3">
+              <a:extLst>
+                <a:ext uri="{FF2B5EF4-FFF2-40B4-BE49-F238E27FC236}">
+                  <a16:creationId xmlns:a16="http://schemas.microsoft.com/office/drawing/2014/main" id="{DD34F91A-3F4F-8E05-EBBB-413457690B8A}"/>
+                </a:ext>
+              </a:extLst>
+            </p:cNvPr>
+            <p:cNvCxnSpPr/>
+            <p:nvPr/>
+          </p:nvCxnSpPr>
+          <p:spPr>
+            <a:xfrm>
+              <a:off x="1879187" y="2598255"/>
+              <a:ext cx="0" cy="2321543"/>
+            </a:xfrm>
+            <a:prstGeom prst="line">
+              <a:avLst/>
+            </a:prstGeom>
+            <a:ln w="19050">
+              <a:solidFill>
+                <a:schemeClr val="tx1"/>
+              </a:solidFill>
+            </a:ln>
+          </p:spPr>
+          <p:style>
+            <a:lnRef idx="1">
+              <a:schemeClr val="accent1"/>
+            </a:lnRef>
+            <a:fillRef idx="0">
+              <a:schemeClr val="accent1"/>
+            </a:fillRef>
+            <a:effectRef idx="0">
+              <a:schemeClr val="accent1"/>
+            </a:effectRef>
+            <a:fontRef idx="minor">
+              <a:schemeClr val="tx1"/>
+            </a:fontRef>
+          </p:style>
+        </p:cxnSp>
+        <p:cxnSp>
+          <p:nvCxnSpPr>
+            <p:cNvPr id="5" name="Straight Connector 4">
+              <a:extLst>
+                <a:ext uri="{FF2B5EF4-FFF2-40B4-BE49-F238E27FC236}">
+                  <a16:creationId xmlns:a16="http://schemas.microsoft.com/office/drawing/2014/main" id="{13BF755A-0657-620B-5EE2-A4D28F818305}"/>
+                </a:ext>
+              </a:extLst>
+            </p:cNvPr>
+            <p:cNvCxnSpPr/>
+            <p:nvPr/>
+          </p:nvCxnSpPr>
+          <p:spPr>
+            <a:xfrm flipH="1">
+              <a:off x="952500" y="3881220"/>
+              <a:ext cx="3706746" cy="0"/>
+            </a:xfrm>
+            <a:prstGeom prst="line">
+              <a:avLst/>
+            </a:prstGeom>
+            <a:ln w="19050">
+              <a:solidFill>
+                <a:schemeClr val="tx1"/>
+              </a:solidFill>
+            </a:ln>
+          </p:spPr>
+          <p:style>
+            <a:lnRef idx="1">
+              <a:schemeClr val="accent1"/>
+            </a:lnRef>
+            <a:fillRef idx="0">
+              <a:schemeClr val="accent1"/>
+            </a:fillRef>
+            <a:effectRef idx="0">
+              <a:schemeClr val="accent1"/>
+            </a:effectRef>
+            <a:fontRef idx="minor">
+              <a:schemeClr val="tx1"/>
+            </a:fontRef>
+          </p:style>
+        </p:cxnSp>
+        <p:sp>
+          <p:nvSpPr>
+            <p:cNvPr id="7" name="TextBox 6">
+              <a:extLst>
+                <a:ext uri="{FF2B5EF4-FFF2-40B4-BE49-F238E27FC236}">
+                  <a16:creationId xmlns:a16="http://schemas.microsoft.com/office/drawing/2014/main" id="{2AD50B19-F811-1919-2715-358F234F6E2E}"/>
+                </a:ext>
+              </a:extLst>
+            </p:cNvPr>
+            <p:cNvSpPr txBox="1"/>
+            <p:nvPr/>
+          </p:nvSpPr>
+          <p:spPr>
+            <a:xfrm>
+              <a:off x="1045169" y="2582998"/>
+              <a:ext cx="918728" cy="384814"/>
+            </a:xfrm>
+            <a:prstGeom prst="rect">
+              <a:avLst/>
+            </a:prstGeom>
+            <a:noFill/>
+          </p:spPr>
+          <p:txBody>
+            <a:bodyPr wrap="none" rtlCol="0">
+              <a:spAutoFit/>
+            </a:bodyPr>
+            <a:lstStyle/>
+            <a:p>
+              <a:r>
+                <a:rPr lang="en-US" sz="1100" dirty="0"/>
+                <a:t>D(mm)</a:t>
+              </a:r>
+            </a:p>
+          </p:txBody>
+        </p:sp>
+        <p:sp>
+          <p:nvSpPr>
+            <p:cNvPr id="9" name="TextBox 8">
+              <a:extLst>
+                <a:ext uri="{FF2B5EF4-FFF2-40B4-BE49-F238E27FC236}">
+                  <a16:creationId xmlns:a16="http://schemas.microsoft.com/office/drawing/2014/main" id="{A96B634C-CE65-A83F-EA73-73B2E21F9EB7}"/>
+                </a:ext>
+              </a:extLst>
+            </p:cNvPr>
+            <p:cNvSpPr txBox="1"/>
+            <p:nvPr/>
+          </p:nvSpPr>
+          <p:spPr>
+            <a:xfrm>
+              <a:off x="1563111" y="3119205"/>
+              <a:ext cx="405233" cy="384814"/>
+            </a:xfrm>
+            <a:prstGeom prst="rect">
+              <a:avLst/>
+            </a:prstGeom>
+            <a:noFill/>
+          </p:spPr>
+          <p:txBody>
+            <a:bodyPr wrap="none" rtlCol="0">
+              <a:spAutoFit/>
+            </a:bodyPr>
+            <a:lstStyle/>
+            <a:p>
+              <a:r>
+                <a:rPr lang="en-US" sz="1100" dirty="0"/>
+                <a:t>2</a:t>
+              </a:r>
+            </a:p>
+          </p:txBody>
+        </p:sp>
+        <p:sp>
+          <p:nvSpPr>
+            <p:cNvPr id="12" name="TextBox 11">
+              <a:extLst>
+                <a:ext uri="{FF2B5EF4-FFF2-40B4-BE49-F238E27FC236}">
+                  <a16:creationId xmlns:a16="http://schemas.microsoft.com/office/drawing/2014/main" id="{56748A14-67BD-ECC1-075E-C64C73E11016}"/>
+                </a:ext>
+              </a:extLst>
+            </p:cNvPr>
+            <p:cNvSpPr txBox="1"/>
+            <p:nvPr/>
+          </p:nvSpPr>
+          <p:spPr>
+            <a:xfrm>
+              <a:off x="1495853" y="4251660"/>
+              <a:ext cx="473529" cy="384814"/>
+            </a:xfrm>
+            <a:prstGeom prst="rect">
+              <a:avLst/>
+            </a:prstGeom>
+            <a:noFill/>
+          </p:spPr>
+          <p:txBody>
+            <a:bodyPr wrap="none" rtlCol="0">
+              <a:spAutoFit/>
+            </a:bodyPr>
+            <a:lstStyle/>
+            <a:p>
+              <a:r>
+                <a:rPr lang="en-US" sz="1100" dirty="0"/>
+                <a:t>-2</a:t>
+              </a:r>
+            </a:p>
+          </p:txBody>
+        </p:sp>
+        <p:sp>
+          <p:nvSpPr>
+            <p:cNvPr id="17" name="TextBox 16">
+              <a:extLst>
+                <a:ext uri="{FF2B5EF4-FFF2-40B4-BE49-F238E27FC236}">
+                  <a16:creationId xmlns:a16="http://schemas.microsoft.com/office/drawing/2014/main" id="{813162BB-94DB-DE6F-271F-5302128D1BF0}"/>
+                </a:ext>
+              </a:extLst>
+            </p:cNvPr>
+            <p:cNvSpPr txBox="1"/>
+            <p:nvPr/>
+          </p:nvSpPr>
+          <p:spPr>
+            <a:xfrm>
+              <a:off x="1230506" y="3950068"/>
+              <a:ext cx="473529" cy="384814"/>
+            </a:xfrm>
+            <a:prstGeom prst="rect">
+              <a:avLst/>
+            </a:prstGeom>
+            <a:noFill/>
+          </p:spPr>
+          <p:txBody>
+            <a:bodyPr wrap="none" rtlCol="0">
+              <a:spAutoFit/>
+            </a:bodyPr>
+            <a:lstStyle/>
+            <a:p>
+              <a:r>
+                <a:rPr lang="en-US" sz="1100" dirty="0"/>
+                <a:t>-2</a:t>
+              </a:r>
+            </a:p>
+          </p:txBody>
+        </p:sp>
+        <p:sp>
+          <p:nvSpPr>
+            <p:cNvPr id="34" name="TextBox 33">
+              <a:extLst>
+                <a:ext uri="{FF2B5EF4-FFF2-40B4-BE49-F238E27FC236}">
+                  <a16:creationId xmlns:a16="http://schemas.microsoft.com/office/drawing/2014/main" id="{D388098E-3C8F-D77A-6D5B-9CE51F6306E0}"/>
+                </a:ext>
+              </a:extLst>
+            </p:cNvPr>
+            <p:cNvSpPr txBox="1"/>
+            <p:nvPr/>
+          </p:nvSpPr>
+          <p:spPr>
+            <a:xfrm>
+              <a:off x="2228049" y="3950068"/>
+              <a:ext cx="405233" cy="384814"/>
+            </a:xfrm>
+            <a:prstGeom prst="rect">
+              <a:avLst/>
+            </a:prstGeom>
+            <a:noFill/>
+          </p:spPr>
+          <p:txBody>
+            <a:bodyPr wrap="none" rtlCol="0">
+              <a:spAutoFit/>
+            </a:bodyPr>
+            <a:lstStyle/>
+            <a:p>
+              <a:r>
+                <a:rPr lang="en-US" sz="1100" dirty="0"/>
+                <a:t>2</a:t>
+              </a:r>
+            </a:p>
+          </p:txBody>
+        </p:sp>
+        <p:cxnSp>
+          <p:nvCxnSpPr>
+            <p:cNvPr id="35" name="Straight Connector 34">
+              <a:extLst>
+                <a:ext uri="{FF2B5EF4-FFF2-40B4-BE49-F238E27FC236}">
+                  <a16:creationId xmlns:a16="http://schemas.microsoft.com/office/drawing/2014/main" id="{F2684AC4-5F7E-35D6-4A14-6B8848A358AA}"/>
+                </a:ext>
+              </a:extLst>
+            </p:cNvPr>
+            <p:cNvCxnSpPr/>
+            <p:nvPr/>
+          </p:nvCxnSpPr>
+          <p:spPr>
+            <a:xfrm>
+              <a:off x="2805873" y="3759027"/>
+              <a:ext cx="0" cy="232989"/>
+            </a:xfrm>
+            <a:prstGeom prst="line">
+              <a:avLst/>
+            </a:prstGeom>
+            <a:ln w="19050">
+              <a:solidFill>
+                <a:schemeClr val="tx1"/>
+              </a:solidFill>
+            </a:ln>
+          </p:spPr>
+          <p:style>
+            <a:lnRef idx="1">
+              <a:schemeClr val="accent1"/>
+            </a:lnRef>
+            <a:fillRef idx="0">
+              <a:schemeClr val="accent1"/>
+            </a:fillRef>
+            <a:effectRef idx="0">
+              <a:schemeClr val="accent1"/>
+            </a:effectRef>
+            <a:fontRef idx="minor">
+              <a:schemeClr val="tx1"/>
+            </a:fontRef>
+          </p:style>
+        </p:cxnSp>
+        <p:cxnSp>
+          <p:nvCxnSpPr>
+            <p:cNvPr id="36" name="Straight Connector 35">
+              <a:extLst>
+                <a:ext uri="{FF2B5EF4-FFF2-40B4-BE49-F238E27FC236}">
+                  <a16:creationId xmlns:a16="http://schemas.microsoft.com/office/drawing/2014/main" id="{8F8B7E11-C8AC-9022-355D-4B7E67CD3B4E}"/>
+                </a:ext>
+              </a:extLst>
+            </p:cNvPr>
+            <p:cNvCxnSpPr/>
+            <p:nvPr/>
+          </p:nvCxnSpPr>
+          <p:spPr>
+            <a:xfrm>
+              <a:off x="3269216" y="3777362"/>
+              <a:ext cx="0" cy="232989"/>
+            </a:xfrm>
+            <a:prstGeom prst="line">
+              <a:avLst/>
+            </a:prstGeom>
+            <a:ln w="19050">
+              <a:solidFill>
+                <a:schemeClr val="tx1"/>
+              </a:solidFill>
+            </a:ln>
+          </p:spPr>
+          <p:style>
+            <a:lnRef idx="1">
+              <a:schemeClr val="accent1"/>
+            </a:lnRef>
+            <a:fillRef idx="0">
+              <a:schemeClr val="accent1"/>
+            </a:fillRef>
+            <a:effectRef idx="0">
+              <a:schemeClr val="accent1"/>
+            </a:effectRef>
+            <a:fontRef idx="minor">
+              <a:schemeClr val="tx1"/>
+            </a:fontRef>
+          </p:style>
+        </p:cxnSp>
+        <p:cxnSp>
+          <p:nvCxnSpPr>
+            <p:cNvPr id="37" name="Straight Connector 36">
+              <a:extLst>
+                <a:ext uri="{FF2B5EF4-FFF2-40B4-BE49-F238E27FC236}">
+                  <a16:creationId xmlns:a16="http://schemas.microsoft.com/office/drawing/2014/main" id="{88783F15-13BF-E9F9-0002-4C8C2D0AAFAA}"/>
+                </a:ext>
+              </a:extLst>
+            </p:cNvPr>
+            <p:cNvCxnSpPr/>
+            <p:nvPr/>
+          </p:nvCxnSpPr>
+          <p:spPr>
+            <a:xfrm>
+              <a:off x="3732560" y="3777362"/>
+              <a:ext cx="0" cy="232989"/>
+            </a:xfrm>
+            <a:prstGeom prst="line">
+              <a:avLst/>
+            </a:prstGeom>
+            <a:ln w="19050">
+              <a:solidFill>
+                <a:schemeClr val="tx1"/>
+              </a:solidFill>
+            </a:ln>
+          </p:spPr>
+          <p:style>
+            <a:lnRef idx="1">
+              <a:schemeClr val="accent1"/>
+            </a:lnRef>
+            <a:fillRef idx="0">
+              <a:schemeClr val="accent1"/>
+            </a:fillRef>
+            <a:effectRef idx="0">
+              <a:schemeClr val="accent1"/>
+            </a:effectRef>
+            <a:fontRef idx="minor">
+              <a:schemeClr val="tx1"/>
+            </a:fontRef>
+          </p:style>
+        </p:cxnSp>
+        <p:cxnSp>
+          <p:nvCxnSpPr>
+            <p:cNvPr id="38" name="Straight Connector 37">
+              <a:extLst>
+                <a:ext uri="{FF2B5EF4-FFF2-40B4-BE49-F238E27FC236}">
+                  <a16:creationId xmlns:a16="http://schemas.microsoft.com/office/drawing/2014/main" id="{B1514C70-E395-7F34-F90E-B79CC3209CD1}"/>
+                </a:ext>
+              </a:extLst>
+            </p:cNvPr>
+            <p:cNvCxnSpPr/>
+            <p:nvPr/>
+          </p:nvCxnSpPr>
+          <p:spPr>
+            <a:xfrm>
+              <a:off x="4195903" y="3777362"/>
+              <a:ext cx="0" cy="232989"/>
+            </a:xfrm>
+            <a:prstGeom prst="line">
+              <a:avLst/>
+            </a:prstGeom>
+            <a:ln w="19050">
+              <a:solidFill>
+                <a:schemeClr val="tx1"/>
+              </a:solidFill>
+            </a:ln>
+          </p:spPr>
+          <p:style>
+            <a:lnRef idx="1">
+              <a:schemeClr val="accent1"/>
+            </a:lnRef>
+            <a:fillRef idx="0">
+              <a:schemeClr val="accent1"/>
+            </a:fillRef>
+            <a:effectRef idx="0">
+              <a:schemeClr val="accent1"/>
+            </a:effectRef>
+            <a:fontRef idx="minor">
+              <a:schemeClr val="tx1"/>
+            </a:fontRef>
+          </p:style>
+        </p:cxnSp>
+        <p:cxnSp>
+          <p:nvCxnSpPr>
+            <p:cNvPr id="39" name="Straight Connector 38">
+              <a:extLst>
+                <a:ext uri="{FF2B5EF4-FFF2-40B4-BE49-F238E27FC236}">
+                  <a16:creationId xmlns:a16="http://schemas.microsoft.com/office/drawing/2014/main" id="{24FB44AD-0937-7B18-85DC-34B0B87D7934}"/>
+                </a:ext>
+              </a:extLst>
+            </p:cNvPr>
+            <p:cNvCxnSpPr/>
+            <p:nvPr/>
+          </p:nvCxnSpPr>
+          <p:spPr>
+            <a:xfrm>
+              <a:off x="2342530" y="3777362"/>
+              <a:ext cx="0" cy="232989"/>
+            </a:xfrm>
+            <a:prstGeom prst="line">
+              <a:avLst/>
+            </a:prstGeom>
+            <a:ln w="19050">
+              <a:solidFill>
+                <a:schemeClr val="tx1"/>
+              </a:solidFill>
+            </a:ln>
+          </p:spPr>
+          <p:style>
+            <a:lnRef idx="1">
+              <a:schemeClr val="accent1"/>
+            </a:lnRef>
+            <a:fillRef idx="0">
+              <a:schemeClr val="accent1"/>
+            </a:fillRef>
+            <a:effectRef idx="0">
+              <a:schemeClr val="accent1"/>
+            </a:effectRef>
+            <a:fontRef idx="minor">
+              <a:schemeClr val="tx1"/>
+            </a:fontRef>
+          </p:style>
+        </p:cxnSp>
+        <p:cxnSp>
+          <p:nvCxnSpPr>
+            <p:cNvPr id="40" name="Straight Connector 39">
+              <a:extLst>
+                <a:ext uri="{FF2B5EF4-FFF2-40B4-BE49-F238E27FC236}">
+                  <a16:creationId xmlns:a16="http://schemas.microsoft.com/office/drawing/2014/main" id="{52378B69-F0CB-D4DD-CD95-372E3FE49330}"/>
+                </a:ext>
+              </a:extLst>
+            </p:cNvPr>
+            <p:cNvCxnSpPr/>
+            <p:nvPr/>
+          </p:nvCxnSpPr>
+          <p:spPr>
+            <a:xfrm>
+              <a:off x="1415843" y="3777362"/>
+              <a:ext cx="0" cy="232989"/>
+            </a:xfrm>
+            <a:prstGeom prst="line">
+              <a:avLst/>
+            </a:prstGeom>
+            <a:ln w="19050">
+              <a:solidFill>
+                <a:schemeClr val="tx1"/>
+              </a:solidFill>
+            </a:ln>
+          </p:spPr>
+          <p:style>
+            <a:lnRef idx="1">
+              <a:schemeClr val="accent1"/>
+            </a:lnRef>
+            <a:fillRef idx="0">
+              <a:schemeClr val="accent1"/>
+            </a:fillRef>
+            <a:effectRef idx="0">
+              <a:schemeClr val="accent1"/>
+            </a:effectRef>
+            <a:fontRef idx="minor">
+              <a:schemeClr val="tx1"/>
+            </a:fontRef>
+          </p:style>
+        </p:cxnSp>
+        <p:cxnSp>
+          <p:nvCxnSpPr>
+            <p:cNvPr id="41" name="Straight Connector 40">
+              <a:extLst>
+                <a:ext uri="{FF2B5EF4-FFF2-40B4-BE49-F238E27FC236}">
+                  <a16:creationId xmlns:a16="http://schemas.microsoft.com/office/drawing/2014/main" id="{BCC6AC39-8D0B-1C14-260B-58C0A730E0D4}"/>
+                </a:ext>
+              </a:extLst>
+            </p:cNvPr>
+            <p:cNvCxnSpPr/>
+            <p:nvPr/>
+          </p:nvCxnSpPr>
+          <p:spPr>
+            <a:xfrm rot="5400000">
+              <a:off x="1890462" y="4296565"/>
+              <a:ext cx="0" cy="207888"/>
+            </a:xfrm>
+            <a:prstGeom prst="line">
+              <a:avLst/>
+            </a:prstGeom>
+            <a:ln w="19050">
+              <a:solidFill>
+                <a:schemeClr val="tx1"/>
+              </a:solidFill>
+            </a:ln>
+          </p:spPr>
+          <p:style>
+            <a:lnRef idx="1">
+              <a:schemeClr val="accent1"/>
+            </a:lnRef>
+            <a:fillRef idx="0">
+              <a:schemeClr val="accent1"/>
+            </a:fillRef>
+            <a:effectRef idx="0">
+              <a:schemeClr val="accent1"/>
+            </a:effectRef>
+            <a:fontRef idx="minor">
+              <a:schemeClr val="tx1"/>
+            </a:fontRef>
+          </p:style>
+        </p:cxnSp>
+        <p:cxnSp>
+          <p:nvCxnSpPr>
+            <p:cNvPr id="42" name="Straight Connector 41">
+              <a:extLst>
+                <a:ext uri="{FF2B5EF4-FFF2-40B4-BE49-F238E27FC236}">
+                  <a16:creationId xmlns:a16="http://schemas.microsoft.com/office/drawing/2014/main" id="{A1901FE2-B2B9-CA4B-27AF-C5110FB812C6}"/>
+                </a:ext>
+              </a:extLst>
+            </p:cNvPr>
+            <p:cNvCxnSpPr/>
+            <p:nvPr/>
+          </p:nvCxnSpPr>
+          <p:spPr>
+            <a:xfrm rot="5400000">
+              <a:off x="1890462" y="3257987"/>
+              <a:ext cx="0" cy="207888"/>
+            </a:xfrm>
+            <a:prstGeom prst="line">
+              <a:avLst/>
+            </a:prstGeom>
+            <a:ln w="19050">
+              <a:solidFill>
+                <a:schemeClr val="tx1"/>
+              </a:solidFill>
+            </a:ln>
+          </p:spPr>
+          <p:style>
+            <a:lnRef idx="1">
+              <a:schemeClr val="accent1"/>
+            </a:lnRef>
+            <a:fillRef idx="0">
+              <a:schemeClr val="accent1"/>
+            </a:fillRef>
+            <a:effectRef idx="0">
+              <a:schemeClr val="accent1"/>
+            </a:effectRef>
+            <a:fontRef idx="minor">
+              <a:schemeClr val="tx1"/>
+            </a:fontRef>
+          </p:style>
+        </p:cxnSp>
+        <p:sp>
+          <p:nvSpPr>
+            <p:cNvPr id="43" name="TextBox 42">
+              <a:extLst>
+                <a:ext uri="{FF2B5EF4-FFF2-40B4-BE49-F238E27FC236}">
+                  <a16:creationId xmlns:a16="http://schemas.microsoft.com/office/drawing/2014/main" id="{BBD1BDBF-3017-218F-0398-6E90F0B443B0}"/>
+                </a:ext>
+              </a:extLst>
+            </p:cNvPr>
+            <p:cNvSpPr txBox="1"/>
+            <p:nvPr/>
+          </p:nvSpPr>
+          <p:spPr>
+            <a:xfrm>
+              <a:off x="3401599" y="2634927"/>
+              <a:ext cx="2462339" cy="384814"/>
+            </a:xfrm>
+            <a:prstGeom prst="rect">
+              <a:avLst/>
+            </a:prstGeom>
+            <a:noFill/>
+          </p:spPr>
+          <p:txBody>
+            <a:bodyPr wrap="square" rtlCol="0">
+              <a:spAutoFit/>
+            </a:bodyPr>
+            <a:lstStyle/>
+            <a:p>
+              <a:r>
+                <a:rPr lang="en-US" sz="1100" dirty="0"/>
+                <a:t>t=0.01s</a:t>
+              </a:r>
+            </a:p>
+          </p:txBody>
+        </p:sp>
+        <p:sp>
+          <p:nvSpPr>
+            <p:cNvPr id="44" name="TextBox 43">
+              <a:extLst>
+                <a:ext uri="{FF2B5EF4-FFF2-40B4-BE49-F238E27FC236}">
+                  <a16:creationId xmlns:a16="http://schemas.microsoft.com/office/drawing/2014/main" id="{8F0D18DF-F82C-BB96-6963-3AA454581539}"/>
+                </a:ext>
+              </a:extLst>
+            </p:cNvPr>
+            <p:cNvSpPr txBox="1"/>
+            <p:nvPr/>
+          </p:nvSpPr>
+          <p:spPr>
+            <a:xfrm>
+              <a:off x="4612912" y="3950068"/>
+              <a:ext cx="1320528" cy="384814"/>
+            </a:xfrm>
+            <a:prstGeom prst="rect">
+              <a:avLst/>
+            </a:prstGeom>
+            <a:noFill/>
+          </p:spPr>
+          <p:txBody>
+            <a:bodyPr wrap="square" rtlCol="0">
+              <a:spAutoFit/>
+            </a:bodyPr>
+            <a:lstStyle/>
+            <a:p>
+              <a:r>
+                <a:rPr lang="en-US" sz="1100" dirty="0"/>
+                <a:t>x(cm)</a:t>
+              </a:r>
+            </a:p>
+          </p:txBody>
+        </p:sp>
+        <p:sp>
+          <p:nvSpPr>
+            <p:cNvPr id="46" name="TextBox 45">
+              <a:extLst>
+                <a:ext uri="{FF2B5EF4-FFF2-40B4-BE49-F238E27FC236}">
+                  <a16:creationId xmlns:a16="http://schemas.microsoft.com/office/drawing/2014/main" id="{20C9FB31-ED6E-B007-B926-BB04ECD692D2}"/>
+                </a:ext>
+              </a:extLst>
+            </p:cNvPr>
+            <p:cNvSpPr txBox="1"/>
+            <p:nvPr/>
+          </p:nvSpPr>
+          <p:spPr>
+            <a:xfrm>
+              <a:off x="2686371" y="3950068"/>
+              <a:ext cx="405233" cy="384814"/>
+            </a:xfrm>
+            <a:prstGeom prst="rect">
+              <a:avLst/>
+            </a:prstGeom>
+            <a:noFill/>
+          </p:spPr>
+          <p:txBody>
+            <a:bodyPr wrap="none" rtlCol="0">
+              <a:spAutoFit/>
+            </a:bodyPr>
+            <a:lstStyle/>
+            <a:p>
+              <a:r>
+                <a:rPr lang="en-US" sz="1100" dirty="0"/>
+                <a:t>4</a:t>
+              </a:r>
+            </a:p>
+          </p:txBody>
+        </p:sp>
+        <p:sp>
+          <p:nvSpPr>
+            <p:cNvPr id="47" name="TextBox 46">
+              <a:extLst>
+                <a:ext uri="{FF2B5EF4-FFF2-40B4-BE49-F238E27FC236}">
+                  <a16:creationId xmlns:a16="http://schemas.microsoft.com/office/drawing/2014/main" id="{253119F2-75D7-0417-FE70-DE2E000DD477}"/>
+                </a:ext>
+              </a:extLst>
+            </p:cNvPr>
+            <p:cNvSpPr txBox="1"/>
+            <p:nvPr/>
+          </p:nvSpPr>
+          <p:spPr>
+            <a:xfrm>
+              <a:off x="3151840" y="3950068"/>
+              <a:ext cx="405233" cy="384814"/>
+            </a:xfrm>
+            <a:prstGeom prst="rect">
+              <a:avLst/>
+            </a:prstGeom>
+            <a:noFill/>
+          </p:spPr>
+          <p:txBody>
+            <a:bodyPr wrap="none" rtlCol="0">
+              <a:spAutoFit/>
+            </a:bodyPr>
+            <a:lstStyle/>
+            <a:p>
+              <a:r>
+                <a:rPr lang="en-US" sz="1100" dirty="0"/>
+                <a:t>6</a:t>
+              </a:r>
+            </a:p>
+          </p:txBody>
+        </p:sp>
+        <p:sp>
+          <p:nvSpPr>
+            <p:cNvPr id="48" name="TextBox 47">
+              <a:extLst>
+                <a:ext uri="{FF2B5EF4-FFF2-40B4-BE49-F238E27FC236}">
+                  <a16:creationId xmlns:a16="http://schemas.microsoft.com/office/drawing/2014/main" id="{FAB867BB-00D0-F1E4-3B6D-7794F44EE595}"/>
+                </a:ext>
+              </a:extLst>
+            </p:cNvPr>
+            <p:cNvSpPr txBox="1"/>
+            <p:nvPr/>
+          </p:nvSpPr>
+          <p:spPr>
+            <a:xfrm>
+              <a:off x="3613061" y="3950068"/>
+              <a:ext cx="405233" cy="384814"/>
+            </a:xfrm>
+            <a:prstGeom prst="rect">
+              <a:avLst/>
+            </a:prstGeom>
+            <a:noFill/>
+          </p:spPr>
+          <p:txBody>
+            <a:bodyPr wrap="none" rtlCol="0">
+              <a:spAutoFit/>
+            </a:bodyPr>
+            <a:lstStyle/>
+            <a:p>
+              <a:r>
+                <a:rPr lang="en-US" sz="1100" dirty="0"/>
+                <a:t>8</a:t>
+              </a:r>
+            </a:p>
+          </p:txBody>
+        </p:sp>
+        <p:sp>
+          <p:nvSpPr>
+            <p:cNvPr id="49" name="TextBox 48">
+              <a:extLst>
+                <a:ext uri="{FF2B5EF4-FFF2-40B4-BE49-F238E27FC236}">
+                  <a16:creationId xmlns:a16="http://schemas.microsoft.com/office/drawing/2014/main" id="{59C77A04-ADA0-FCCF-830D-70309877FDAB}"/>
+                </a:ext>
+              </a:extLst>
+            </p:cNvPr>
+            <p:cNvSpPr txBox="1"/>
+            <p:nvPr/>
+          </p:nvSpPr>
+          <p:spPr>
+            <a:xfrm>
+              <a:off x="4010565" y="3950068"/>
+              <a:ext cx="519061" cy="384814"/>
+            </a:xfrm>
+            <a:prstGeom prst="rect">
+              <a:avLst/>
+            </a:prstGeom>
+            <a:noFill/>
+          </p:spPr>
+          <p:txBody>
+            <a:bodyPr wrap="none" rtlCol="0">
+              <a:spAutoFit/>
+            </a:bodyPr>
+            <a:lstStyle/>
+            <a:p>
+              <a:r>
+                <a:rPr lang="en-US" sz="1100" dirty="0"/>
+                <a:t>10</a:t>
+              </a:r>
+            </a:p>
+          </p:txBody>
+        </p:sp>
+      </p:grpSp>
+      <p:grpSp>
+        <p:nvGrpSpPr>
+          <p:cNvPr id="135" name="Group 134">
+            <a:extLst>
+              <a:ext uri="{FF2B5EF4-FFF2-40B4-BE49-F238E27FC236}">
+                <a16:creationId xmlns:a16="http://schemas.microsoft.com/office/drawing/2014/main" id="{36263903-69B8-CD96-6827-D76359F116AA}"/>
+              </a:ext>
+            </a:extLst>
+          </p:cNvPr>
+          <p:cNvGrpSpPr/>
+          <p:nvPr/>
+        </p:nvGrpSpPr>
+        <p:grpSpPr>
+          <a:xfrm>
+            <a:off x="2756882" y="3259588"/>
+            <a:ext cx="3156492" cy="1588637"/>
+            <a:chOff x="942975" y="4983298"/>
+            <a:chExt cx="4980940" cy="2336800"/>
+          </a:xfrm>
+        </p:grpSpPr>
+        <p:cxnSp>
+          <p:nvCxnSpPr>
+            <p:cNvPr id="50" name="Straight Connector 49">
+              <a:extLst>
+                <a:ext uri="{FF2B5EF4-FFF2-40B4-BE49-F238E27FC236}">
+                  <a16:creationId xmlns:a16="http://schemas.microsoft.com/office/drawing/2014/main" id="{D3573C52-0E8C-C455-3FF5-F4D6B993D78F}"/>
+                </a:ext>
+              </a:extLst>
+            </p:cNvPr>
+            <p:cNvCxnSpPr/>
+            <p:nvPr/>
+          </p:nvCxnSpPr>
+          <p:spPr>
+            <a:xfrm>
+              <a:off x="1869662" y="4998555"/>
+              <a:ext cx="0" cy="2321543"/>
+            </a:xfrm>
+            <a:prstGeom prst="line">
+              <a:avLst/>
+            </a:prstGeom>
+            <a:ln w="19050">
+              <a:solidFill>
+                <a:schemeClr val="tx1"/>
+              </a:solidFill>
+            </a:ln>
+          </p:spPr>
+          <p:style>
+            <a:lnRef idx="1">
+              <a:schemeClr val="accent1"/>
+            </a:lnRef>
+            <a:fillRef idx="0">
+              <a:schemeClr val="accent1"/>
+            </a:fillRef>
+            <a:effectRef idx="0">
+              <a:schemeClr val="accent1"/>
+            </a:effectRef>
+            <a:fontRef idx="minor">
+              <a:schemeClr val="tx1"/>
+            </a:fontRef>
+          </p:style>
+        </p:cxnSp>
+        <p:cxnSp>
+          <p:nvCxnSpPr>
+            <p:cNvPr id="51" name="Straight Connector 50">
+              <a:extLst>
+                <a:ext uri="{FF2B5EF4-FFF2-40B4-BE49-F238E27FC236}">
+                  <a16:creationId xmlns:a16="http://schemas.microsoft.com/office/drawing/2014/main" id="{C189656A-370F-B3F5-9656-A15A1551AC86}"/>
+                </a:ext>
+              </a:extLst>
+            </p:cNvPr>
+            <p:cNvCxnSpPr/>
+            <p:nvPr/>
+          </p:nvCxnSpPr>
+          <p:spPr>
+            <a:xfrm flipH="1">
+              <a:off x="942975" y="6281520"/>
+              <a:ext cx="3706746" cy="0"/>
+            </a:xfrm>
+            <a:prstGeom prst="line">
+              <a:avLst/>
+            </a:prstGeom>
+            <a:ln w="19050">
+              <a:solidFill>
+                <a:schemeClr val="tx1"/>
+              </a:solidFill>
+            </a:ln>
+          </p:spPr>
+          <p:style>
+            <a:lnRef idx="1">
+              <a:schemeClr val="accent1"/>
+            </a:lnRef>
+            <a:fillRef idx="0">
+              <a:schemeClr val="accent1"/>
+            </a:fillRef>
+            <a:effectRef idx="0">
+              <a:schemeClr val="accent1"/>
+            </a:effectRef>
+            <a:fontRef idx="minor">
+              <a:schemeClr val="tx1"/>
+            </a:fontRef>
+          </p:style>
+        </p:cxnSp>
+        <p:sp>
+          <p:nvSpPr>
+            <p:cNvPr id="52" name="TextBox 51">
+              <a:extLst>
+                <a:ext uri="{FF2B5EF4-FFF2-40B4-BE49-F238E27FC236}">
+                  <a16:creationId xmlns:a16="http://schemas.microsoft.com/office/drawing/2014/main" id="{146289A1-6F4E-4804-051A-5F1AD4906618}"/>
+                </a:ext>
+              </a:extLst>
+            </p:cNvPr>
+            <p:cNvSpPr txBox="1"/>
+            <p:nvPr/>
+          </p:nvSpPr>
+          <p:spPr>
+            <a:xfrm>
+              <a:off x="1035644" y="4983298"/>
+              <a:ext cx="918728" cy="384814"/>
+            </a:xfrm>
+            <a:prstGeom prst="rect">
+              <a:avLst/>
+            </a:prstGeom>
+            <a:noFill/>
+          </p:spPr>
+          <p:txBody>
+            <a:bodyPr wrap="none" rtlCol="0">
+              <a:spAutoFit/>
+            </a:bodyPr>
+            <a:lstStyle/>
+            <a:p>
+              <a:r>
+                <a:rPr lang="en-US" sz="1100" dirty="0"/>
+                <a:t>D(mm)</a:t>
+              </a:r>
+            </a:p>
+          </p:txBody>
+        </p:sp>
+        <p:sp>
+          <p:nvSpPr>
+            <p:cNvPr id="53" name="TextBox 52">
+              <a:extLst>
+                <a:ext uri="{FF2B5EF4-FFF2-40B4-BE49-F238E27FC236}">
+                  <a16:creationId xmlns:a16="http://schemas.microsoft.com/office/drawing/2014/main" id="{A5B7BB2D-4CE7-378B-74FF-D28E7E1F7D5C}"/>
+                </a:ext>
+              </a:extLst>
+            </p:cNvPr>
+            <p:cNvSpPr txBox="1"/>
+            <p:nvPr/>
+          </p:nvSpPr>
+          <p:spPr>
+            <a:xfrm>
+              <a:off x="1553586" y="5519505"/>
+              <a:ext cx="405233" cy="384814"/>
+            </a:xfrm>
+            <a:prstGeom prst="rect">
+              <a:avLst/>
+            </a:prstGeom>
+            <a:noFill/>
+          </p:spPr>
+          <p:txBody>
+            <a:bodyPr wrap="none" rtlCol="0">
+              <a:spAutoFit/>
+            </a:bodyPr>
+            <a:lstStyle/>
+            <a:p>
+              <a:r>
+                <a:rPr lang="en-US" sz="1100" dirty="0"/>
+                <a:t>2</a:t>
+              </a:r>
+            </a:p>
+          </p:txBody>
+        </p:sp>
+        <p:sp>
+          <p:nvSpPr>
+            <p:cNvPr id="54" name="TextBox 53">
+              <a:extLst>
+                <a:ext uri="{FF2B5EF4-FFF2-40B4-BE49-F238E27FC236}">
+                  <a16:creationId xmlns:a16="http://schemas.microsoft.com/office/drawing/2014/main" id="{9158F0B4-0BA8-607A-FFF8-0AB451121724}"/>
+                </a:ext>
+              </a:extLst>
+            </p:cNvPr>
+            <p:cNvSpPr txBox="1"/>
+            <p:nvPr/>
+          </p:nvSpPr>
+          <p:spPr>
+            <a:xfrm>
+              <a:off x="1486329" y="6651960"/>
+              <a:ext cx="473529" cy="384814"/>
+            </a:xfrm>
+            <a:prstGeom prst="rect">
+              <a:avLst/>
+            </a:prstGeom>
+            <a:noFill/>
+          </p:spPr>
+          <p:txBody>
+            <a:bodyPr wrap="none" rtlCol="0">
+              <a:spAutoFit/>
+            </a:bodyPr>
+            <a:lstStyle/>
+            <a:p>
+              <a:r>
+                <a:rPr lang="en-US" sz="1100" dirty="0"/>
+                <a:t>-2</a:t>
+              </a:r>
+            </a:p>
+          </p:txBody>
+        </p:sp>
+        <p:sp>
+          <p:nvSpPr>
+            <p:cNvPr id="55" name="TextBox 54">
+              <a:extLst>
+                <a:ext uri="{FF2B5EF4-FFF2-40B4-BE49-F238E27FC236}">
+                  <a16:creationId xmlns:a16="http://schemas.microsoft.com/office/drawing/2014/main" id="{3275CC49-1D41-AC8A-C080-BC68AAF60F1D}"/>
+                </a:ext>
+              </a:extLst>
+            </p:cNvPr>
+            <p:cNvSpPr txBox="1"/>
+            <p:nvPr/>
+          </p:nvSpPr>
+          <p:spPr>
+            <a:xfrm>
+              <a:off x="1220982" y="6350368"/>
+              <a:ext cx="473529" cy="384814"/>
+            </a:xfrm>
+            <a:prstGeom prst="rect">
+              <a:avLst/>
+            </a:prstGeom>
+            <a:noFill/>
+          </p:spPr>
+          <p:txBody>
+            <a:bodyPr wrap="none" rtlCol="0">
+              <a:spAutoFit/>
+            </a:bodyPr>
+            <a:lstStyle/>
+            <a:p>
+              <a:r>
+                <a:rPr lang="en-US" sz="1100" dirty="0"/>
+                <a:t>-2</a:t>
+              </a:r>
+            </a:p>
+          </p:txBody>
+        </p:sp>
+        <p:sp>
+          <p:nvSpPr>
+            <p:cNvPr id="56" name="TextBox 55">
+              <a:extLst>
+                <a:ext uri="{FF2B5EF4-FFF2-40B4-BE49-F238E27FC236}">
+                  <a16:creationId xmlns:a16="http://schemas.microsoft.com/office/drawing/2014/main" id="{A268011E-49CA-6646-4141-1A20616E3EF0}"/>
+                </a:ext>
+              </a:extLst>
+            </p:cNvPr>
+            <p:cNvSpPr txBox="1"/>
+            <p:nvPr/>
+          </p:nvSpPr>
+          <p:spPr>
+            <a:xfrm>
+              <a:off x="2218525" y="6350368"/>
+              <a:ext cx="405233" cy="384814"/>
+            </a:xfrm>
+            <a:prstGeom prst="rect">
+              <a:avLst/>
+            </a:prstGeom>
+            <a:noFill/>
+          </p:spPr>
+          <p:txBody>
+            <a:bodyPr wrap="none" rtlCol="0">
+              <a:spAutoFit/>
+            </a:bodyPr>
+            <a:lstStyle/>
+            <a:p>
+              <a:r>
+                <a:rPr lang="en-US" sz="1100" dirty="0"/>
+                <a:t>2</a:t>
+              </a:r>
+            </a:p>
+          </p:txBody>
+        </p:sp>
+        <p:cxnSp>
+          <p:nvCxnSpPr>
+            <p:cNvPr id="57" name="Straight Connector 56">
+              <a:extLst>
+                <a:ext uri="{FF2B5EF4-FFF2-40B4-BE49-F238E27FC236}">
+                  <a16:creationId xmlns:a16="http://schemas.microsoft.com/office/drawing/2014/main" id="{45E298CD-10DE-D82D-8259-4B945858D37E}"/>
+                </a:ext>
+              </a:extLst>
+            </p:cNvPr>
+            <p:cNvCxnSpPr/>
+            <p:nvPr/>
+          </p:nvCxnSpPr>
+          <p:spPr>
+            <a:xfrm>
+              <a:off x="2796348" y="6159327"/>
+              <a:ext cx="0" cy="232989"/>
+            </a:xfrm>
+            <a:prstGeom prst="line">
+              <a:avLst/>
+            </a:prstGeom>
+            <a:ln w="19050">
+              <a:solidFill>
+                <a:schemeClr val="tx1"/>
+              </a:solidFill>
+            </a:ln>
+          </p:spPr>
+          <p:style>
+            <a:lnRef idx="1">
+              <a:schemeClr val="accent1"/>
+            </a:lnRef>
+            <a:fillRef idx="0">
+              <a:schemeClr val="accent1"/>
+            </a:fillRef>
+            <a:effectRef idx="0">
+              <a:schemeClr val="accent1"/>
+            </a:effectRef>
+            <a:fontRef idx="minor">
+              <a:schemeClr val="tx1"/>
+            </a:fontRef>
+          </p:style>
+        </p:cxnSp>
+        <p:cxnSp>
+          <p:nvCxnSpPr>
+            <p:cNvPr id="58" name="Straight Connector 57">
+              <a:extLst>
+                <a:ext uri="{FF2B5EF4-FFF2-40B4-BE49-F238E27FC236}">
+                  <a16:creationId xmlns:a16="http://schemas.microsoft.com/office/drawing/2014/main" id="{5E3759A1-4BDE-C9EF-7401-764DA2002F2A}"/>
+                </a:ext>
+              </a:extLst>
+            </p:cNvPr>
+            <p:cNvCxnSpPr/>
+            <p:nvPr/>
+          </p:nvCxnSpPr>
+          <p:spPr>
+            <a:xfrm>
+              <a:off x="3259691" y="6177662"/>
+              <a:ext cx="0" cy="232989"/>
+            </a:xfrm>
+            <a:prstGeom prst="line">
+              <a:avLst/>
+            </a:prstGeom>
+            <a:ln w="19050">
+              <a:solidFill>
+                <a:schemeClr val="tx1"/>
+              </a:solidFill>
+            </a:ln>
+          </p:spPr>
+          <p:style>
+            <a:lnRef idx="1">
+              <a:schemeClr val="accent1"/>
+            </a:lnRef>
+            <a:fillRef idx="0">
+              <a:schemeClr val="accent1"/>
+            </a:fillRef>
+            <a:effectRef idx="0">
+              <a:schemeClr val="accent1"/>
+            </a:effectRef>
+            <a:fontRef idx="minor">
+              <a:schemeClr val="tx1"/>
+            </a:fontRef>
+          </p:style>
+        </p:cxnSp>
+        <p:cxnSp>
+          <p:nvCxnSpPr>
+            <p:cNvPr id="59" name="Straight Connector 58">
+              <a:extLst>
+                <a:ext uri="{FF2B5EF4-FFF2-40B4-BE49-F238E27FC236}">
+                  <a16:creationId xmlns:a16="http://schemas.microsoft.com/office/drawing/2014/main" id="{068976B9-8E47-2BCF-46F7-F76DE941200E}"/>
+                </a:ext>
+              </a:extLst>
+            </p:cNvPr>
+            <p:cNvCxnSpPr/>
+            <p:nvPr/>
+          </p:nvCxnSpPr>
+          <p:spPr>
+            <a:xfrm>
+              <a:off x="3723035" y="6177662"/>
+              <a:ext cx="0" cy="232989"/>
+            </a:xfrm>
+            <a:prstGeom prst="line">
+              <a:avLst/>
+            </a:prstGeom>
+            <a:ln w="19050">
+              <a:solidFill>
+                <a:schemeClr val="tx1"/>
+              </a:solidFill>
+            </a:ln>
+          </p:spPr>
+          <p:style>
+            <a:lnRef idx="1">
+              <a:schemeClr val="accent1"/>
+            </a:lnRef>
+            <a:fillRef idx="0">
+              <a:schemeClr val="accent1"/>
+            </a:fillRef>
+            <a:effectRef idx="0">
+              <a:schemeClr val="accent1"/>
+            </a:effectRef>
+            <a:fontRef idx="minor">
+              <a:schemeClr val="tx1"/>
+            </a:fontRef>
+          </p:style>
+        </p:cxnSp>
+        <p:cxnSp>
+          <p:nvCxnSpPr>
+            <p:cNvPr id="60" name="Straight Connector 59">
+              <a:extLst>
+                <a:ext uri="{FF2B5EF4-FFF2-40B4-BE49-F238E27FC236}">
+                  <a16:creationId xmlns:a16="http://schemas.microsoft.com/office/drawing/2014/main" id="{B54A83F1-1AAF-BAF9-AA2D-7A1B8EB0F8D8}"/>
+                </a:ext>
+              </a:extLst>
+            </p:cNvPr>
+            <p:cNvCxnSpPr/>
+            <p:nvPr/>
+          </p:nvCxnSpPr>
+          <p:spPr>
+            <a:xfrm>
+              <a:off x="4186378" y="6177662"/>
+              <a:ext cx="0" cy="232989"/>
+            </a:xfrm>
+            <a:prstGeom prst="line">
+              <a:avLst/>
+            </a:prstGeom>
+            <a:ln w="19050">
+              <a:solidFill>
+                <a:schemeClr val="tx1"/>
+              </a:solidFill>
+            </a:ln>
+          </p:spPr>
+          <p:style>
+            <a:lnRef idx="1">
+              <a:schemeClr val="accent1"/>
+            </a:lnRef>
+            <a:fillRef idx="0">
+              <a:schemeClr val="accent1"/>
+            </a:fillRef>
+            <a:effectRef idx="0">
+              <a:schemeClr val="accent1"/>
+            </a:effectRef>
+            <a:fontRef idx="minor">
+              <a:schemeClr val="tx1"/>
+            </a:fontRef>
+          </p:style>
+        </p:cxnSp>
+        <p:cxnSp>
+          <p:nvCxnSpPr>
+            <p:cNvPr id="61" name="Straight Connector 60">
+              <a:extLst>
+                <a:ext uri="{FF2B5EF4-FFF2-40B4-BE49-F238E27FC236}">
+                  <a16:creationId xmlns:a16="http://schemas.microsoft.com/office/drawing/2014/main" id="{921A0803-05BE-2F81-8F5C-943EEE6DBEC5}"/>
+                </a:ext>
+              </a:extLst>
+            </p:cNvPr>
+            <p:cNvCxnSpPr/>
+            <p:nvPr/>
+          </p:nvCxnSpPr>
+          <p:spPr>
+            <a:xfrm>
+              <a:off x="2333005" y="6177662"/>
+              <a:ext cx="0" cy="232989"/>
+            </a:xfrm>
+            <a:prstGeom prst="line">
+              <a:avLst/>
+            </a:prstGeom>
+            <a:ln w="19050">
+              <a:solidFill>
+                <a:schemeClr val="tx1"/>
+              </a:solidFill>
+            </a:ln>
+          </p:spPr>
+          <p:style>
+            <a:lnRef idx="1">
+              <a:schemeClr val="accent1"/>
+            </a:lnRef>
+            <a:fillRef idx="0">
+              <a:schemeClr val="accent1"/>
+            </a:fillRef>
+            <a:effectRef idx="0">
+              <a:schemeClr val="accent1"/>
+            </a:effectRef>
+            <a:fontRef idx="minor">
+              <a:schemeClr val="tx1"/>
+            </a:fontRef>
+          </p:style>
+        </p:cxnSp>
+        <p:cxnSp>
+          <p:nvCxnSpPr>
+            <p:cNvPr id="62" name="Straight Connector 61">
+              <a:extLst>
+                <a:ext uri="{FF2B5EF4-FFF2-40B4-BE49-F238E27FC236}">
+                  <a16:creationId xmlns:a16="http://schemas.microsoft.com/office/drawing/2014/main" id="{B0F37E72-11BF-32AE-A2AD-9AA07459C1BD}"/>
+                </a:ext>
+              </a:extLst>
+            </p:cNvPr>
+            <p:cNvCxnSpPr/>
+            <p:nvPr/>
+          </p:nvCxnSpPr>
+          <p:spPr>
+            <a:xfrm>
+              <a:off x="1406318" y="6177662"/>
+              <a:ext cx="0" cy="232989"/>
+            </a:xfrm>
+            <a:prstGeom prst="line">
+              <a:avLst/>
+            </a:prstGeom>
+            <a:ln w="19050">
+              <a:solidFill>
+                <a:schemeClr val="tx1"/>
+              </a:solidFill>
+            </a:ln>
+          </p:spPr>
+          <p:style>
+            <a:lnRef idx="1">
+              <a:schemeClr val="accent1"/>
+            </a:lnRef>
+            <a:fillRef idx="0">
+              <a:schemeClr val="accent1"/>
+            </a:fillRef>
+            <a:effectRef idx="0">
+              <a:schemeClr val="accent1"/>
+            </a:effectRef>
+            <a:fontRef idx="minor">
+              <a:schemeClr val="tx1"/>
+            </a:fontRef>
+          </p:style>
+        </p:cxnSp>
+        <p:cxnSp>
+          <p:nvCxnSpPr>
+            <p:cNvPr id="63" name="Straight Connector 62">
+              <a:extLst>
+                <a:ext uri="{FF2B5EF4-FFF2-40B4-BE49-F238E27FC236}">
+                  <a16:creationId xmlns:a16="http://schemas.microsoft.com/office/drawing/2014/main" id="{ADCE8D55-DD11-3747-7839-23FFBC32B53A}"/>
+                </a:ext>
+              </a:extLst>
+            </p:cNvPr>
+            <p:cNvCxnSpPr/>
+            <p:nvPr/>
+          </p:nvCxnSpPr>
+          <p:spPr>
+            <a:xfrm rot="5400000">
+              <a:off x="1880937" y="6696865"/>
+              <a:ext cx="0" cy="207888"/>
+            </a:xfrm>
+            <a:prstGeom prst="line">
+              <a:avLst/>
+            </a:prstGeom>
+            <a:ln w="19050">
+              <a:solidFill>
+                <a:schemeClr val="tx1"/>
+              </a:solidFill>
+            </a:ln>
+          </p:spPr>
+          <p:style>
+            <a:lnRef idx="1">
+              <a:schemeClr val="accent1"/>
+            </a:lnRef>
+            <a:fillRef idx="0">
+              <a:schemeClr val="accent1"/>
+            </a:fillRef>
+            <a:effectRef idx="0">
+              <a:schemeClr val="accent1"/>
+            </a:effectRef>
+            <a:fontRef idx="minor">
+              <a:schemeClr val="tx1"/>
+            </a:fontRef>
+          </p:style>
+        </p:cxnSp>
+        <p:cxnSp>
+          <p:nvCxnSpPr>
+            <p:cNvPr id="64" name="Straight Connector 63">
+              <a:extLst>
+                <a:ext uri="{FF2B5EF4-FFF2-40B4-BE49-F238E27FC236}">
+                  <a16:creationId xmlns:a16="http://schemas.microsoft.com/office/drawing/2014/main" id="{5C37B06A-74F9-F180-0A86-1AC4D614CEB1}"/>
+                </a:ext>
+              </a:extLst>
+            </p:cNvPr>
+            <p:cNvCxnSpPr/>
+            <p:nvPr/>
+          </p:nvCxnSpPr>
+          <p:spPr>
+            <a:xfrm rot="5400000">
+              <a:off x="1880937" y="5658287"/>
+              <a:ext cx="0" cy="207888"/>
+            </a:xfrm>
+            <a:prstGeom prst="line">
+              <a:avLst/>
+            </a:prstGeom>
+            <a:ln w="19050">
+              <a:solidFill>
+                <a:schemeClr val="tx1"/>
+              </a:solidFill>
+            </a:ln>
+          </p:spPr>
+          <p:style>
+            <a:lnRef idx="1">
+              <a:schemeClr val="accent1"/>
+            </a:lnRef>
+            <a:fillRef idx="0">
+              <a:schemeClr val="accent1"/>
+            </a:fillRef>
+            <a:effectRef idx="0">
+              <a:schemeClr val="accent1"/>
+            </a:effectRef>
+            <a:fontRef idx="minor">
+              <a:schemeClr val="tx1"/>
+            </a:fontRef>
+          </p:style>
+        </p:cxnSp>
+        <p:sp>
+          <p:nvSpPr>
+            <p:cNvPr id="65" name="TextBox 64">
+              <a:extLst>
+                <a:ext uri="{FF2B5EF4-FFF2-40B4-BE49-F238E27FC236}">
+                  <a16:creationId xmlns:a16="http://schemas.microsoft.com/office/drawing/2014/main" id="{7282D8AC-82A2-1EF5-3DF4-D44C9F6580A4}"/>
+                </a:ext>
+              </a:extLst>
+            </p:cNvPr>
+            <p:cNvSpPr txBox="1"/>
+            <p:nvPr/>
+          </p:nvSpPr>
+          <p:spPr>
+            <a:xfrm>
+              <a:off x="3392074" y="5035227"/>
+              <a:ext cx="2462339" cy="384814"/>
+            </a:xfrm>
+            <a:prstGeom prst="rect">
+              <a:avLst/>
+            </a:prstGeom>
+            <a:noFill/>
+          </p:spPr>
+          <p:txBody>
+            <a:bodyPr wrap="square" rtlCol="0">
+              <a:spAutoFit/>
+            </a:bodyPr>
+            <a:lstStyle/>
+            <a:p>
+              <a:r>
+                <a:rPr lang="en-US" sz="1100" dirty="0"/>
+                <a:t>t=0.02s</a:t>
+              </a:r>
+            </a:p>
+          </p:txBody>
+        </p:sp>
+        <p:sp>
+          <p:nvSpPr>
+            <p:cNvPr id="66" name="TextBox 65">
+              <a:extLst>
+                <a:ext uri="{FF2B5EF4-FFF2-40B4-BE49-F238E27FC236}">
+                  <a16:creationId xmlns:a16="http://schemas.microsoft.com/office/drawing/2014/main" id="{E0903835-E6FA-C394-0CD2-9EEBC58C55FA}"/>
+                </a:ext>
+              </a:extLst>
+            </p:cNvPr>
+            <p:cNvSpPr txBox="1"/>
+            <p:nvPr/>
+          </p:nvSpPr>
+          <p:spPr>
+            <a:xfrm>
+              <a:off x="4603387" y="6350368"/>
+              <a:ext cx="1320528" cy="384814"/>
+            </a:xfrm>
+            <a:prstGeom prst="rect">
+              <a:avLst/>
+            </a:prstGeom>
+            <a:noFill/>
+          </p:spPr>
+          <p:txBody>
+            <a:bodyPr wrap="square" rtlCol="0">
+              <a:spAutoFit/>
+            </a:bodyPr>
+            <a:lstStyle/>
+            <a:p>
+              <a:r>
+                <a:rPr lang="en-US" sz="1100" dirty="0"/>
+                <a:t>x(cm)</a:t>
+              </a:r>
+            </a:p>
+          </p:txBody>
+        </p:sp>
+        <p:sp>
+          <p:nvSpPr>
+            <p:cNvPr id="68" name="TextBox 67">
+              <a:extLst>
+                <a:ext uri="{FF2B5EF4-FFF2-40B4-BE49-F238E27FC236}">
+                  <a16:creationId xmlns:a16="http://schemas.microsoft.com/office/drawing/2014/main" id="{A6EA0B62-569E-5C6C-0A7A-AB2CD5878F7C}"/>
+                </a:ext>
+              </a:extLst>
+            </p:cNvPr>
+            <p:cNvSpPr txBox="1"/>
+            <p:nvPr/>
+          </p:nvSpPr>
+          <p:spPr>
+            <a:xfrm>
+              <a:off x="2676847" y="6350368"/>
+              <a:ext cx="405233" cy="384814"/>
+            </a:xfrm>
+            <a:prstGeom prst="rect">
+              <a:avLst/>
+            </a:prstGeom>
+            <a:noFill/>
+          </p:spPr>
+          <p:txBody>
+            <a:bodyPr wrap="none" rtlCol="0">
+              <a:spAutoFit/>
+            </a:bodyPr>
+            <a:lstStyle/>
+            <a:p>
+              <a:r>
+                <a:rPr lang="en-US" sz="1100" dirty="0"/>
+                <a:t>4</a:t>
+              </a:r>
+            </a:p>
+          </p:txBody>
+        </p:sp>
+        <p:sp>
+          <p:nvSpPr>
+            <p:cNvPr id="69" name="TextBox 68">
+              <a:extLst>
+                <a:ext uri="{FF2B5EF4-FFF2-40B4-BE49-F238E27FC236}">
+                  <a16:creationId xmlns:a16="http://schemas.microsoft.com/office/drawing/2014/main" id="{06F34A90-82BA-CB1E-C9E7-A49E6C3A5A62}"/>
+                </a:ext>
+              </a:extLst>
+            </p:cNvPr>
+            <p:cNvSpPr txBox="1"/>
+            <p:nvPr/>
+          </p:nvSpPr>
+          <p:spPr>
+            <a:xfrm>
+              <a:off x="3142315" y="6350368"/>
+              <a:ext cx="405233" cy="384814"/>
+            </a:xfrm>
+            <a:prstGeom prst="rect">
+              <a:avLst/>
+            </a:prstGeom>
+            <a:noFill/>
+          </p:spPr>
+          <p:txBody>
+            <a:bodyPr wrap="none" rtlCol="0">
+              <a:spAutoFit/>
+            </a:bodyPr>
+            <a:lstStyle/>
+            <a:p>
+              <a:r>
+                <a:rPr lang="en-US" sz="1100" dirty="0"/>
+                <a:t>6</a:t>
+              </a:r>
+            </a:p>
+          </p:txBody>
+        </p:sp>
+        <p:sp>
+          <p:nvSpPr>
+            <p:cNvPr id="70" name="TextBox 69">
+              <a:extLst>
+                <a:ext uri="{FF2B5EF4-FFF2-40B4-BE49-F238E27FC236}">
+                  <a16:creationId xmlns:a16="http://schemas.microsoft.com/office/drawing/2014/main" id="{A5EDC0C1-BCC6-1490-D33E-AE50122C63FB}"/>
+                </a:ext>
+              </a:extLst>
+            </p:cNvPr>
+            <p:cNvSpPr txBox="1"/>
+            <p:nvPr/>
+          </p:nvSpPr>
+          <p:spPr>
+            <a:xfrm>
+              <a:off x="3603536" y="6350368"/>
+              <a:ext cx="405233" cy="384814"/>
+            </a:xfrm>
+            <a:prstGeom prst="rect">
+              <a:avLst/>
+            </a:prstGeom>
+            <a:noFill/>
+          </p:spPr>
+          <p:txBody>
+            <a:bodyPr wrap="none" rtlCol="0">
+              <a:spAutoFit/>
+            </a:bodyPr>
+            <a:lstStyle/>
+            <a:p>
+              <a:r>
+                <a:rPr lang="en-US" sz="1100" dirty="0"/>
+                <a:t>8</a:t>
+              </a:r>
+            </a:p>
+          </p:txBody>
+        </p:sp>
+        <p:sp>
+          <p:nvSpPr>
+            <p:cNvPr id="71" name="TextBox 70">
+              <a:extLst>
+                <a:ext uri="{FF2B5EF4-FFF2-40B4-BE49-F238E27FC236}">
+                  <a16:creationId xmlns:a16="http://schemas.microsoft.com/office/drawing/2014/main" id="{A861D95C-1171-39DE-178E-CA2F147B8BEC}"/>
+                </a:ext>
+              </a:extLst>
+            </p:cNvPr>
+            <p:cNvSpPr txBox="1"/>
+            <p:nvPr/>
+          </p:nvSpPr>
+          <p:spPr>
+            <a:xfrm>
+              <a:off x="4001040" y="6350368"/>
+              <a:ext cx="519061" cy="384814"/>
+            </a:xfrm>
+            <a:prstGeom prst="rect">
+              <a:avLst/>
+            </a:prstGeom>
+            <a:noFill/>
+          </p:spPr>
+          <p:txBody>
+            <a:bodyPr wrap="none" rtlCol="0">
+              <a:spAutoFit/>
+            </a:bodyPr>
+            <a:lstStyle/>
+            <a:p>
+              <a:r>
+                <a:rPr lang="en-US" sz="1100" dirty="0"/>
+                <a:t>10</a:t>
+              </a:r>
+            </a:p>
+          </p:txBody>
+        </p:sp>
+      </p:grpSp>
+      <p:grpSp>
+        <p:nvGrpSpPr>
+          <p:cNvPr id="136" name="Group 135">
+            <a:extLst>
+              <a:ext uri="{FF2B5EF4-FFF2-40B4-BE49-F238E27FC236}">
+                <a16:creationId xmlns:a16="http://schemas.microsoft.com/office/drawing/2014/main" id="{46A38369-87A9-AD06-28A1-7C0032B121DA}"/>
+              </a:ext>
+            </a:extLst>
+          </p:cNvPr>
+          <p:cNvGrpSpPr/>
+          <p:nvPr/>
+        </p:nvGrpSpPr>
+        <p:grpSpPr>
+          <a:xfrm>
+            <a:off x="5984216" y="100601"/>
+            <a:ext cx="3156492" cy="1588637"/>
+            <a:chOff x="942975" y="4983298"/>
+            <a:chExt cx="4980940" cy="2336800"/>
+          </a:xfrm>
+        </p:grpSpPr>
+        <p:cxnSp>
+          <p:nvCxnSpPr>
+            <p:cNvPr id="137" name="Straight Connector 136">
+              <a:extLst>
+                <a:ext uri="{FF2B5EF4-FFF2-40B4-BE49-F238E27FC236}">
+                  <a16:creationId xmlns:a16="http://schemas.microsoft.com/office/drawing/2014/main" id="{5F543666-956A-4D2F-0C33-35FF08CEBEA2}"/>
+                </a:ext>
+              </a:extLst>
+            </p:cNvPr>
+            <p:cNvCxnSpPr/>
+            <p:nvPr/>
+          </p:nvCxnSpPr>
+          <p:spPr>
+            <a:xfrm>
+              <a:off x="1869662" y="4998555"/>
+              <a:ext cx="0" cy="2321543"/>
+            </a:xfrm>
+            <a:prstGeom prst="line">
+              <a:avLst/>
+            </a:prstGeom>
+            <a:ln w="19050">
+              <a:solidFill>
+                <a:schemeClr val="tx1"/>
+              </a:solidFill>
+            </a:ln>
+          </p:spPr>
+          <p:style>
+            <a:lnRef idx="1">
+              <a:schemeClr val="accent1"/>
+            </a:lnRef>
+            <a:fillRef idx="0">
+              <a:schemeClr val="accent1"/>
+            </a:fillRef>
+            <a:effectRef idx="0">
+              <a:schemeClr val="accent1"/>
+            </a:effectRef>
+            <a:fontRef idx="minor">
+              <a:schemeClr val="tx1"/>
+            </a:fontRef>
+          </p:style>
+        </p:cxnSp>
+        <p:cxnSp>
+          <p:nvCxnSpPr>
+            <p:cNvPr id="138" name="Straight Connector 137">
+              <a:extLst>
+                <a:ext uri="{FF2B5EF4-FFF2-40B4-BE49-F238E27FC236}">
+                  <a16:creationId xmlns:a16="http://schemas.microsoft.com/office/drawing/2014/main" id="{B4856B10-177F-2A8F-CBAC-0D917AAC7EB1}"/>
+                </a:ext>
+              </a:extLst>
+            </p:cNvPr>
+            <p:cNvCxnSpPr/>
+            <p:nvPr/>
+          </p:nvCxnSpPr>
+          <p:spPr>
+            <a:xfrm flipH="1">
+              <a:off x="942975" y="6281520"/>
+              <a:ext cx="3706746" cy="0"/>
+            </a:xfrm>
+            <a:prstGeom prst="line">
+              <a:avLst/>
+            </a:prstGeom>
+            <a:ln w="19050">
+              <a:solidFill>
+                <a:schemeClr val="tx1"/>
+              </a:solidFill>
+            </a:ln>
+          </p:spPr>
+          <p:style>
+            <a:lnRef idx="1">
+              <a:schemeClr val="accent1"/>
+            </a:lnRef>
+            <a:fillRef idx="0">
+              <a:schemeClr val="accent1"/>
+            </a:fillRef>
+            <a:effectRef idx="0">
+              <a:schemeClr val="accent1"/>
+            </a:effectRef>
+            <a:fontRef idx="minor">
+              <a:schemeClr val="tx1"/>
+            </a:fontRef>
+          </p:style>
+        </p:cxnSp>
+        <p:sp>
+          <p:nvSpPr>
+            <p:cNvPr id="139" name="TextBox 138">
+              <a:extLst>
+                <a:ext uri="{FF2B5EF4-FFF2-40B4-BE49-F238E27FC236}">
+                  <a16:creationId xmlns:a16="http://schemas.microsoft.com/office/drawing/2014/main" id="{D3D06805-8629-BEC4-CC89-BF4552C50BDC}"/>
+                </a:ext>
+              </a:extLst>
+            </p:cNvPr>
+            <p:cNvSpPr txBox="1"/>
+            <p:nvPr/>
+          </p:nvSpPr>
+          <p:spPr>
+            <a:xfrm>
+              <a:off x="1035644" y="4983298"/>
+              <a:ext cx="918728" cy="384814"/>
+            </a:xfrm>
+            <a:prstGeom prst="rect">
+              <a:avLst/>
+            </a:prstGeom>
+            <a:noFill/>
+          </p:spPr>
+          <p:txBody>
+            <a:bodyPr wrap="none" rtlCol="0">
+              <a:spAutoFit/>
+            </a:bodyPr>
+            <a:lstStyle/>
+            <a:p>
+              <a:r>
+                <a:rPr lang="en-US" sz="1100" dirty="0"/>
+                <a:t>D(mm)</a:t>
+              </a:r>
+            </a:p>
+          </p:txBody>
+        </p:sp>
+        <p:sp>
+          <p:nvSpPr>
+            <p:cNvPr id="140" name="TextBox 139">
+              <a:extLst>
+                <a:ext uri="{FF2B5EF4-FFF2-40B4-BE49-F238E27FC236}">
+                  <a16:creationId xmlns:a16="http://schemas.microsoft.com/office/drawing/2014/main" id="{A6C87E02-F905-9592-5C5A-F1CA846B5355}"/>
+                </a:ext>
+              </a:extLst>
+            </p:cNvPr>
+            <p:cNvSpPr txBox="1"/>
+            <p:nvPr/>
+          </p:nvSpPr>
+          <p:spPr>
+            <a:xfrm>
+              <a:off x="1553586" y="5519505"/>
+              <a:ext cx="405233" cy="384814"/>
+            </a:xfrm>
+            <a:prstGeom prst="rect">
+              <a:avLst/>
+            </a:prstGeom>
+            <a:noFill/>
+          </p:spPr>
+          <p:txBody>
+            <a:bodyPr wrap="none" rtlCol="0">
+              <a:spAutoFit/>
+            </a:bodyPr>
+            <a:lstStyle/>
+            <a:p>
+              <a:r>
+                <a:rPr lang="en-US" sz="1100" dirty="0"/>
+                <a:t>2</a:t>
+              </a:r>
+            </a:p>
+          </p:txBody>
+        </p:sp>
+        <p:sp>
+          <p:nvSpPr>
+            <p:cNvPr id="141" name="TextBox 140">
+              <a:extLst>
+                <a:ext uri="{FF2B5EF4-FFF2-40B4-BE49-F238E27FC236}">
+                  <a16:creationId xmlns:a16="http://schemas.microsoft.com/office/drawing/2014/main" id="{FC036D89-E4A7-8C87-1BA5-08203D98907B}"/>
+                </a:ext>
+              </a:extLst>
+            </p:cNvPr>
+            <p:cNvSpPr txBox="1"/>
+            <p:nvPr/>
+          </p:nvSpPr>
+          <p:spPr>
+            <a:xfrm>
+              <a:off x="1486328" y="6651960"/>
+              <a:ext cx="473529" cy="384814"/>
+            </a:xfrm>
+            <a:prstGeom prst="rect">
+              <a:avLst/>
+            </a:prstGeom>
+            <a:noFill/>
+          </p:spPr>
+          <p:txBody>
+            <a:bodyPr wrap="none" rtlCol="0">
+              <a:spAutoFit/>
+            </a:bodyPr>
+            <a:lstStyle/>
+            <a:p>
+              <a:r>
+                <a:rPr lang="en-US" sz="1100" dirty="0"/>
+                <a:t>-2</a:t>
+              </a:r>
+            </a:p>
+          </p:txBody>
+        </p:sp>
+        <p:sp>
+          <p:nvSpPr>
+            <p:cNvPr id="142" name="TextBox 141">
+              <a:extLst>
+                <a:ext uri="{FF2B5EF4-FFF2-40B4-BE49-F238E27FC236}">
+                  <a16:creationId xmlns:a16="http://schemas.microsoft.com/office/drawing/2014/main" id="{B11BC2CB-D782-4EE0-7FF2-7C4DF31D7897}"/>
+                </a:ext>
+              </a:extLst>
+            </p:cNvPr>
+            <p:cNvSpPr txBox="1"/>
+            <p:nvPr/>
+          </p:nvSpPr>
+          <p:spPr>
+            <a:xfrm>
+              <a:off x="1220982" y="6350368"/>
+              <a:ext cx="473529" cy="384814"/>
+            </a:xfrm>
+            <a:prstGeom prst="rect">
+              <a:avLst/>
+            </a:prstGeom>
+            <a:noFill/>
+          </p:spPr>
+          <p:txBody>
+            <a:bodyPr wrap="none" rtlCol="0">
+              <a:spAutoFit/>
+            </a:bodyPr>
+            <a:lstStyle/>
+            <a:p>
+              <a:r>
+                <a:rPr lang="en-US" sz="1100" dirty="0"/>
+                <a:t>-2</a:t>
+              </a:r>
+            </a:p>
+          </p:txBody>
+        </p:sp>
+        <p:sp>
+          <p:nvSpPr>
+            <p:cNvPr id="143" name="TextBox 142">
+              <a:extLst>
+                <a:ext uri="{FF2B5EF4-FFF2-40B4-BE49-F238E27FC236}">
+                  <a16:creationId xmlns:a16="http://schemas.microsoft.com/office/drawing/2014/main" id="{BF542B81-39F1-A24D-4C4A-9CC436FDD23E}"/>
+                </a:ext>
+              </a:extLst>
+            </p:cNvPr>
+            <p:cNvSpPr txBox="1"/>
+            <p:nvPr/>
+          </p:nvSpPr>
+          <p:spPr>
+            <a:xfrm>
+              <a:off x="2218525" y="6350368"/>
+              <a:ext cx="405233" cy="384814"/>
+            </a:xfrm>
+            <a:prstGeom prst="rect">
+              <a:avLst/>
+            </a:prstGeom>
+            <a:noFill/>
+          </p:spPr>
+          <p:txBody>
+            <a:bodyPr wrap="none" rtlCol="0">
+              <a:spAutoFit/>
+            </a:bodyPr>
+            <a:lstStyle/>
+            <a:p>
+              <a:r>
+                <a:rPr lang="en-US" sz="1100" dirty="0"/>
+                <a:t>2</a:t>
+              </a:r>
+            </a:p>
+          </p:txBody>
+        </p:sp>
+        <p:cxnSp>
+          <p:nvCxnSpPr>
+            <p:cNvPr id="144" name="Straight Connector 143">
+              <a:extLst>
+                <a:ext uri="{FF2B5EF4-FFF2-40B4-BE49-F238E27FC236}">
+                  <a16:creationId xmlns:a16="http://schemas.microsoft.com/office/drawing/2014/main" id="{1E63E024-25A8-939E-74F4-8ACE5AA069E2}"/>
+                </a:ext>
+              </a:extLst>
+            </p:cNvPr>
+            <p:cNvCxnSpPr/>
+            <p:nvPr/>
+          </p:nvCxnSpPr>
+          <p:spPr>
+            <a:xfrm>
+              <a:off x="2796348" y="6159327"/>
+              <a:ext cx="0" cy="232989"/>
+            </a:xfrm>
+            <a:prstGeom prst="line">
+              <a:avLst/>
+            </a:prstGeom>
+            <a:ln w="19050">
+              <a:solidFill>
+                <a:schemeClr val="tx1"/>
+              </a:solidFill>
+            </a:ln>
+          </p:spPr>
+          <p:style>
+            <a:lnRef idx="1">
+              <a:schemeClr val="accent1"/>
+            </a:lnRef>
+            <a:fillRef idx="0">
+              <a:schemeClr val="accent1"/>
+            </a:fillRef>
+            <a:effectRef idx="0">
+              <a:schemeClr val="accent1"/>
+            </a:effectRef>
+            <a:fontRef idx="minor">
+              <a:schemeClr val="tx1"/>
+            </a:fontRef>
+          </p:style>
+        </p:cxnSp>
+        <p:cxnSp>
+          <p:nvCxnSpPr>
+            <p:cNvPr id="145" name="Straight Connector 144">
+              <a:extLst>
+                <a:ext uri="{FF2B5EF4-FFF2-40B4-BE49-F238E27FC236}">
+                  <a16:creationId xmlns:a16="http://schemas.microsoft.com/office/drawing/2014/main" id="{DD40C84D-15AA-429F-D7E2-5D7626A39082}"/>
+                </a:ext>
+              </a:extLst>
+            </p:cNvPr>
+            <p:cNvCxnSpPr/>
+            <p:nvPr/>
+          </p:nvCxnSpPr>
+          <p:spPr>
+            <a:xfrm>
+              <a:off x="3259691" y="6177662"/>
+              <a:ext cx="0" cy="232989"/>
+            </a:xfrm>
+            <a:prstGeom prst="line">
+              <a:avLst/>
+            </a:prstGeom>
+            <a:ln w="19050">
+              <a:solidFill>
+                <a:schemeClr val="tx1"/>
+              </a:solidFill>
+            </a:ln>
+          </p:spPr>
+          <p:style>
+            <a:lnRef idx="1">
+              <a:schemeClr val="accent1"/>
+            </a:lnRef>
+            <a:fillRef idx="0">
+              <a:schemeClr val="accent1"/>
+            </a:fillRef>
+            <a:effectRef idx="0">
+              <a:schemeClr val="accent1"/>
+            </a:effectRef>
+            <a:fontRef idx="minor">
+              <a:schemeClr val="tx1"/>
+            </a:fontRef>
+          </p:style>
+        </p:cxnSp>
+        <p:cxnSp>
+          <p:nvCxnSpPr>
+            <p:cNvPr id="146" name="Straight Connector 145">
+              <a:extLst>
+                <a:ext uri="{FF2B5EF4-FFF2-40B4-BE49-F238E27FC236}">
+                  <a16:creationId xmlns:a16="http://schemas.microsoft.com/office/drawing/2014/main" id="{40B79FC9-39D2-357F-5D0C-486F2BF41933}"/>
+                </a:ext>
+              </a:extLst>
+            </p:cNvPr>
+            <p:cNvCxnSpPr/>
+            <p:nvPr/>
+          </p:nvCxnSpPr>
+          <p:spPr>
+            <a:xfrm>
+              <a:off x="3723035" y="6177662"/>
+              <a:ext cx="0" cy="232989"/>
+            </a:xfrm>
+            <a:prstGeom prst="line">
+              <a:avLst/>
+            </a:prstGeom>
+            <a:ln w="19050">
+              <a:solidFill>
+                <a:schemeClr val="tx1"/>
+              </a:solidFill>
+            </a:ln>
+          </p:spPr>
+          <p:style>
+            <a:lnRef idx="1">
+              <a:schemeClr val="accent1"/>
+            </a:lnRef>
+            <a:fillRef idx="0">
+              <a:schemeClr val="accent1"/>
+            </a:fillRef>
+            <a:effectRef idx="0">
+              <a:schemeClr val="accent1"/>
+            </a:effectRef>
+            <a:fontRef idx="minor">
+              <a:schemeClr val="tx1"/>
+            </a:fontRef>
+          </p:style>
+        </p:cxnSp>
+        <p:cxnSp>
+          <p:nvCxnSpPr>
+            <p:cNvPr id="147" name="Straight Connector 146">
+              <a:extLst>
+                <a:ext uri="{FF2B5EF4-FFF2-40B4-BE49-F238E27FC236}">
+                  <a16:creationId xmlns:a16="http://schemas.microsoft.com/office/drawing/2014/main" id="{04E71814-A862-CD92-658A-71620958AA72}"/>
+                </a:ext>
+              </a:extLst>
+            </p:cNvPr>
+            <p:cNvCxnSpPr/>
+            <p:nvPr/>
+          </p:nvCxnSpPr>
+          <p:spPr>
+            <a:xfrm>
+              <a:off x="4186378" y="6177662"/>
+              <a:ext cx="0" cy="232989"/>
+            </a:xfrm>
+            <a:prstGeom prst="line">
+              <a:avLst/>
+            </a:prstGeom>
+            <a:ln w="19050">
+              <a:solidFill>
+                <a:schemeClr val="tx1"/>
+              </a:solidFill>
+            </a:ln>
+          </p:spPr>
+          <p:style>
+            <a:lnRef idx="1">
+              <a:schemeClr val="accent1"/>
+            </a:lnRef>
+            <a:fillRef idx="0">
+              <a:schemeClr val="accent1"/>
+            </a:fillRef>
+            <a:effectRef idx="0">
+              <a:schemeClr val="accent1"/>
+            </a:effectRef>
+            <a:fontRef idx="minor">
+              <a:schemeClr val="tx1"/>
+            </a:fontRef>
+          </p:style>
+        </p:cxnSp>
+        <p:cxnSp>
+          <p:nvCxnSpPr>
+            <p:cNvPr id="148" name="Straight Connector 147">
+              <a:extLst>
+                <a:ext uri="{FF2B5EF4-FFF2-40B4-BE49-F238E27FC236}">
+                  <a16:creationId xmlns:a16="http://schemas.microsoft.com/office/drawing/2014/main" id="{D89741EA-7EB9-714D-2775-9CD810B1A481}"/>
+                </a:ext>
+              </a:extLst>
+            </p:cNvPr>
+            <p:cNvCxnSpPr/>
+            <p:nvPr/>
+          </p:nvCxnSpPr>
+          <p:spPr>
+            <a:xfrm>
+              <a:off x="2333005" y="6177662"/>
+              <a:ext cx="0" cy="232989"/>
+            </a:xfrm>
+            <a:prstGeom prst="line">
+              <a:avLst/>
+            </a:prstGeom>
+            <a:ln w="19050">
+              <a:solidFill>
+                <a:schemeClr val="tx1"/>
+              </a:solidFill>
+            </a:ln>
+          </p:spPr>
+          <p:style>
+            <a:lnRef idx="1">
+              <a:schemeClr val="accent1"/>
+            </a:lnRef>
+            <a:fillRef idx="0">
+              <a:schemeClr val="accent1"/>
+            </a:fillRef>
+            <a:effectRef idx="0">
+              <a:schemeClr val="accent1"/>
+            </a:effectRef>
+            <a:fontRef idx="minor">
+              <a:schemeClr val="tx1"/>
+            </a:fontRef>
+          </p:style>
+        </p:cxnSp>
+        <p:cxnSp>
+          <p:nvCxnSpPr>
+            <p:cNvPr id="149" name="Straight Connector 148">
+              <a:extLst>
+                <a:ext uri="{FF2B5EF4-FFF2-40B4-BE49-F238E27FC236}">
+                  <a16:creationId xmlns:a16="http://schemas.microsoft.com/office/drawing/2014/main" id="{E94B43FF-4B7F-C803-A37E-B2C7DB7BF95C}"/>
+                </a:ext>
+              </a:extLst>
+            </p:cNvPr>
+            <p:cNvCxnSpPr/>
+            <p:nvPr/>
+          </p:nvCxnSpPr>
+          <p:spPr>
+            <a:xfrm>
+              <a:off x="1406318" y="6177662"/>
+              <a:ext cx="0" cy="232989"/>
+            </a:xfrm>
+            <a:prstGeom prst="line">
+              <a:avLst/>
+            </a:prstGeom>
+            <a:ln w="19050">
+              <a:solidFill>
+                <a:schemeClr val="tx1"/>
+              </a:solidFill>
+            </a:ln>
+          </p:spPr>
+          <p:style>
+            <a:lnRef idx="1">
+              <a:schemeClr val="accent1"/>
+            </a:lnRef>
+            <a:fillRef idx="0">
+              <a:schemeClr val="accent1"/>
+            </a:fillRef>
+            <a:effectRef idx="0">
+              <a:schemeClr val="accent1"/>
+            </a:effectRef>
+            <a:fontRef idx="minor">
+              <a:schemeClr val="tx1"/>
+            </a:fontRef>
+          </p:style>
+        </p:cxnSp>
+        <p:cxnSp>
+          <p:nvCxnSpPr>
+            <p:cNvPr id="150" name="Straight Connector 149">
+              <a:extLst>
+                <a:ext uri="{FF2B5EF4-FFF2-40B4-BE49-F238E27FC236}">
+                  <a16:creationId xmlns:a16="http://schemas.microsoft.com/office/drawing/2014/main" id="{82CEC31D-AF31-6BB1-BD6D-8C69E9257D46}"/>
+                </a:ext>
+              </a:extLst>
+            </p:cNvPr>
+            <p:cNvCxnSpPr/>
+            <p:nvPr/>
+          </p:nvCxnSpPr>
+          <p:spPr>
+            <a:xfrm rot="5400000">
+              <a:off x="1880937" y="6696865"/>
+              <a:ext cx="0" cy="207888"/>
+            </a:xfrm>
+            <a:prstGeom prst="line">
+              <a:avLst/>
+            </a:prstGeom>
+            <a:ln w="19050">
+              <a:solidFill>
+                <a:schemeClr val="tx1"/>
+              </a:solidFill>
+            </a:ln>
+          </p:spPr>
+          <p:style>
+            <a:lnRef idx="1">
+              <a:schemeClr val="accent1"/>
+            </a:lnRef>
+            <a:fillRef idx="0">
+              <a:schemeClr val="accent1"/>
+            </a:fillRef>
+            <a:effectRef idx="0">
+              <a:schemeClr val="accent1"/>
+            </a:effectRef>
+            <a:fontRef idx="minor">
+              <a:schemeClr val="tx1"/>
+            </a:fontRef>
+          </p:style>
+        </p:cxnSp>
+        <p:cxnSp>
+          <p:nvCxnSpPr>
+            <p:cNvPr id="151" name="Straight Connector 150">
+              <a:extLst>
+                <a:ext uri="{FF2B5EF4-FFF2-40B4-BE49-F238E27FC236}">
+                  <a16:creationId xmlns:a16="http://schemas.microsoft.com/office/drawing/2014/main" id="{08A9B9C2-0036-4A8D-C83B-5C999104362F}"/>
+                </a:ext>
+              </a:extLst>
+            </p:cNvPr>
+            <p:cNvCxnSpPr/>
+            <p:nvPr/>
+          </p:nvCxnSpPr>
+          <p:spPr>
+            <a:xfrm rot="5400000">
+              <a:off x="1880937" y="5658287"/>
+              <a:ext cx="0" cy="207888"/>
+            </a:xfrm>
+            <a:prstGeom prst="line">
+              <a:avLst/>
+            </a:prstGeom>
+            <a:ln w="19050">
+              <a:solidFill>
+                <a:schemeClr val="tx1"/>
+              </a:solidFill>
+            </a:ln>
+          </p:spPr>
+          <p:style>
+            <a:lnRef idx="1">
+              <a:schemeClr val="accent1"/>
+            </a:lnRef>
+            <a:fillRef idx="0">
+              <a:schemeClr val="accent1"/>
+            </a:fillRef>
+            <a:effectRef idx="0">
+              <a:schemeClr val="accent1"/>
+            </a:effectRef>
+            <a:fontRef idx="minor">
+              <a:schemeClr val="tx1"/>
+            </a:fontRef>
+          </p:style>
+        </p:cxnSp>
+        <p:sp>
+          <p:nvSpPr>
+            <p:cNvPr id="152" name="TextBox 151">
+              <a:extLst>
+                <a:ext uri="{FF2B5EF4-FFF2-40B4-BE49-F238E27FC236}">
+                  <a16:creationId xmlns:a16="http://schemas.microsoft.com/office/drawing/2014/main" id="{345CBCD0-290C-EF87-06C3-27E391107300}"/>
+                </a:ext>
+              </a:extLst>
+            </p:cNvPr>
+            <p:cNvSpPr txBox="1"/>
+            <p:nvPr/>
+          </p:nvSpPr>
+          <p:spPr>
+            <a:xfrm>
+              <a:off x="3392074" y="5035227"/>
+              <a:ext cx="2462339" cy="384814"/>
+            </a:xfrm>
+            <a:prstGeom prst="rect">
+              <a:avLst/>
+            </a:prstGeom>
+            <a:noFill/>
+          </p:spPr>
+          <p:txBody>
+            <a:bodyPr wrap="square" rtlCol="0">
+              <a:spAutoFit/>
+            </a:bodyPr>
+            <a:lstStyle/>
+            <a:p>
+              <a:r>
+                <a:rPr lang="en-US" sz="1100" dirty="0"/>
+                <a:t>t=0.03s</a:t>
+              </a:r>
+            </a:p>
+          </p:txBody>
+        </p:sp>
+        <p:sp>
+          <p:nvSpPr>
+            <p:cNvPr id="153" name="TextBox 152">
+              <a:extLst>
+                <a:ext uri="{FF2B5EF4-FFF2-40B4-BE49-F238E27FC236}">
+                  <a16:creationId xmlns:a16="http://schemas.microsoft.com/office/drawing/2014/main" id="{F949C293-78F4-2654-B706-8197426AFC13}"/>
+                </a:ext>
+              </a:extLst>
+            </p:cNvPr>
+            <p:cNvSpPr txBox="1"/>
+            <p:nvPr/>
+          </p:nvSpPr>
+          <p:spPr>
+            <a:xfrm>
+              <a:off x="4603387" y="6350368"/>
+              <a:ext cx="1320528" cy="384814"/>
+            </a:xfrm>
+            <a:prstGeom prst="rect">
+              <a:avLst/>
+            </a:prstGeom>
+            <a:noFill/>
+          </p:spPr>
+          <p:txBody>
+            <a:bodyPr wrap="square" rtlCol="0">
+              <a:spAutoFit/>
+            </a:bodyPr>
+            <a:lstStyle/>
+            <a:p>
+              <a:r>
+                <a:rPr lang="en-US" sz="1100" dirty="0"/>
+                <a:t>x(cm)</a:t>
+              </a:r>
+            </a:p>
+          </p:txBody>
+        </p:sp>
+        <p:sp>
+          <p:nvSpPr>
+            <p:cNvPr id="155" name="TextBox 154">
+              <a:extLst>
+                <a:ext uri="{FF2B5EF4-FFF2-40B4-BE49-F238E27FC236}">
+                  <a16:creationId xmlns:a16="http://schemas.microsoft.com/office/drawing/2014/main" id="{E9CD00EE-4917-2F51-37F4-BC0009A3C7AB}"/>
+                </a:ext>
+              </a:extLst>
+            </p:cNvPr>
+            <p:cNvSpPr txBox="1"/>
+            <p:nvPr/>
+          </p:nvSpPr>
+          <p:spPr>
+            <a:xfrm>
+              <a:off x="2676846" y="6350368"/>
+              <a:ext cx="405233" cy="384814"/>
+            </a:xfrm>
+            <a:prstGeom prst="rect">
+              <a:avLst/>
+            </a:prstGeom>
+            <a:noFill/>
+          </p:spPr>
+          <p:txBody>
+            <a:bodyPr wrap="none" rtlCol="0">
+              <a:spAutoFit/>
+            </a:bodyPr>
+            <a:lstStyle/>
+            <a:p>
+              <a:r>
+                <a:rPr lang="en-US" sz="1100" dirty="0"/>
+                <a:t>4</a:t>
+              </a:r>
+            </a:p>
+          </p:txBody>
+        </p:sp>
+        <p:sp>
+          <p:nvSpPr>
+            <p:cNvPr id="156" name="TextBox 155">
+              <a:extLst>
+                <a:ext uri="{FF2B5EF4-FFF2-40B4-BE49-F238E27FC236}">
+                  <a16:creationId xmlns:a16="http://schemas.microsoft.com/office/drawing/2014/main" id="{0A35DF4A-7D2B-19B6-75CE-E2980672DCEC}"/>
+                </a:ext>
+              </a:extLst>
+            </p:cNvPr>
+            <p:cNvSpPr txBox="1"/>
+            <p:nvPr/>
+          </p:nvSpPr>
+          <p:spPr>
+            <a:xfrm>
+              <a:off x="3142315" y="6350368"/>
+              <a:ext cx="405233" cy="384814"/>
+            </a:xfrm>
+            <a:prstGeom prst="rect">
+              <a:avLst/>
+            </a:prstGeom>
+            <a:noFill/>
+          </p:spPr>
+          <p:txBody>
+            <a:bodyPr wrap="none" rtlCol="0">
+              <a:spAutoFit/>
+            </a:bodyPr>
+            <a:lstStyle/>
+            <a:p>
+              <a:r>
+                <a:rPr lang="en-US" sz="1100" dirty="0"/>
+                <a:t>6</a:t>
+              </a:r>
+            </a:p>
+          </p:txBody>
+        </p:sp>
+        <p:sp>
+          <p:nvSpPr>
+            <p:cNvPr id="157" name="TextBox 156">
+              <a:extLst>
+                <a:ext uri="{FF2B5EF4-FFF2-40B4-BE49-F238E27FC236}">
+                  <a16:creationId xmlns:a16="http://schemas.microsoft.com/office/drawing/2014/main" id="{68D759AE-11E9-6ED1-15CD-7F27F21E61C0}"/>
+                </a:ext>
+              </a:extLst>
+            </p:cNvPr>
+            <p:cNvSpPr txBox="1"/>
+            <p:nvPr/>
+          </p:nvSpPr>
+          <p:spPr>
+            <a:xfrm>
+              <a:off x="3603536" y="6350368"/>
+              <a:ext cx="405233" cy="384814"/>
+            </a:xfrm>
+            <a:prstGeom prst="rect">
+              <a:avLst/>
+            </a:prstGeom>
+            <a:noFill/>
+          </p:spPr>
+          <p:txBody>
+            <a:bodyPr wrap="none" rtlCol="0">
+              <a:spAutoFit/>
+            </a:bodyPr>
+            <a:lstStyle/>
+            <a:p>
+              <a:r>
+                <a:rPr lang="en-US" sz="1100" dirty="0"/>
+                <a:t>8</a:t>
+              </a:r>
+            </a:p>
+          </p:txBody>
+        </p:sp>
+        <p:sp>
+          <p:nvSpPr>
+            <p:cNvPr id="158" name="TextBox 157">
+              <a:extLst>
+                <a:ext uri="{FF2B5EF4-FFF2-40B4-BE49-F238E27FC236}">
+                  <a16:creationId xmlns:a16="http://schemas.microsoft.com/office/drawing/2014/main" id="{81A50A90-1529-4747-B9E1-805EB52915A4}"/>
+                </a:ext>
+              </a:extLst>
+            </p:cNvPr>
+            <p:cNvSpPr txBox="1"/>
+            <p:nvPr/>
+          </p:nvSpPr>
+          <p:spPr>
+            <a:xfrm>
+              <a:off x="4001040" y="6350368"/>
+              <a:ext cx="519061" cy="384814"/>
+            </a:xfrm>
+            <a:prstGeom prst="rect">
+              <a:avLst/>
+            </a:prstGeom>
+            <a:noFill/>
+          </p:spPr>
+          <p:txBody>
+            <a:bodyPr wrap="none" rtlCol="0">
+              <a:spAutoFit/>
+            </a:bodyPr>
+            <a:lstStyle/>
+            <a:p>
+              <a:r>
+                <a:rPr lang="en-US" sz="1100" dirty="0"/>
+                <a:t>10</a:t>
+              </a:r>
+            </a:p>
+          </p:txBody>
+        </p:sp>
+      </p:grpSp>
+      <p:grpSp>
+        <p:nvGrpSpPr>
+          <p:cNvPr id="159" name="Group 158">
+            <a:extLst>
+              <a:ext uri="{FF2B5EF4-FFF2-40B4-BE49-F238E27FC236}">
+                <a16:creationId xmlns:a16="http://schemas.microsoft.com/office/drawing/2014/main" id="{C1B7D8F2-39B2-9BDC-31BF-D50678887FA7}"/>
+              </a:ext>
+            </a:extLst>
+          </p:cNvPr>
+          <p:cNvGrpSpPr/>
+          <p:nvPr/>
+        </p:nvGrpSpPr>
+        <p:grpSpPr>
+          <a:xfrm>
+            <a:off x="5987508" y="1730998"/>
+            <a:ext cx="3156492" cy="1588637"/>
+            <a:chOff x="942975" y="4983298"/>
+            <a:chExt cx="4980940" cy="2336800"/>
+          </a:xfrm>
+        </p:grpSpPr>
+        <p:cxnSp>
+          <p:nvCxnSpPr>
+            <p:cNvPr id="160" name="Straight Connector 159">
+              <a:extLst>
+                <a:ext uri="{FF2B5EF4-FFF2-40B4-BE49-F238E27FC236}">
+                  <a16:creationId xmlns:a16="http://schemas.microsoft.com/office/drawing/2014/main" id="{D4B698EA-4FB2-CCD9-7633-6B9167ACC4F7}"/>
+                </a:ext>
+              </a:extLst>
+            </p:cNvPr>
+            <p:cNvCxnSpPr/>
+            <p:nvPr/>
+          </p:nvCxnSpPr>
+          <p:spPr>
+            <a:xfrm>
+              <a:off x="1869662" y="4998555"/>
+              <a:ext cx="0" cy="2321543"/>
+            </a:xfrm>
+            <a:prstGeom prst="line">
+              <a:avLst/>
+            </a:prstGeom>
+            <a:ln w="19050">
+              <a:solidFill>
+                <a:schemeClr val="tx1"/>
+              </a:solidFill>
+            </a:ln>
+          </p:spPr>
+          <p:style>
+            <a:lnRef idx="1">
+              <a:schemeClr val="accent1"/>
+            </a:lnRef>
+            <a:fillRef idx="0">
+              <a:schemeClr val="accent1"/>
+            </a:fillRef>
+            <a:effectRef idx="0">
+              <a:schemeClr val="accent1"/>
+            </a:effectRef>
+            <a:fontRef idx="minor">
+              <a:schemeClr val="tx1"/>
+            </a:fontRef>
+          </p:style>
+        </p:cxnSp>
+        <p:cxnSp>
+          <p:nvCxnSpPr>
+            <p:cNvPr id="161" name="Straight Connector 160">
+              <a:extLst>
+                <a:ext uri="{FF2B5EF4-FFF2-40B4-BE49-F238E27FC236}">
+                  <a16:creationId xmlns:a16="http://schemas.microsoft.com/office/drawing/2014/main" id="{42A94991-6F88-74B1-7F7C-E068FFC2B947}"/>
+                </a:ext>
+              </a:extLst>
+            </p:cNvPr>
+            <p:cNvCxnSpPr/>
+            <p:nvPr/>
+          </p:nvCxnSpPr>
+          <p:spPr>
+            <a:xfrm flipH="1">
+              <a:off x="942975" y="6281520"/>
+              <a:ext cx="3706746" cy="0"/>
+            </a:xfrm>
+            <a:prstGeom prst="line">
+              <a:avLst/>
+            </a:prstGeom>
+            <a:ln w="19050">
+              <a:solidFill>
+                <a:schemeClr val="tx1"/>
+              </a:solidFill>
+            </a:ln>
+          </p:spPr>
+          <p:style>
+            <a:lnRef idx="1">
+              <a:schemeClr val="accent1"/>
+            </a:lnRef>
+            <a:fillRef idx="0">
+              <a:schemeClr val="accent1"/>
+            </a:fillRef>
+            <a:effectRef idx="0">
+              <a:schemeClr val="accent1"/>
+            </a:effectRef>
+            <a:fontRef idx="minor">
+              <a:schemeClr val="tx1"/>
+            </a:fontRef>
+          </p:style>
+        </p:cxnSp>
+        <p:sp>
+          <p:nvSpPr>
+            <p:cNvPr id="162" name="TextBox 161">
+              <a:extLst>
+                <a:ext uri="{FF2B5EF4-FFF2-40B4-BE49-F238E27FC236}">
+                  <a16:creationId xmlns:a16="http://schemas.microsoft.com/office/drawing/2014/main" id="{753675B4-0CC2-B441-D184-4EBF90C10B30}"/>
+                </a:ext>
+              </a:extLst>
+            </p:cNvPr>
+            <p:cNvSpPr txBox="1"/>
+            <p:nvPr/>
+          </p:nvSpPr>
+          <p:spPr>
+            <a:xfrm>
+              <a:off x="1035643" y="4983298"/>
+              <a:ext cx="918728" cy="384814"/>
+            </a:xfrm>
+            <a:prstGeom prst="rect">
+              <a:avLst/>
+            </a:prstGeom>
+            <a:noFill/>
+          </p:spPr>
+          <p:txBody>
+            <a:bodyPr wrap="none" rtlCol="0">
+              <a:spAutoFit/>
+            </a:bodyPr>
+            <a:lstStyle/>
+            <a:p>
+              <a:r>
+                <a:rPr lang="en-US" sz="1100" dirty="0"/>
+                <a:t>D(mm)</a:t>
+              </a:r>
+            </a:p>
+          </p:txBody>
+        </p:sp>
+        <p:sp>
+          <p:nvSpPr>
+            <p:cNvPr id="163" name="TextBox 162">
+              <a:extLst>
+                <a:ext uri="{FF2B5EF4-FFF2-40B4-BE49-F238E27FC236}">
+                  <a16:creationId xmlns:a16="http://schemas.microsoft.com/office/drawing/2014/main" id="{CAFF1CFB-E62D-1966-2839-A499AC775A8A}"/>
+                </a:ext>
+              </a:extLst>
+            </p:cNvPr>
+            <p:cNvSpPr txBox="1"/>
+            <p:nvPr/>
+          </p:nvSpPr>
+          <p:spPr>
+            <a:xfrm>
+              <a:off x="1553587" y="5519505"/>
+              <a:ext cx="405233" cy="384814"/>
+            </a:xfrm>
+            <a:prstGeom prst="rect">
+              <a:avLst/>
+            </a:prstGeom>
+            <a:noFill/>
+          </p:spPr>
+          <p:txBody>
+            <a:bodyPr wrap="none" rtlCol="0">
+              <a:spAutoFit/>
+            </a:bodyPr>
+            <a:lstStyle/>
+            <a:p>
+              <a:r>
+                <a:rPr lang="en-US" sz="1100" dirty="0"/>
+                <a:t>2</a:t>
+              </a:r>
+            </a:p>
+          </p:txBody>
+        </p:sp>
+        <p:sp>
+          <p:nvSpPr>
+            <p:cNvPr id="164" name="TextBox 163">
+              <a:extLst>
+                <a:ext uri="{FF2B5EF4-FFF2-40B4-BE49-F238E27FC236}">
+                  <a16:creationId xmlns:a16="http://schemas.microsoft.com/office/drawing/2014/main" id="{2E645EA7-0631-278C-8EFE-D623ACD5A1F1}"/>
+                </a:ext>
+              </a:extLst>
+            </p:cNvPr>
+            <p:cNvSpPr txBox="1"/>
+            <p:nvPr/>
+          </p:nvSpPr>
+          <p:spPr>
+            <a:xfrm>
+              <a:off x="1486329" y="6651960"/>
+              <a:ext cx="473529" cy="384814"/>
+            </a:xfrm>
+            <a:prstGeom prst="rect">
+              <a:avLst/>
+            </a:prstGeom>
+            <a:noFill/>
+          </p:spPr>
+          <p:txBody>
+            <a:bodyPr wrap="none" rtlCol="0">
+              <a:spAutoFit/>
+            </a:bodyPr>
+            <a:lstStyle/>
+            <a:p>
+              <a:r>
+                <a:rPr lang="en-US" sz="1100" dirty="0"/>
+                <a:t>-2</a:t>
+              </a:r>
+            </a:p>
+          </p:txBody>
+        </p:sp>
+        <p:sp>
+          <p:nvSpPr>
+            <p:cNvPr id="165" name="TextBox 164">
+              <a:extLst>
+                <a:ext uri="{FF2B5EF4-FFF2-40B4-BE49-F238E27FC236}">
+                  <a16:creationId xmlns:a16="http://schemas.microsoft.com/office/drawing/2014/main" id="{9BC9E6B0-CA32-2436-BC91-15F85D0EBA88}"/>
+                </a:ext>
+              </a:extLst>
+            </p:cNvPr>
+            <p:cNvSpPr txBox="1"/>
+            <p:nvPr/>
+          </p:nvSpPr>
+          <p:spPr>
+            <a:xfrm>
+              <a:off x="1220981" y="6350368"/>
+              <a:ext cx="473529" cy="384814"/>
+            </a:xfrm>
+            <a:prstGeom prst="rect">
+              <a:avLst/>
+            </a:prstGeom>
+            <a:noFill/>
+          </p:spPr>
+          <p:txBody>
+            <a:bodyPr wrap="none" rtlCol="0">
+              <a:spAutoFit/>
+            </a:bodyPr>
+            <a:lstStyle/>
+            <a:p>
+              <a:r>
+                <a:rPr lang="en-US" sz="1100" dirty="0"/>
+                <a:t>-2</a:t>
+              </a:r>
+            </a:p>
+          </p:txBody>
+        </p:sp>
+        <p:sp>
+          <p:nvSpPr>
+            <p:cNvPr id="166" name="TextBox 165">
+              <a:extLst>
+                <a:ext uri="{FF2B5EF4-FFF2-40B4-BE49-F238E27FC236}">
+                  <a16:creationId xmlns:a16="http://schemas.microsoft.com/office/drawing/2014/main" id="{528F17EF-5F00-DD31-4307-EC7109E2265D}"/>
+                </a:ext>
+              </a:extLst>
+            </p:cNvPr>
+            <p:cNvSpPr txBox="1"/>
+            <p:nvPr/>
+          </p:nvSpPr>
+          <p:spPr>
+            <a:xfrm>
+              <a:off x="2218524" y="6350368"/>
+              <a:ext cx="405233" cy="384814"/>
+            </a:xfrm>
+            <a:prstGeom prst="rect">
+              <a:avLst/>
+            </a:prstGeom>
+            <a:noFill/>
+          </p:spPr>
+          <p:txBody>
+            <a:bodyPr wrap="none" rtlCol="0">
+              <a:spAutoFit/>
+            </a:bodyPr>
+            <a:lstStyle/>
+            <a:p>
+              <a:r>
+                <a:rPr lang="en-US" sz="1100" dirty="0"/>
+                <a:t>2</a:t>
+              </a:r>
+            </a:p>
+          </p:txBody>
+        </p:sp>
+        <p:cxnSp>
+          <p:nvCxnSpPr>
+            <p:cNvPr id="167" name="Straight Connector 166">
+              <a:extLst>
+                <a:ext uri="{FF2B5EF4-FFF2-40B4-BE49-F238E27FC236}">
+                  <a16:creationId xmlns:a16="http://schemas.microsoft.com/office/drawing/2014/main" id="{596F6BF1-7C31-F1A5-06AD-7397A759A5AE}"/>
+                </a:ext>
+              </a:extLst>
+            </p:cNvPr>
+            <p:cNvCxnSpPr/>
+            <p:nvPr/>
+          </p:nvCxnSpPr>
+          <p:spPr>
+            <a:xfrm>
+              <a:off x="2796348" y="6159327"/>
+              <a:ext cx="0" cy="232989"/>
+            </a:xfrm>
+            <a:prstGeom prst="line">
+              <a:avLst/>
+            </a:prstGeom>
+            <a:ln w="19050">
+              <a:solidFill>
+                <a:schemeClr val="tx1"/>
+              </a:solidFill>
+            </a:ln>
+          </p:spPr>
+          <p:style>
+            <a:lnRef idx="1">
+              <a:schemeClr val="accent1"/>
+            </a:lnRef>
+            <a:fillRef idx="0">
+              <a:schemeClr val="accent1"/>
+            </a:fillRef>
+            <a:effectRef idx="0">
+              <a:schemeClr val="accent1"/>
+            </a:effectRef>
+            <a:fontRef idx="minor">
+              <a:schemeClr val="tx1"/>
+            </a:fontRef>
+          </p:style>
+        </p:cxnSp>
+        <p:cxnSp>
+          <p:nvCxnSpPr>
+            <p:cNvPr id="168" name="Straight Connector 167">
+              <a:extLst>
+                <a:ext uri="{FF2B5EF4-FFF2-40B4-BE49-F238E27FC236}">
+                  <a16:creationId xmlns:a16="http://schemas.microsoft.com/office/drawing/2014/main" id="{DE62B79D-0D39-7958-D80B-FF2044595F1E}"/>
+                </a:ext>
+              </a:extLst>
+            </p:cNvPr>
+            <p:cNvCxnSpPr/>
+            <p:nvPr/>
+          </p:nvCxnSpPr>
+          <p:spPr>
+            <a:xfrm>
+              <a:off x="3259691" y="6177662"/>
+              <a:ext cx="0" cy="232989"/>
+            </a:xfrm>
+            <a:prstGeom prst="line">
+              <a:avLst/>
+            </a:prstGeom>
+            <a:ln w="19050">
+              <a:solidFill>
+                <a:schemeClr val="tx1"/>
+              </a:solidFill>
+            </a:ln>
+          </p:spPr>
+          <p:style>
+            <a:lnRef idx="1">
+              <a:schemeClr val="accent1"/>
+            </a:lnRef>
+            <a:fillRef idx="0">
+              <a:schemeClr val="accent1"/>
+            </a:fillRef>
+            <a:effectRef idx="0">
+              <a:schemeClr val="accent1"/>
+            </a:effectRef>
+            <a:fontRef idx="minor">
+              <a:schemeClr val="tx1"/>
+            </a:fontRef>
+          </p:style>
+        </p:cxnSp>
+        <p:cxnSp>
+          <p:nvCxnSpPr>
+            <p:cNvPr id="169" name="Straight Connector 168">
+              <a:extLst>
+                <a:ext uri="{FF2B5EF4-FFF2-40B4-BE49-F238E27FC236}">
+                  <a16:creationId xmlns:a16="http://schemas.microsoft.com/office/drawing/2014/main" id="{9EE3B816-EEA4-1E7D-F348-0F9862A411DD}"/>
+                </a:ext>
+              </a:extLst>
+            </p:cNvPr>
+            <p:cNvCxnSpPr/>
+            <p:nvPr/>
+          </p:nvCxnSpPr>
+          <p:spPr>
+            <a:xfrm>
+              <a:off x="3723035" y="6177662"/>
+              <a:ext cx="0" cy="232989"/>
+            </a:xfrm>
+            <a:prstGeom prst="line">
+              <a:avLst/>
+            </a:prstGeom>
+            <a:ln w="19050">
+              <a:solidFill>
+                <a:schemeClr val="tx1"/>
+              </a:solidFill>
+            </a:ln>
+          </p:spPr>
+          <p:style>
+            <a:lnRef idx="1">
+              <a:schemeClr val="accent1"/>
+            </a:lnRef>
+            <a:fillRef idx="0">
+              <a:schemeClr val="accent1"/>
+            </a:fillRef>
+            <a:effectRef idx="0">
+              <a:schemeClr val="accent1"/>
+            </a:effectRef>
+            <a:fontRef idx="minor">
+              <a:schemeClr val="tx1"/>
+            </a:fontRef>
+          </p:style>
+        </p:cxnSp>
+        <p:cxnSp>
+          <p:nvCxnSpPr>
+            <p:cNvPr id="170" name="Straight Connector 169">
+              <a:extLst>
+                <a:ext uri="{FF2B5EF4-FFF2-40B4-BE49-F238E27FC236}">
+                  <a16:creationId xmlns:a16="http://schemas.microsoft.com/office/drawing/2014/main" id="{6C76EDD2-E347-76B0-E80A-D19F4D646C75}"/>
+                </a:ext>
+              </a:extLst>
+            </p:cNvPr>
+            <p:cNvCxnSpPr/>
+            <p:nvPr/>
+          </p:nvCxnSpPr>
+          <p:spPr>
+            <a:xfrm>
+              <a:off x="4186378" y="6177662"/>
+              <a:ext cx="0" cy="232989"/>
+            </a:xfrm>
+            <a:prstGeom prst="line">
+              <a:avLst/>
+            </a:prstGeom>
+            <a:ln w="19050">
+              <a:solidFill>
+                <a:schemeClr val="tx1"/>
+              </a:solidFill>
+            </a:ln>
+          </p:spPr>
+          <p:style>
+            <a:lnRef idx="1">
+              <a:schemeClr val="accent1"/>
+            </a:lnRef>
+            <a:fillRef idx="0">
+              <a:schemeClr val="accent1"/>
+            </a:fillRef>
+            <a:effectRef idx="0">
+              <a:schemeClr val="accent1"/>
+            </a:effectRef>
+            <a:fontRef idx="minor">
+              <a:schemeClr val="tx1"/>
+            </a:fontRef>
+          </p:style>
+        </p:cxnSp>
+        <p:cxnSp>
+          <p:nvCxnSpPr>
+            <p:cNvPr id="171" name="Straight Connector 170">
+              <a:extLst>
+                <a:ext uri="{FF2B5EF4-FFF2-40B4-BE49-F238E27FC236}">
+                  <a16:creationId xmlns:a16="http://schemas.microsoft.com/office/drawing/2014/main" id="{6E85B128-9B90-BD93-82CA-3F558AD0550C}"/>
+                </a:ext>
+              </a:extLst>
+            </p:cNvPr>
+            <p:cNvCxnSpPr/>
+            <p:nvPr/>
+          </p:nvCxnSpPr>
+          <p:spPr>
+            <a:xfrm>
+              <a:off x="2333005" y="6177662"/>
+              <a:ext cx="0" cy="232989"/>
+            </a:xfrm>
+            <a:prstGeom prst="line">
+              <a:avLst/>
+            </a:prstGeom>
+            <a:ln w="19050">
+              <a:solidFill>
+                <a:schemeClr val="tx1"/>
+              </a:solidFill>
+            </a:ln>
+          </p:spPr>
+          <p:style>
+            <a:lnRef idx="1">
+              <a:schemeClr val="accent1"/>
+            </a:lnRef>
+            <a:fillRef idx="0">
+              <a:schemeClr val="accent1"/>
+            </a:fillRef>
+            <a:effectRef idx="0">
+              <a:schemeClr val="accent1"/>
+            </a:effectRef>
+            <a:fontRef idx="minor">
+              <a:schemeClr val="tx1"/>
+            </a:fontRef>
+          </p:style>
+        </p:cxnSp>
+        <p:cxnSp>
+          <p:nvCxnSpPr>
+            <p:cNvPr id="172" name="Straight Connector 171">
+              <a:extLst>
+                <a:ext uri="{FF2B5EF4-FFF2-40B4-BE49-F238E27FC236}">
+                  <a16:creationId xmlns:a16="http://schemas.microsoft.com/office/drawing/2014/main" id="{7CA1B5AC-F5B6-0F4D-8251-3369F3214A5D}"/>
+                </a:ext>
+              </a:extLst>
+            </p:cNvPr>
+            <p:cNvCxnSpPr/>
+            <p:nvPr/>
+          </p:nvCxnSpPr>
+          <p:spPr>
+            <a:xfrm>
+              <a:off x="1406318" y="6177662"/>
+              <a:ext cx="0" cy="232989"/>
+            </a:xfrm>
+            <a:prstGeom prst="line">
+              <a:avLst/>
+            </a:prstGeom>
+            <a:ln w="19050">
+              <a:solidFill>
+                <a:schemeClr val="tx1"/>
+              </a:solidFill>
+            </a:ln>
+          </p:spPr>
+          <p:style>
+            <a:lnRef idx="1">
+              <a:schemeClr val="accent1"/>
+            </a:lnRef>
+            <a:fillRef idx="0">
+              <a:schemeClr val="accent1"/>
+            </a:fillRef>
+            <a:effectRef idx="0">
+              <a:schemeClr val="accent1"/>
+            </a:effectRef>
+            <a:fontRef idx="minor">
+              <a:schemeClr val="tx1"/>
+            </a:fontRef>
+          </p:style>
+        </p:cxnSp>
+        <p:cxnSp>
+          <p:nvCxnSpPr>
+            <p:cNvPr id="173" name="Straight Connector 172">
+              <a:extLst>
+                <a:ext uri="{FF2B5EF4-FFF2-40B4-BE49-F238E27FC236}">
+                  <a16:creationId xmlns:a16="http://schemas.microsoft.com/office/drawing/2014/main" id="{2A896B08-B8FB-12A0-5BCA-51DF402A7B7B}"/>
+                </a:ext>
+              </a:extLst>
+            </p:cNvPr>
+            <p:cNvCxnSpPr/>
+            <p:nvPr/>
+          </p:nvCxnSpPr>
+          <p:spPr>
+            <a:xfrm rot="5400000">
+              <a:off x="1880937" y="6696865"/>
+              <a:ext cx="0" cy="207888"/>
+            </a:xfrm>
+            <a:prstGeom prst="line">
+              <a:avLst/>
+            </a:prstGeom>
+            <a:ln w="19050">
+              <a:solidFill>
+                <a:schemeClr val="tx1"/>
+              </a:solidFill>
+            </a:ln>
+          </p:spPr>
+          <p:style>
+            <a:lnRef idx="1">
+              <a:schemeClr val="accent1"/>
+            </a:lnRef>
+            <a:fillRef idx="0">
+              <a:schemeClr val="accent1"/>
+            </a:fillRef>
+            <a:effectRef idx="0">
+              <a:schemeClr val="accent1"/>
+            </a:effectRef>
+            <a:fontRef idx="minor">
+              <a:schemeClr val="tx1"/>
+            </a:fontRef>
+          </p:style>
+        </p:cxnSp>
+        <p:cxnSp>
+          <p:nvCxnSpPr>
+            <p:cNvPr id="174" name="Straight Connector 173">
+              <a:extLst>
+                <a:ext uri="{FF2B5EF4-FFF2-40B4-BE49-F238E27FC236}">
+                  <a16:creationId xmlns:a16="http://schemas.microsoft.com/office/drawing/2014/main" id="{5DE89E26-D979-092E-06B4-C17CEA94CE45}"/>
+                </a:ext>
+              </a:extLst>
+            </p:cNvPr>
+            <p:cNvCxnSpPr/>
+            <p:nvPr/>
+          </p:nvCxnSpPr>
+          <p:spPr>
+            <a:xfrm rot="5400000">
+              <a:off x="1880937" y="5658287"/>
+              <a:ext cx="0" cy="207888"/>
+            </a:xfrm>
+            <a:prstGeom prst="line">
+              <a:avLst/>
+            </a:prstGeom>
+            <a:ln w="19050">
+              <a:solidFill>
+                <a:schemeClr val="tx1"/>
+              </a:solidFill>
+            </a:ln>
+          </p:spPr>
+          <p:style>
+            <a:lnRef idx="1">
+              <a:schemeClr val="accent1"/>
+            </a:lnRef>
+            <a:fillRef idx="0">
+              <a:schemeClr val="accent1"/>
+            </a:fillRef>
+            <a:effectRef idx="0">
+              <a:schemeClr val="accent1"/>
+            </a:effectRef>
+            <a:fontRef idx="minor">
+              <a:schemeClr val="tx1"/>
+            </a:fontRef>
+          </p:style>
+        </p:cxnSp>
+        <p:sp>
+          <p:nvSpPr>
+            <p:cNvPr id="175" name="TextBox 174">
+              <a:extLst>
+                <a:ext uri="{FF2B5EF4-FFF2-40B4-BE49-F238E27FC236}">
+                  <a16:creationId xmlns:a16="http://schemas.microsoft.com/office/drawing/2014/main" id="{0C56BAFD-B353-A0C1-3FA9-160548FC7062}"/>
+                </a:ext>
+              </a:extLst>
+            </p:cNvPr>
+            <p:cNvSpPr txBox="1"/>
+            <p:nvPr/>
+          </p:nvSpPr>
+          <p:spPr>
+            <a:xfrm>
+              <a:off x="3392075" y="5035227"/>
+              <a:ext cx="2462339" cy="384814"/>
+            </a:xfrm>
+            <a:prstGeom prst="rect">
+              <a:avLst/>
+            </a:prstGeom>
+            <a:noFill/>
+          </p:spPr>
+          <p:txBody>
+            <a:bodyPr wrap="square" rtlCol="0">
+              <a:spAutoFit/>
+            </a:bodyPr>
+            <a:lstStyle/>
+            <a:p>
+              <a:r>
+                <a:rPr lang="en-US" sz="1100" dirty="0"/>
+                <a:t>t=0.04s</a:t>
+              </a:r>
+            </a:p>
+          </p:txBody>
+        </p:sp>
+        <p:sp>
+          <p:nvSpPr>
+            <p:cNvPr id="176" name="TextBox 175">
+              <a:extLst>
+                <a:ext uri="{FF2B5EF4-FFF2-40B4-BE49-F238E27FC236}">
+                  <a16:creationId xmlns:a16="http://schemas.microsoft.com/office/drawing/2014/main" id="{F3A8476C-070A-0176-4855-39DD7B58809A}"/>
+                </a:ext>
+              </a:extLst>
+            </p:cNvPr>
+            <p:cNvSpPr txBox="1"/>
+            <p:nvPr/>
+          </p:nvSpPr>
+          <p:spPr>
+            <a:xfrm>
+              <a:off x="4603387" y="6350368"/>
+              <a:ext cx="1320528" cy="384814"/>
+            </a:xfrm>
+            <a:prstGeom prst="rect">
+              <a:avLst/>
+            </a:prstGeom>
+            <a:noFill/>
+          </p:spPr>
+          <p:txBody>
+            <a:bodyPr wrap="square" rtlCol="0">
+              <a:spAutoFit/>
+            </a:bodyPr>
+            <a:lstStyle/>
+            <a:p>
+              <a:r>
+                <a:rPr lang="en-US" sz="1100" dirty="0"/>
+                <a:t>x(cm)</a:t>
+              </a:r>
+            </a:p>
+          </p:txBody>
+        </p:sp>
+        <p:sp>
+          <p:nvSpPr>
+            <p:cNvPr id="178" name="TextBox 177">
+              <a:extLst>
+                <a:ext uri="{FF2B5EF4-FFF2-40B4-BE49-F238E27FC236}">
+                  <a16:creationId xmlns:a16="http://schemas.microsoft.com/office/drawing/2014/main" id="{67C2A77B-0876-C62B-F51E-DA8B9E001D51}"/>
+                </a:ext>
+              </a:extLst>
+            </p:cNvPr>
+            <p:cNvSpPr txBox="1"/>
+            <p:nvPr/>
+          </p:nvSpPr>
+          <p:spPr>
+            <a:xfrm>
+              <a:off x="2676847" y="6350368"/>
+              <a:ext cx="405233" cy="384814"/>
+            </a:xfrm>
+            <a:prstGeom prst="rect">
+              <a:avLst/>
+            </a:prstGeom>
+            <a:noFill/>
+          </p:spPr>
+          <p:txBody>
+            <a:bodyPr wrap="none" rtlCol="0">
+              <a:spAutoFit/>
+            </a:bodyPr>
+            <a:lstStyle/>
+            <a:p>
+              <a:r>
+                <a:rPr lang="en-US" sz="1100" dirty="0"/>
+                <a:t>4</a:t>
+              </a:r>
+            </a:p>
+          </p:txBody>
+        </p:sp>
+        <p:sp>
+          <p:nvSpPr>
+            <p:cNvPr id="179" name="TextBox 178">
+              <a:extLst>
+                <a:ext uri="{FF2B5EF4-FFF2-40B4-BE49-F238E27FC236}">
+                  <a16:creationId xmlns:a16="http://schemas.microsoft.com/office/drawing/2014/main" id="{2C4FBADC-80E8-15AA-C8FF-E6F4BEC9CBB0}"/>
+                </a:ext>
+              </a:extLst>
+            </p:cNvPr>
+            <p:cNvSpPr txBox="1"/>
+            <p:nvPr/>
+          </p:nvSpPr>
+          <p:spPr>
+            <a:xfrm>
+              <a:off x="3142316" y="6350368"/>
+              <a:ext cx="405233" cy="384814"/>
+            </a:xfrm>
+            <a:prstGeom prst="rect">
+              <a:avLst/>
+            </a:prstGeom>
+            <a:noFill/>
+          </p:spPr>
+          <p:txBody>
+            <a:bodyPr wrap="none" rtlCol="0">
+              <a:spAutoFit/>
+            </a:bodyPr>
+            <a:lstStyle/>
+            <a:p>
+              <a:r>
+                <a:rPr lang="en-US" sz="1100" dirty="0"/>
+                <a:t>6</a:t>
+              </a:r>
+            </a:p>
+          </p:txBody>
+        </p:sp>
+        <p:sp>
+          <p:nvSpPr>
+            <p:cNvPr id="180" name="TextBox 179">
+              <a:extLst>
+                <a:ext uri="{FF2B5EF4-FFF2-40B4-BE49-F238E27FC236}">
+                  <a16:creationId xmlns:a16="http://schemas.microsoft.com/office/drawing/2014/main" id="{B3F960F2-4E1B-094A-25E9-37AC7F2E1D18}"/>
+                </a:ext>
+              </a:extLst>
+            </p:cNvPr>
+            <p:cNvSpPr txBox="1"/>
+            <p:nvPr/>
+          </p:nvSpPr>
+          <p:spPr>
+            <a:xfrm>
+              <a:off x="3603536" y="6350368"/>
+              <a:ext cx="405233" cy="384814"/>
+            </a:xfrm>
+            <a:prstGeom prst="rect">
+              <a:avLst/>
+            </a:prstGeom>
+            <a:noFill/>
+          </p:spPr>
+          <p:txBody>
+            <a:bodyPr wrap="none" rtlCol="0">
+              <a:spAutoFit/>
+            </a:bodyPr>
+            <a:lstStyle/>
+            <a:p>
+              <a:r>
+                <a:rPr lang="en-US" sz="1100" dirty="0"/>
+                <a:t>8</a:t>
+              </a:r>
+            </a:p>
+          </p:txBody>
+        </p:sp>
+        <p:sp>
+          <p:nvSpPr>
+            <p:cNvPr id="181" name="TextBox 180">
+              <a:extLst>
+                <a:ext uri="{FF2B5EF4-FFF2-40B4-BE49-F238E27FC236}">
+                  <a16:creationId xmlns:a16="http://schemas.microsoft.com/office/drawing/2014/main" id="{4DB6375E-E6E4-BD1F-CFB3-01471C3C62D4}"/>
+                </a:ext>
+              </a:extLst>
+            </p:cNvPr>
+            <p:cNvSpPr txBox="1"/>
+            <p:nvPr/>
+          </p:nvSpPr>
+          <p:spPr>
+            <a:xfrm>
+              <a:off x="4001040" y="6350368"/>
+              <a:ext cx="519061" cy="384814"/>
+            </a:xfrm>
+            <a:prstGeom prst="rect">
+              <a:avLst/>
+            </a:prstGeom>
+            <a:noFill/>
+          </p:spPr>
+          <p:txBody>
+            <a:bodyPr wrap="none" rtlCol="0">
+              <a:spAutoFit/>
+            </a:bodyPr>
+            <a:lstStyle/>
+            <a:p>
+              <a:r>
+                <a:rPr lang="en-US" sz="1100" dirty="0"/>
+                <a:t>10</a:t>
+              </a:r>
+            </a:p>
+          </p:txBody>
+        </p:sp>
+      </p:grpSp>
+      <p:grpSp>
+        <p:nvGrpSpPr>
+          <p:cNvPr id="183" name="Group 182">
+            <a:extLst>
+              <a:ext uri="{FF2B5EF4-FFF2-40B4-BE49-F238E27FC236}">
+                <a16:creationId xmlns:a16="http://schemas.microsoft.com/office/drawing/2014/main" id="{A896ABE6-63BD-67B1-7E6B-FFBA4688799D}"/>
+              </a:ext>
+            </a:extLst>
+          </p:cNvPr>
+          <p:cNvGrpSpPr/>
+          <p:nvPr/>
+        </p:nvGrpSpPr>
+        <p:grpSpPr>
+          <a:xfrm>
+            <a:off x="5987505" y="3361395"/>
+            <a:ext cx="3156495" cy="1588637"/>
+            <a:chOff x="942975" y="4983298"/>
+            <a:chExt cx="4980940" cy="2336800"/>
+          </a:xfrm>
+        </p:grpSpPr>
+        <p:cxnSp>
+          <p:nvCxnSpPr>
+            <p:cNvPr id="184" name="Straight Connector 183">
+              <a:extLst>
+                <a:ext uri="{FF2B5EF4-FFF2-40B4-BE49-F238E27FC236}">
+                  <a16:creationId xmlns:a16="http://schemas.microsoft.com/office/drawing/2014/main" id="{62CBCD0F-E89F-A6E9-CF19-40341ACEA038}"/>
+                </a:ext>
+              </a:extLst>
+            </p:cNvPr>
+            <p:cNvCxnSpPr/>
+            <p:nvPr/>
+          </p:nvCxnSpPr>
+          <p:spPr>
+            <a:xfrm>
+              <a:off x="1869662" y="4998555"/>
+              <a:ext cx="0" cy="2321543"/>
+            </a:xfrm>
+            <a:prstGeom prst="line">
+              <a:avLst/>
+            </a:prstGeom>
+            <a:ln w="19050">
+              <a:solidFill>
+                <a:schemeClr val="tx1"/>
+              </a:solidFill>
+            </a:ln>
+          </p:spPr>
+          <p:style>
+            <a:lnRef idx="1">
+              <a:schemeClr val="accent1"/>
+            </a:lnRef>
+            <a:fillRef idx="0">
+              <a:schemeClr val="accent1"/>
+            </a:fillRef>
+            <a:effectRef idx="0">
+              <a:schemeClr val="accent1"/>
+            </a:effectRef>
+            <a:fontRef idx="minor">
+              <a:schemeClr val="tx1"/>
+            </a:fontRef>
+          </p:style>
+        </p:cxnSp>
+        <p:cxnSp>
+          <p:nvCxnSpPr>
+            <p:cNvPr id="185" name="Straight Connector 184">
+              <a:extLst>
+                <a:ext uri="{FF2B5EF4-FFF2-40B4-BE49-F238E27FC236}">
+                  <a16:creationId xmlns:a16="http://schemas.microsoft.com/office/drawing/2014/main" id="{EC7A3ED8-C81B-2325-BD1A-5C51411A5286}"/>
+                </a:ext>
+              </a:extLst>
+            </p:cNvPr>
+            <p:cNvCxnSpPr/>
+            <p:nvPr/>
+          </p:nvCxnSpPr>
+          <p:spPr>
+            <a:xfrm flipH="1">
+              <a:off x="942975" y="6281520"/>
+              <a:ext cx="3706746" cy="0"/>
+            </a:xfrm>
+            <a:prstGeom prst="line">
+              <a:avLst/>
+            </a:prstGeom>
+            <a:ln w="19050">
+              <a:solidFill>
+                <a:schemeClr val="tx1"/>
+              </a:solidFill>
+            </a:ln>
+          </p:spPr>
+          <p:style>
+            <a:lnRef idx="1">
+              <a:schemeClr val="accent1"/>
+            </a:lnRef>
+            <a:fillRef idx="0">
+              <a:schemeClr val="accent1"/>
+            </a:fillRef>
+            <a:effectRef idx="0">
+              <a:schemeClr val="accent1"/>
+            </a:effectRef>
+            <a:fontRef idx="minor">
+              <a:schemeClr val="tx1"/>
+            </a:fontRef>
+          </p:style>
+        </p:cxnSp>
+        <p:sp>
+          <p:nvSpPr>
+            <p:cNvPr id="186" name="TextBox 185">
+              <a:extLst>
+                <a:ext uri="{FF2B5EF4-FFF2-40B4-BE49-F238E27FC236}">
+                  <a16:creationId xmlns:a16="http://schemas.microsoft.com/office/drawing/2014/main" id="{C42229E6-6C71-D9A9-26B1-F2F828C127A8}"/>
+                </a:ext>
+              </a:extLst>
+            </p:cNvPr>
+            <p:cNvSpPr txBox="1"/>
+            <p:nvPr/>
+          </p:nvSpPr>
+          <p:spPr>
+            <a:xfrm>
+              <a:off x="1035643" y="4983298"/>
+              <a:ext cx="918728" cy="384814"/>
+            </a:xfrm>
+            <a:prstGeom prst="rect">
+              <a:avLst/>
+            </a:prstGeom>
+            <a:noFill/>
+          </p:spPr>
+          <p:txBody>
+            <a:bodyPr wrap="none" rtlCol="0">
+              <a:spAutoFit/>
+            </a:bodyPr>
+            <a:lstStyle/>
+            <a:p>
+              <a:r>
+                <a:rPr lang="en-US" sz="1100" dirty="0"/>
+                <a:t>D(mm)</a:t>
+              </a:r>
+            </a:p>
+          </p:txBody>
+        </p:sp>
+        <p:sp>
+          <p:nvSpPr>
+            <p:cNvPr id="187" name="TextBox 186">
+              <a:extLst>
+                <a:ext uri="{FF2B5EF4-FFF2-40B4-BE49-F238E27FC236}">
+                  <a16:creationId xmlns:a16="http://schemas.microsoft.com/office/drawing/2014/main" id="{294A74ED-52E0-BF11-E11F-B1666EA86291}"/>
+                </a:ext>
+              </a:extLst>
+            </p:cNvPr>
+            <p:cNvSpPr txBox="1"/>
+            <p:nvPr/>
+          </p:nvSpPr>
+          <p:spPr>
+            <a:xfrm>
+              <a:off x="1553587" y="5519505"/>
+              <a:ext cx="405233" cy="384814"/>
+            </a:xfrm>
+            <a:prstGeom prst="rect">
+              <a:avLst/>
+            </a:prstGeom>
+            <a:noFill/>
+          </p:spPr>
+          <p:txBody>
+            <a:bodyPr wrap="none" rtlCol="0">
+              <a:spAutoFit/>
+            </a:bodyPr>
+            <a:lstStyle/>
+            <a:p>
+              <a:r>
+                <a:rPr lang="en-US" sz="1100" dirty="0"/>
+                <a:t>2</a:t>
+              </a:r>
+            </a:p>
+          </p:txBody>
+        </p:sp>
+        <p:sp>
+          <p:nvSpPr>
+            <p:cNvPr id="188" name="TextBox 187">
+              <a:extLst>
+                <a:ext uri="{FF2B5EF4-FFF2-40B4-BE49-F238E27FC236}">
+                  <a16:creationId xmlns:a16="http://schemas.microsoft.com/office/drawing/2014/main" id="{36860FE3-FC8F-0DF9-8BC9-7DDEBA3D8086}"/>
+                </a:ext>
+              </a:extLst>
+            </p:cNvPr>
+            <p:cNvSpPr txBox="1"/>
+            <p:nvPr/>
+          </p:nvSpPr>
+          <p:spPr>
+            <a:xfrm>
+              <a:off x="1486329" y="6651960"/>
+              <a:ext cx="473529" cy="384814"/>
+            </a:xfrm>
+            <a:prstGeom prst="rect">
+              <a:avLst/>
+            </a:prstGeom>
+            <a:noFill/>
+          </p:spPr>
+          <p:txBody>
+            <a:bodyPr wrap="none" rtlCol="0">
+              <a:spAutoFit/>
+            </a:bodyPr>
+            <a:lstStyle/>
+            <a:p>
+              <a:r>
+                <a:rPr lang="en-US" sz="1100" dirty="0"/>
+                <a:t>-2</a:t>
+              </a:r>
+            </a:p>
+          </p:txBody>
+        </p:sp>
+        <p:sp>
+          <p:nvSpPr>
+            <p:cNvPr id="189" name="TextBox 188">
+              <a:extLst>
+                <a:ext uri="{FF2B5EF4-FFF2-40B4-BE49-F238E27FC236}">
+                  <a16:creationId xmlns:a16="http://schemas.microsoft.com/office/drawing/2014/main" id="{CF12E22F-F0A4-4DC4-1080-A1AC6C45416C}"/>
+                </a:ext>
+              </a:extLst>
+            </p:cNvPr>
+            <p:cNvSpPr txBox="1"/>
+            <p:nvPr/>
+          </p:nvSpPr>
+          <p:spPr>
+            <a:xfrm>
+              <a:off x="1220981" y="6350368"/>
+              <a:ext cx="473529" cy="384814"/>
+            </a:xfrm>
+            <a:prstGeom prst="rect">
+              <a:avLst/>
+            </a:prstGeom>
+            <a:noFill/>
+          </p:spPr>
+          <p:txBody>
+            <a:bodyPr wrap="none" rtlCol="0">
+              <a:spAutoFit/>
+            </a:bodyPr>
+            <a:lstStyle/>
+            <a:p>
+              <a:r>
+                <a:rPr lang="en-US" sz="1100" dirty="0"/>
+                <a:t>-2</a:t>
+              </a:r>
+            </a:p>
+          </p:txBody>
+        </p:sp>
+        <p:sp>
+          <p:nvSpPr>
+            <p:cNvPr id="190" name="TextBox 189">
+              <a:extLst>
+                <a:ext uri="{FF2B5EF4-FFF2-40B4-BE49-F238E27FC236}">
+                  <a16:creationId xmlns:a16="http://schemas.microsoft.com/office/drawing/2014/main" id="{BAD674CD-6790-C2BB-162E-AFF0C48831CF}"/>
+                </a:ext>
+              </a:extLst>
+            </p:cNvPr>
+            <p:cNvSpPr txBox="1"/>
+            <p:nvPr/>
+          </p:nvSpPr>
+          <p:spPr>
+            <a:xfrm>
+              <a:off x="2218524" y="6350368"/>
+              <a:ext cx="405233" cy="384814"/>
+            </a:xfrm>
+            <a:prstGeom prst="rect">
+              <a:avLst/>
+            </a:prstGeom>
+            <a:noFill/>
+          </p:spPr>
+          <p:txBody>
+            <a:bodyPr wrap="none" rtlCol="0">
+              <a:spAutoFit/>
+            </a:bodyPr>
+            <a:lstStyle/>
+            <a:p>
+              <a:r>
+                <a:rPr lang="en-US" sz="1100" dirty="0"/>
+                <a:t>2</a:t>
+              </a:r>
+            </a:p>
+          </p:txBody>
+        </p:sp>
+        <p:cxnSp>
+          <p:nvCxnSpPr>
+            <p:cNvPr id="191" name="Straight Connector 190">
+              <a:extLst>
+                <a:ext uri="{FF2B5EF4-FFF2-40B4-BE49-F238E27FC236}">
+                  <a16:creationId xmlns:a16="http://schemas.microsoft.com/office/drawing/2014/main" id="{08C54905-1703-4D3F-6E2F-F472CA65D968}"/>
+                </a:ext>
+              </a:extLst>
+            </p:cNvPr>
+            <p:cNvCxnSpPr/>
+            <p:nvPr/>
+          </p:nvCxnSpPr>
+          <p:spPr>
+            <a:xfrm>
+              <a:off x="2796348" y="6159327"/>
+              <a:ext cx="0" cy="232989"/>
+            </a:xfrm>
+            <a:prstGeom prst="line">
+              <a:avLst/>
+            </a:prstGeom>
+            <a:ln w="19050">
+              <a:solidFill>
+                <a:schemeClr val="tx1"/>
+              </a:solidFill>
+            </a:ln>
+          </p:spPr>
+          <p:style>
+            <a:lnRef idx="1">
+              <a:schemeClr val="accent1"/>
+            </a:lnRef>
+            <a:fillRef idx="0">
+              <a:schemeClr val="accent1"/>
+            </a:fillRef>
+            <a:effectRef idx="0">
+              <a:schemeClr val="accent1"/>
+            </a:effectRef>
+            <a:fontRef idx="minor">
+              <a:schemeClr val="tx1"/>
+            </a:fontRef>
+          </p:style>
+        </p:cxnSp>
+        <p:cxnSp>
+          <p:nvCxnSpPr>
+            <p:cNvPr id="192" name="Straight Connector 191">
+              <a:extLst>
+                <a:ext uri="{FF2B5EF4-FFF2-40B4-BE49-F238E27FC236}">
+                  <a16:creationId xmlns:a16="http://schemas.microsoft.com/office/drawing/2014/main" id="{47DC2D1F-A2AF-30ED-7B5A-AD97BBE96948}"/>
+                </a:ext>
+              </a:extLst>
+            </p:cNvPr>
+            <p:cNvCxnSpPr/>
+            <p:nvPr/>
+          </p:nvCxnSpPr>
+          <p:spPr>
+            <a:xfrm>
+              <a:off x="3259691" y="6177662"/>
+              <a:ext cx="0" cy="232989"/>
+            </a:xfrm>
+            <a:prstGeom prst="line">
+              <a:avLst/>
+            </a:prstGeom>
+            <a:ln w="19050">
+              <a:solidFill>
+                <a:schemeClr val="tx1"/>
+              </a:solidFill>
+            </a:ln>
+          </p:spPr>
+          <p:style>
+            <a:lnRef idx="1">
+              <a:schemeClr val="accent1"/>
+            </a:lnRef>
+            <a:fillRef idx="0">
+              <a:schemeClr val="accent1"/>
+            </a:fillRef>
+            <a:effectRef idx="0">
+              <a:schemeClr val="accent1"/>
+            </a:effectRef>
+            <a:fontRef idx="minor">
+              <a:schemeClr val="tx1"/>
+            </a:fontRef>
+          </p:style>
+        </p:cxnSp>
+        <p:cxnSp>
+          <p:nvCxnSpPr>
+            <p:cNvPr id="193" name="Straight Connector 192">
+              <a:extLst>
+                <a:ext uri="{FF2B5EF4-FFF2-40B4-BE49-F238E27FC236}">
+                  <a16:creationId xmlns:a16="http://schemas.microsoft.com/office/drawing/2014/main" id="{5C874810-8825-CDCC-B0C7-B6A0462B339A}"/>
+                </a:ext>
+              </a:extLst>
+            </p:cNvPr>
+            <p:cNvCxnSpPr/>
+            <p:nvPr/>
+          </p:nvCxnSpPr>
+          <p:spPr>
+            <a:xfrm>
+              <a:off x="3723035" y="6177662"/>
+              <a:ext cx="0" cy="232989"/>
+            </a:xfrm>
+            <a:prstGeom prst="line">
+              <a:avLst/>
+            </a:prstGeom>
+            <a:ln w="19050">
+              <a:solidFill>
+                <a:schemeClr val="tx1"/>
+              </a:solidFill>
+            </a:ln>
+          </p:spPr>
+          <p:style>
+            <a:lnRef idx="1">
+              <a:schemeClr val="accent1"/>
+            </a:lnRef>
+            <a:fillRef idx="0">
+              <a:schemeClr val="accent1"/>
+            </a:fillRef>
+            <a:effectRef idx="0">
+              <a:schemeClr val="accent1"/>
+            </a:effectRef>
+            <a:fontRef idx="minor">
+              <a:schemeClr val="tx1"/>
+            </a:fontRef>
+          </p:style>
+        </p:cxnSp>
+        <p:cxnSp>
+          <p:nvCxnSpPr>
+            <p:cNvPr id="194" name="Straight Connector 193">
+              <a:extLst>
+                <a:ext uri="{FF2B5EF4-FFF2-40B4-BE49-F238E27FC236}">
+                  <a16:creationId xmlns:a16="http://schemas.microsoft.com/office/drawing/2014/main" id="{DD9B4D2E-40B4-8E1B-C632-F00A820843EC}"/>
+                </a:ext>
+              </a:extLst>
+            </p:cNvPr>
+            <p:cNvCxnSpPr/>
+            <p:nvPr/>
+          </p:nvCxnSpPr>
+          <p:spPr>
+            <a:xfrm>
+              <a:off x="4186378" y="6177662"/>
+              <a:ext cx="0" cy="232989"/>
+            </a:xfrm>
+            <a:prstGeom prst="line">
+              <a:avLst/>
+            </a:prstGeom>
+            <a:ln w="19050">
+              <a:solidFill>
+                <a:schemeClr val="tx1"/>
+              </a:solidFill>
+            </a:ln>
+          </p:spPr>
+          <p:style>
+            <a:lnRef idx="1">
+              <a:schemeClr val="accent1"/>
+            </a:lnRef>
+            <a:fillRef idx="0">
+              <a:schemeClr val="accent1"/>
+            </a:fillRef>
+            <a:effectRef idx="0">
+              <a:schemeClr val="accent1"/>
+            </a:effectRef>
+            <a:fontRef idx="minor">
+              <a:schemeClr val="tx1"/>
+            </a:fontRef>
+          </p:style>
+        </p:cxnSp>
+        <p:cxnSp>
+          <p:nvCxnSpPr>
+            <p:cNvPr id="195" name="Straight Connector 194">
+              <a:extLst>
+                <a:ext uri="{FF2B5EF4-FFF2-40B4-BE49-F238E27FC236}">
+                  <a16:creationId xmlns:a16="http://schemas.microsoft.com/office/drawing/2014/main" id="{19DF5D01-DFDF-8560-9216-DDC32A9381D5}"/>
+                </a:ext>
+              </a:extLst>
+            </p:cNvPr>
+            <p:cNvCxnSpPr/>
+            <p:nvPr/>
+          </p:nvCxnSpPr>
+          <p:spPr>
+            <a:xfrm>
+              <a:off x="2333005" y="6177662"/>
+              <a:ext cx="0" cy="232989"/>
+            </a:xfrm>
+            <a:prstGeom prst="line">
+              <a:avLst/>
+            </a:prstGeom>
+            <a:ln w="19050">
+              <a:solidFill>
+                <a:schemeClr val="tx1"/>
+              </a:solidFill>
+            </a:ln>
+          </p:spPr>
+          <p:style>
+            <a:lnRef idx="1">
+              <a:schemeClr val="accent1"/>
+            </a:lnRef>
+            <a:fillRef idx="0">
+              <a:schemeClr val="accent1"/>
+            </a:fillRef>
+            <a:effectRef idx="0">
+              <a:schemeClr val="accent1"/>
+            </a:effectRef>
+            <a:fontRef idx="minor">
+              <a:schemeClr val="tx1"/>
+            </a:fontRef>
+          </p:style>
+        </p:cxnSp>
+        <p:cxnSp>
+          <p:nvCxnSpPr>
+            <p:cNvPr id="196" name="Straight Connector 195">
+              <a:extLst>
+                <a:ext uri="{FF2B5EF4-FFF2-40B4-BE49-F238E27FC236}">
+                  <a16:creationId xmlns:a16="http://schemas.microsoft.com/office/drawing/2014/main" id="{DC907EE9-CAF1-96EC-68A6-0038FB805606}"/>
+                </a:ext>
+              </a:extLst>
+            </p:cNvPr>
+            <p:cNvCxnSpPr/>
+            <p:nvPr/>
+          </p:nvCxnSpPr>
+          <p:spPr>
+            <a:xfrm>
+              <a:off x="1406318" y="6177662"/>
+              <a:ext cx="0" cy="232989"/>
+            </a:xfrm>
+            <a:prstGeom prst="line">
+              <a:avLst/>
+            </a:prstGeom>
+            <a:ln w="19050">
+              <a:solidFill>
+                <a:schemeClr val="tx1"/>
+              </a:solidFill>
+            </a:ln>
+          </p:spPr>
+          <p:style>
+            <a:lnRef idx="1">
+              <a:schemeClr val="accent1"/>
+            </a:lnRef>
+            <a:fillRef idx="0">
+              <a:schemeClr val="accent1"/>
+            </a:fillRef>
+            <a:effectRef idx="0">
+              <a:schemeClr val="accent1"/>
+            </a:effectRef>
+            <a:fontRef idx="minor">
+              <a:schemeClr val="tx1"/>
+            </a:fontRef>
+          </p:style>
+        </p:cxnSp>
+        <p:cxnSp>
+          <p:nvCxnSpPr>
+            <p:cNvPr id="197" name="Straight Connector 196">
+              <a:extLst>
+                <a:ext uri="{FF2B5EF4-FFF2-40B4-BE49-F238E27FC236}">
+                  <a16:creationId xmlns:a16="http://schemas.microsoft.com/office/drawing/2014/main" id="{5D3E3456-57BD-89BD-B48B-FFB82E877A9C}"/>
+                </a:ext>
+              </a:extLst>
+            </p:cNvPr>
+            <p:cNvCxnSpPr/>
+            <p:nvPr/>
+          </p:nvCxnSpPr>
+          <p:spPr>
+            <a:xfrm rot="5400000">
+              <a:off x="1880937" y="6696865"/>
+              <a:ext cx="0" cy="207888"/>
+            </a:xfrm>
+            <a:prstGeom prst="line">
+              <a:avLst/>
+            </a:prstGeom>
+            <a:ln w="19050">
+              <a:solidFill>
+                <a:schemeClr val="tx1"/>
+              </a:solidFill>
+            </a:ln>
+          </p:spPr>
+          <p:style>
+            <a:lnRef idx="1">
+              <a:schemeClr val="accent1"/>
+            </a:lnRef>
+            <a:fillRef idx="0">
+              <a:schemeClr val="accent1"/>
+            </a:fillRef>
+            <a:effectRef idx="0">
+              <a:schemeClr val="accent1"/>
+            </a:effectRef>
+            <a:fontRef idx="minor">
+              <a:schemeClr val="tx1"/>
+            </a:fontRef>
+          </p:style>
+        </p:cxnSp>
+        <p:cxnSp>
+          <p:nvCxnSpPr>
+            <p:cNvPr id="198" name="Straight Connector 197">
+              <a:extLst>
+                <a:ext uri="{FF2B5EF4-FFF2-40B4-BE49-F238E27FC236}">
+                  <a16:creationId xmlns:a16="http://schemas.microsoft.com/office/drawing/2014/main" id="{44835B09-B308-A1EE-E7AE-6E738C2F8EFD}"/>
+                </a:ext>
+              </a:extLst>
+            </p:cNvPr>
+            <p:cNvCxnSpPr/>
+            <p:nvPr/>
+          </p:nvCxnSpPr>
+          <p:spPr>
+            <a:xfrm rot="5400000">
+              <a:off x="1880937" y="5658287"/>
+              <a:ext cx="0" cy="207888"/>
+            </a:xfrm>
+            <a:prstGeom prst="line">
+              <a:avLst/>
+            </a:prstGeom>
+            <a:ln w="19050">
+              <a:solidFill>
+                <a:schemeClr val="tx1"/>
+              </a:solidFill>
+            </a:ln>
+          </p:spPr>
+          <p:style>
+            <a:lnRef idx="1">
+              <a:schemeClr val="accent1"/>
+            </a:lnRef>
+            <a:fillRef idx="0">
+              <a:schemeClr val="accent1"/>
+            </a:fillRef>
+            <a:effectRef idx="0">
+              <a:schemeClr val="accent1"/>
+            </a:effectRef>
+            <a:fontRef idx="minor">
+              <a:schemeClr val="tx1"/>
+            </a:fontRef>
+          </p:style>
+        </p:cxnSp>
+        <p:sp>
+          <p:nvSpPr>
+            <p:cNvPr id="199" name="TextBox 198">
+              <a:extLst>
+                <a:ext uri="{FF2B5EF4-FFF2-40B4-BE49-F238E27FC236}">
+                  <a16:creationId xmlns:a16="http://schemas.microsoft.com/office/drawing/2014/main" id="{7CC09BFA-6A15-6D26-CDD3-06BF06BA63FC}"/>
+                </a:ext>
+              </a:extLst>
+            </p:cNvPr>
+            <p:cNvSpPr txBox="1"/>
+            <p:nvPr/>
+          </p:nvSpPr>
+          <p:spPr>
+            <a:xfrm>
+              <a:off x="3392075" y="5035227"/>
+              <a:ext cx="2462339" cy="384814"/>
+            </a:xfrm>
+            <a:prstGeom prst="rect">
+              <a:avLst/>
+            </a:prstGeom>
+            <a:noFill/>
+          </p:spPr>
+          <p:txBody>
+            <a:bodyPr wrap="square" rtlCol="0">
+              <a:spAutoFit/>
+            </a:bodyPr>
+            <a:lstStyle/>
+            <a:p>
+              <a:r>
+                <a:rPr lang="en-US" sz="1100" dirty="0"/>
+                <a:t>t=0.05s</a:t>
+              </a:r>
+            </a:p>
+          </p:txBody>
+        </p:sp>
+        <p:sp>
+          <p:nvSpPr>
+            <p:cNvPr id="200" name="TextBox 199">
+              <a:extLst>
+                <a:ext uri="{FF2B5EF4-FFF2-40B4-BE49-F238E27FC236}">
+                  <a16:creationId xmlns:a16="http://schemas.microsoft.com/office/drawing/2014/main" id="{12CB0645-24E3-3C8B-F126-7F51FEB7DD30}"/>
+                </a:ext>
+              </a:extLst>
+            </p:cNvPr>
+            <p:cNvSpPr txBox="1"/>
+            <p:nvPr/>
+          </p:nvSpPr>
+          <p:spPr>
+            <a:xfrm>
+              <a:off x="4603387" y="6350368"/>
+              <a:ext cx="1320528" cy="384814"/>
+            </a:xfrm>
+            <a:prstGeom prst="rect">
+              <a:avLst/>
+            </a:prstGeom>
+            <a:noFill/>
+          </p:spPr>
+          <p:txBody>
+            <a:bodyPr wrap="square" rtlCol="0">
+              <a:spAutoFit/>
+            </a:bodyPr>
+            <a:lstStyle/>
+            <a:p>
+              <a:r>
+                <a:rPr lang="en-US" sz="1100" dirty="0"/>
+                <a:t>x(cm)</a:t>
+              </a:r>
+            </a:p>
+          </p:txBody>
+        </p:sp>
+        <p:sp>
+          <p:nvSpPr>
+            <p:cNvPr id="202" name="TextBox 201">
+              <a:extLst>
+                <a:ext uri="{FF2B5EF4-FFF2-40B4-BE49-F238E27FC236}">
+                  <a16:creationId xmlns:a16="http://schemas.microsoft.com/office/drawing/2014/main" id="{5469E624-1CEF-10F3-995D-F3B628B862D7}"/>
+                </a:ext>
+              </a:extLst>
+            </p:cNvPr>
+            <p:cNvSpPr txBox="1"/>
+            <p:nvPr/>
+          </p:nvSpPr>
+          <p:spPr>
+            <a:xfrm>
+              <a:off x="2676847" y="6350368"/>
+              <a:ext cx="405233" cy="384814"/>
+            </a:xfrm>
+            <a:prstGeom prst="rect">
+              <a:avLst/>
+            </a:prstGeom>
+            <a:noFill/>
+          </p:spPr>
+          <p:txBody>
+            <a:bodyPr wrap="none" rtlCol="0">
+              <a:spAutoFit/>
+            </a:bodyPr>
+            <a:lstStyle/>
+            <a:p>
+              <a:r>
+                <a:rPr lang="en-US" sz="1100" dirty="0"/>
+                <a:t>4</a:t>
+              </a:r>
+            </a:p>
+          </p:txBody>
+        </p:sp>
+        <p:sp>
+          <p:nvSpPr>
+            <p:cNvPr id="203" name="TextBox 202">
+              <a:extLst>
+                <a:ext uri="{FF2B5EF4-FFF2-40B4-BE49-F238E27FC236}">
+                  <a16:creationId xmlns:a16="http://schemas.microsoft.com/office/drawing/2014/main" id="{2CA01D6C-0E8F-ACE5-ABCC-BB77585536DF}"/>
+                </a:ext>
+              </a:extLst>
+            </p:cNvPr>
+            <p:cNvSpPr txBox="1"/>
+            <p:nvPr/>
+          </p:nvSpPr>
+          <p:spPr>
+            <a:xfrm>
+              <a:off x="3142316" y="6350368"/>
+              <a:ext cx="405233" cy="384814"/>
+            </a:xfrm>
+            <a:prstGeom prst="rect">
+              <a:avLst/>
+            </a:prstGeom>
+            <a:noFill/>
+          </p:spPr>
+          <p:txBody>
+            <a:bodyPr wrap="none" rtlCol="0">
+              <a:spAutoFit/>
+            </a:bodyPr>
+            <a:lstStyle/>
+            <a:p>
+              <a:r>
+                <a:rPr lang="en-US" sz="1100" dirty="0"/>
+                <a:t>6</a:t>
+              </a:r>
+            </a:p>
+          </p:txBody>
+        </p:sp>
+        <p:sp>
+          <p:nvSpPr>
+            <p:cNvPr id="204" name="TextBox 203">
+              <a:extLst>
+                <a:ext uri="{FF2B5EF4-FFF2-40B4-BE49-F238E27FC236}">
+                  <a16:creationId xmlns:a16="http://schemas.microsoft.com/office/drawing/2014/main" id="{992D5AF3-7863-C033-5CBB-527591309D54}"/>
+                </a:ext>
+              </a:extLst>
+            </p:cNvPr>
+            <p:cNvSpPr txBox="1"/>
+            <p:nvPr/>
+          </p:nvSpPr>
+          <p:spPr>
+            <a:xfrm>
+              <a:off x="3603536" y="6350368"/>
+              <a:ext cx="405233" cy="384814"/>
+            </a:xfrm>
+            <a:prstGeom prst="rect">
+              <a:avLst/>
+            </a:prstGeom>
+            <a:noFill/>
+          </p:spPr>
+          <p:txBody>
+            <a:bodyPr wrap="none" rtlCol="0">
+              <a:spAutoFit/>
+            </a:bodyPr>
+            <a:lstStyle/>
+            <a:p>
+              <a:r>
+                <a:rPr lang="en-US" sz="1100" dirty="0"/>
+                <a:t>8</a:t>
+              </a:r>
+            </a:p>
+          </p:txBody>
+        </p:sp>
+        <p:sp>
+          <p:nvSpPr>
+            <p:cNvPr id="205" name="TextBox 204">
+              <a:extLst>
+                <a:ext uri="{FF2B5EF4-FFF2-40B4-BE49-F238E27FC236}">
+                  <a16:creationId xmlns:a16="http://schemas.microsoft.com/office/drawing/2014/main" id="{102BEA32-CE34-D068-F55F-96B0EE87B61B}"/>
+                </a:ext>
+              </a:extLst>
+            </p:cNvPr>
+            <p:cNvSpPr txBox="1"/>
+            <p:nvPr/>
+          </p:nvSpPr>
+          <p:spPr>
+            <a:xfrm>
+              <a:off x="4001040" y="6350368"/>
+              <a:ext cx="519061" cy="384814"/>
+            </a:xfrm>
+            <a:prstGeom prst="rect">
+              <a:avLst/>
+            </a:prstGeom>
+            <a:noFill/>
+          </p:spPr>
+          <p:txBody>
+            <a:bodyPr wrap="none" rtlCol="0">
+              <a:spAutoFit/>
+            </a:bodyPr>
+            <a:lstStyle/>
+            <a:p>
+              <a:r>
+                <a:rPr lang="en-US" sz="1100" dirty="0"/>
+                <a:t>10</a:t>
+              </a:r>
+            </a:p>
+          </p:txBody>
+        </p:sp>
+      </p:grpSp>
+      <p:sp>
+        <p:nvSpPr>
+          <p:cNvPr id="206" name="Oval 205">
+            <a:extLst>
+              <a:ext uri="{FF2B5EF4-FFF2-40B4-BE49-F238E27FC236}">
+                <a16:creationId xmlns:a16="http://schemas.microsoft.com/office/drawing/2014/main" id="{5AD1ADD3-C790-FC47-1EB8-92D3EF48E452}"/>
+              </a:ext>
+            </a:extLst>
+          </p:cNvPr>
+          <p:cNvSpPr/>
+          <p:nvPr/>
+        </p:nvSpPr>
+        <p:spPr>
+          <a:xfrm flipH="1" flipV="1">
+            <a:off x="3598154" y="844829"/>
+            <a:ext cx="96397" cy="118819"/>
+          </a:xfrm>
+          <a:prstGeom prst="ellipse">
+            <a:avLst/>
+          </a:prstGeom>
+          <a:solidFill>
+            <a:srgbClr val="FF0000"/>
+          </a:solidFill>
+          <a:ln>
+            <a:noFill/>
+          </a:ln>
+        </p:spPr>
+        <p:style>
+          <a:lnRef idx="2">
+            <a:schemeClr val="accent1">
+              <a:shade val="15000"/>
+            </a:schemeClr>
+          </a:lnRef>
+          <a:fillRef idx="1">
+            <a:schemeClr val="accent1"/>
+          </a:fillRef>
+          <a:effectRef idx="0">
+            <a:schemeClr val="accent1"/>
+          </a:effectRef>
+          <a:fontRef idx="minor">
+            <a:schemeClr val="lt1"/>
+          </a:fontRef>
+        </p:style>
+        <p:txBody>
+          <a:bodyPr rtlCol="0" anchor="ctr"/>
+          <a:lstStyle/>
+          <a:p>
+            <a:pPr algn="ctr"/>
+            <a:endParaRPr lang="en-US"/>
+          </a:p>
+        </p:txBody>
+      </p:sp>
+      <p:sp>
+        <p:nvSpPr>
+          <p:cNvPr id="207" name="Oval 206">
+            <a:extLst>
+              <a:ext uri="{FF2B5EF4-FFF2-40B4-BE49-F238E27FC236}">
+                <a16:creationId xmlns:a16="http://schemas.microsoft.com/office/drawing/2014/main" id="{FD55524D-8DEF-602B-A908-FEEBEE63845E}"/>
+              </a:ext>
+            </a:extLst>
+          </p:cNvPr>
+          <p:cNvSpPr/>
+          <p:nvPr/>
+        </p:nvSpPr>
+        <p:spPr>
+          <a:xfrm flipH="1" flipV="1">
+            <a:off x="3588629" y="2092604"/>
+            <a:ext cx="96397" cy="118819"/>
+          </a:xfrm>
+          <a:prstGeom prst="ellipse">
+            <a:avLst/>
+          </a:prstGeom>
+          <a:solidFill>
+            <a:srgbClr val="FF0000"/>
+          </a:solidFill>
+          <a:ln>
+            <a:noFill/>
+          </a:ln>
+        </p:spPr>
+        <p:style>
+          <a:lnRef idx="2">
+            <a:schemeClr val="accent1">
+              <a:shade val="15000"/>
+            </a:schemeClr>
+          </a:lnRef>
+          <a:fillRef idx="1">
+            <a:schemeClr val="accent1"/>
+          </a:fillRef>
+          <a:effectRef idx="0">
+            <a:schemeClr val="accent1"/>
+          </a:effectRef>
+          <a:fontRef idx="minor">
+            <a:schemeClr val="lt1"/>
+          </a:fontRef>
+        </p:style>
+        <p:txBody>
+          <a:bodyPr rtlCol="0" anchor="ctr"/>
+          <a:lstStyle/>
+          <a:p>
+            <a:pPr algn="ctr"/>
+            <a:endParaRPr lang="en-US"/>
+          </a:p>
+        </p:txBody>
+      </p:sp>
+      <p:sp>
+        <p:nvSpPr>
+          <p:cNvPr id="208" name="Oval 207">
+            <a:extLst>
+              <a:ext uri="{FF2B5EF4-FFF2-40B4-BE49-F238E27FC236}">
+                <a16:creationId xmlns:a16="http://schemas.microsoft.com/office/drawing/2014/main" id="{BF0DB82B-3B1C-1321-6098-9C4246687234}"/>
+              </a:ext>
+            </a:extLst>
+          </p:cNvPr>
+          <p:cNvSpPr/>
+          <p:nvPr/>
+        </p:nvSpPr>
+        <p:spPr>
+          <a:xfrm flipH="1" flipV="1">
+            <a:off x="3598154" y="3730904"/>
+            <a:ext cx="96397" cy="118819"/>
+          </a:xfrm>
+          <a:prstGeom prst="ellipse">
+            <a:avLst/>
+          </a:prstGeom>
+          <a:solidFill>
+            <a:srgbClr val="FF0000"/>
+          </a:solidFill>
+          <a:ln>
+            <a:noFill/>
+          </a:ln>
+        </p:spPr>
+        <p:style>
+          <a:lnRef idx="2">
+            <a:schemeClr val="accent1">
+              <a:shade val="15000"/>
+            </a:schemeClr>
+          </a:lnRef>
+          <a:fillRef idx="1">
+            <a:schemeClr val="accent1"/>
+          </a:fillRef>
+          <a:effectRef idx="0">
+            <a:schemeClr val="accent1"/>
+          </a:effectRef>
+          <a:fontRef idx="minor">
+            <a:schemeClr val="lt1"/>
+          </a:fontRef>
+        </p:style>
+        <p:txBody>
+          <a:bodyPr rtlCol="0" anchor="ctr"/>
+          <a:lstStyle/>
+          <a:p>
+            <a:pPr algn="ctr"/>
+            <a:endParaRPr lang="en-US"/>
+          </a:p>
+        </p:txBody>
+      </p:sp>
+      <p:sp>
+        <p:nvSpPr>
+          <p:cNvPr id="209" name="Oval 208">
+            <a:extLst>
+              <a:ext uri="{FF2B5EF4-FFF2-40B4-BE49-F238E27FC236}">
+                <a16:creationId xmlns:a16="http://schemas.microsoft.com/office/drawing/2014/main" id="{BAB27AEA-7DC2-010F-9DF6-091E8C163126}"/>
+              </a:ext>
+            </a:extLst>
+          </p:cNvPr>
+          <p:cNvSpPr/>
+          <p:nvPr/>
+        </p:nvSpPr>
+        <p:spPr>
+          <a:xfrm flipH="1" flipV="1">
+            <a:off x="6827129" y="768629"/>
+            <a:ext cx="96397" cy="118819"/>
+          </a:xfrm>
+          <a:prstGeom prst="ellipse">
+            <a:avLst/>
+          </a:prstGeom>
+          <a:solidFill>
+            <a:srgbClr val="FF0000"/>
+          </a:solidFill>
+          <a:ln>
+            <a:noFill/>
+          </a:ln>
+        </p:spPr>
+        <p:style>
+          <a:lnRef idx="2">
+            <a:schemeClr val="accent1">
+              <a:shade val="15000"/>
+            </a:schemeClr>
+          </a:lnRef>
+          <a:fillRef idx="1">
+            <a:schemeClr val="accent1"/>
+          </a:fillRef>
+          <a:effectRef idx="0">
+            <a:schemeClr val="accent1"/>
+          </a:effectRef>
+          <a:fontRef idx="minor">
+            <a:schemeClr val="lt1"/>
+          </a:fontRef>
+        </p:style>
+        <p:txBody>
+          <a:bodyPr rtlCol="0" anchor="ctr"/>
+          <a:lstStyle/>
+          <a:p>
+            <a:pPr algn="ctr"/>
+            <a:endParaRPr lang="en-US"/>
+          </a:p>
+        </p:txBody>
+      </p:sp>
+      <p:sp>
+        <p:nvSpPr>
+          <p:cNvPr id="210" name="Oval 209">
+            <a:extLst>
+              <a:ext uri="{FF2B5EF4-FFF2-40B4-BE49-F238E27FC236}">
+                <a16:creationId xmlns:a16="http://schemas.microsoft.com/office/drawing/2014/main" id="{5D1FEAA1-C622-3099-2EF7-47CE19F3355C}"/>
+              </a:ext>
+            </a:extLst>
+          </p:cNvPr>
+          <p:cNvSpPr/>
+          <p:nvPr/>
+        </p:nvSpPr>
+        <p:spPr>
+          <a:xfrm flipH="1" flipV="1">
+            <a:off x="6836654" y="2454554"/>
+            <a:ext cx="96397" cy="118819"/>
+          </a:xfrm>
+          <a:prstGeom prst="ellipse">
+            <a:avLst/>
+          </a:prstGeom>
+          <a:solidFill>
+            <a:srgbClr val="FF0000"/>
+          </a:solidFill>
+          <a:ln>
+            <a:noFill/>
+          </a:ln>
+        </p:spPr>
+        <p:style>
+          <a:lnRef idx="2">
+            <a:schemeClr val="accent1">
+              <a:shade val="15000"/>
+            </a:schemeClr>
+          </a:lnRef>
+          <a:fillRef idx="1">
+            <a:schemeClr val="accent1"/>
+          </a:fillRef>
+          <a:effectRef idx="0">
+            <a:schemeClr val="accent1"/>
+          </a:effectRef>
+          <a:fontRef idx="minor">
+            <a:schemeClr val="lt1"/>
+          </a:fontRef>
+        </p:style>
+        <p:txBody>
+          <a:bodyPr rtlCol="0" anchor="ctr"/>
+          <a:lstStyle/>
+          <a:p>
+            <a:pPr algn="ctr"/>
+            <a:endParaRPr lang="en-US"/>
+          </a:p>
+        </p:txBody>
+      </p:sp>
+      <p:sp>
+        <p:nvSpPr>
+          <p:cNvPr id="211" name="Oval 210">
+            <a:extLst>
+              <a:ext uri="{FF2B5EF4-FFF2-40B4-BE49-F238E27FC236}">
+                <a16:creationId xmlns:a16="http://schemas.microsoft.com/office/drawing/2014/main" id="{3C546664-1C78-8585-B561-3D2CDDCE4069}"/>
+              </a:ext>
+            </a:extLst>
+          </p:cNvPr>
+          <p:cNvSpPr/>
+          <p:nvPr/>
+        </p:nvSpPr>
+        <p:spPr>
+          <a:xfrm flipH="1" flipV="1">
+            <a:off x="6808079" y="4121429"/>
+            <a:ext cx="96397" cy="118819"/>
+          </a:xfrm>
+          <a:prstGeom prst="ellipse">
+            <a:avLst/>
+          </a:prstGeom>
+          <a:solidFill>
+            <a:srgbClr val="FF0000"/>
+          </a:solidFill>
+          <a:ln>
+            <a:noFill/>
+          </a:ln>
+        </p:spPr>
+        <p:style>
+          <a:lnRef idx="2">
+            <a:schemeClr val="accent1">
+              <a:shade val="15000"/>
+            </a:schemeClr>
+          </a:lnRef>
+          <a:fillRef idx="1">
+            <a:schemeClr val="accent1"/>
+          </a:fillRef>
+          <a:effectRef idx="0">
+            <a:schemeClr val="accent1"/>
+          </a:effectRef>
+          <a:fontRef idx="minor">
+            <a:schemeClr val="lt1"/>
+          </a:fontRef>
+        </p:style>
+        <p:txBody>
+          <a:bodyPr rtlCol="0" anchor="ctr"/>
+          <a:lstStyle/>
+          <a:p>
+            <a:pPr algn="ctr"/>
+            <a:endParaRPr lang="en-US"/>
+          </a:p>
+        </p:txBody>
+      </p:sp>
+      <p:grpSp>
+        <p:nvGrpSpPr>
+          <p:cNvPr id="251" name="Group 250">
+            <a:extLst>
+              <a:ext uri="{FF2B5EF4-FFF2-40B4-BE49-F238E27FC236}">
+                <a16:creationId xmlns:a16="http://schemas.microsoft.com/office/drawing/2014/main" id="{5703A761-12B7-4645-B19A-3A58223512B4}"/>
+              </a:ext>
+            </a:extLst>
+          </p:cNvPr>
+          <p:cNvGrpSpPr/>
+          <p:nvPr/>
+        </p:nvGrpSpPr>
+        <p:grpSpPr>
+          <a:xfrm>
+            <a:off x="5196254" y="5374996"/>
+            <a:ext cx="2655605" cy="1476368"/>
+            <a:chOff x="5765521" y="5381631"/>
+            <a:chExt cx="3097770" cy="1588637"/>
+          </a:xfrm>
+        </p:grpSpPr>
+        <p:grpSp>
+          <p:nvGrpSpPr>
+            <p:cNvPr id="212" name="Group 211">
+              <a:extLst>
+                <a:ext uri="{FF2B5EF4-FFF2-40B4-BE49-F238E27FC236}">
+                  <a16:creationId xmlns:a16="http://schemas.microsoft.com/office/drawing/2014/main" id="{FAA147BA-0B59-0803-828D-EF1CA664EF79}"/>
+                </a:ext>
+              </a:extLst>
+            </p:cNvPr>
+            <p:cNvGrpSpPr/>
+            <p:nvPr/>
+          </p:nvGrpSpPr>
+          <p:grpSpPr>
+            <a:xfrm>
+              <a:off x="5765521" y="5381631"/>
+              <a:ext cx="3097770" cy="1588637"/>
+              <a:chOff x="1035643" y="4983298"/>
+              <a:chExt cx="4888272" cy="2336800"/>
+            </a:xfrm>
+          </p:grpSpPr>
+          <p:cxnSp>
+            <p:nvCxnSpPr>
+              <p:cNvPr id="213" name="Straight Connector 212">
+                <a:extLst>
+                  <a:ext uri="{FF2B5EF4-FFF2-40B4-BE49-F238E27FC236}">
+                    <a16:creationId xmlns:a16="http://schemas.microsoft.com/office/drawing/2014/main" id="{FE86D59D-0FE3-1827-99D3-C3A462BD427E}"/>
+                  </a:ext>
+                </a:extLst>
+              </p:cNvPr>
+              <p:cNvCxnSpPr/>
+              <p:nvPr/>
+            </p:nvCxnSpPr>
+            <p:spPr>
+              <a:xfrm>
+                <a:off x="1869662" y="4998555"/>
+                <a:ext cx="0" cy="2321543"/>
+              </a:xfrm>
+              <a:prstGeom prst="line">
+                <a:avLst/>
+              </a:prstGeom>
+              <a:ln w="19050">
+                <a:solidFill>
+                  <a:schemeClr val="tx1"/>
+                </a:solidFill>
+              </a:ln>
+            </p:spPr>
+            <p:style>
+              <a:lnRef idx="1">
+                <a:schemeClr val="accent1"/>
+              </a:lnRef>
+              <a:fillRef idx="0">
+                <a:schemeClr val="accent1"/>
+              </a:fillRef>
+              <a:effectRef idx="0">
+                <a:schemeClr val="accent1"/>
+              </a:effectRef>
+              <a:fontRef idx="minor">
+                <a:schemeClr val="tx1"/>
+              </a:fontRef>
+            </p:style>
+          </p:cxnSp>
+          <p:cxnSp>
+            <p:nvCxnSpPr>
+              <p:cNvPr id="214" name="Straight Connector 213">
+                <a:extLst>
+                  <a:ext uri="{FF2B5EF4-FFF2-40B4-BE49-F238E27FC236}">
+                    <a16:creationId xmlns:a16="http://schemas.microsoft.com/office/drawing/2014/main" id="{65B16F43-52C8-1E00-E8E1-AA026325C27B}"/>
+                  </a:ext>
+                </a:extLst>
+              </p:cNvPr>
+              <p:cNvCxnSpPr>
+                <a:cxnSpLocks/>
+              </p:cNvCxnSpPr>
+              <p:nvPr/>
+            </p:nvCxnSpPr>
+            <p:spPr>
+              <a:xfrm flipH="1">
+                <a:off x="1776992" y="6281520"/>
+                <a:ext cx="2872730" cy="0"/>
+              </a:xfrm>
+              <a:prstGeom prst="line">
+                <a:avLst/>
+              </a:prstGeom>
+              <a:ln w="19050">
+                <a:solidFill>
+                  <a:schemeClr val="tx1"/>
+                </a:solidFill>
+              </a:ln>
+            </p:spPr>
+            <p:style>
+              <a:lnRef idx="1">
+                <a:schemeClr val="accent1"/>
+              </a:lnRef>
+              <a:fillRef idx="0">
+                <a:schemeClr val="accent1"/>
+              </a:fillRef>
+              <a:effectRef idx="0">
+                <a:schemeClr val="accent1"/>
+              </a:effectRef>
+              <a:fontRef idx="minor">
+                <a:schemeClr val="tx1"/>
+              </a:fontRef>
+            </p:style>
+          </p:cxnSp>
+          <p:sp>
+            <p:nvSpPr>
+              <p:cNvPr id="215" name="TextBox 214">
+                <a:extLst>
+                  <a:ext uri="{FF2B5EF4-FFF2-40B4-BE49-F238E27FC236}">
+                    <a16:creationId xmlns:a16="http://schemas.microsoft.com/office/drawing/2014/main" id="{51387F82-935E-CCAD-AE37-5D40A7718BBB}"/>
+                  </a:ext>
+                </a:extLst>
+              </p:cNvPr>
+              <p:cNvSpPr txBox="1"/>
+              <p:nvPr/>
+            </p:nvSpPr>
+            <p:spPr>
+              <a:xfrm>
+                <a:off x="1035643" y="4983298"/>
+                <a:ext cx="868099" cy="341005"/>
+              </a:xfrm>
+              <a:prstGeom prst="rect">
+                <a:avLst/>
+              </a:prstGeom>
+              <a:noFill/>
+            </p:spPr>
+            <p:txBody>
+              <a:bodyPr wrap="none" rtlCol="0">
+                <a:spAutoFit/>
+              </a:bodyPr>
+              <a:lstStyle/>
+              <a:p>
+                <a:r>
+                  <a:rPr lang="en-US" sz="800" dirty="0"/>
+                  <a:t>D(mm)</a:t>
+                </a:r>
+              </a:p>
+            </p:txBody>
+          </p:sp>
+          <p:sp>
+            <p:nvSpPr>
+              <p:cNvPr id="216" name="TextBox 215">
+                <a:extLst>
+                  <a:ext uri="{FF2B5EF4-FFF2-40B4-BE49-F238E27FC236}">
+                    <a16:creationId xmlns:a16="http://schemas.microsoft.com/office/drawing/2014/main" id="{DF980299-4527-50CB-3215-AC2502CF4494}"/>
+                  </a:ext>
+                </a:extLst>
+              </p:cNvPr>
+              <p:cNvSpPr txBox="1"/>
+              <p:nvPr/>
+            </p:nvSpPr>
+            <p:spPr>
+              <a:xfrm>
+                <a:off x="1553588" y="5519504"/>
+                <a:ext cx="434344" cy="341005"/>
+              </a:xfrm>
+              <a:prstGeom prst="rect">
+                <a:avLst/>
+              </a:prstGeom>
+              <a:noFill/>
+            </p:spPr>
+            <p:txBody>
+              <a:bodyPr wrap="none" rtlCol="0">
+                <a:spAutoFit/>
+              </a:bodyPr>
+              <a:lstStyle/>
+              <a:p>
+                <a:r>
+                  <a:rPr lang="en-US" sz="800" dirty="0"/>
+                  <a:t>2</a:t>
+                </a:r>
+              </a:p>
+            </p:txBody>
+          </p:sp>
+          <p:sp>
+            <p:nvSpPr>
+              <p:cNvPr id="217" name="TextBox 216">
+                <a:extLst>
+                  <a:ext uri="{FF2B5EF4-FFF2-40B4-BE49-F238E27FC236}">
+                    <a16:creationId xmlns:a16="http://schemas.microsoft.com/office/drawing/2014/main" id="{F44C9696-6338-8EAC-7B02-FC5D7818DD4B}"/>
+                  </a:ext>
+                </a:extLst>
+              </p:cNvPr>
+              <p:cNvSpPr txBox="1"/>
+              <p:nvPr/>
+            </p:nvSpPr>
+            <p:spPr>
+              <a:xfrm>
+                <a:off x="1486329" y="6651960"/>
+                <a:ext cx="493358" cy="341005"/>
+              </a:xfrm>
+              <a:prstGeom prst="rect">
+                <a:avLst/>
+              </a:prstGeom>
+              <a:noFill/>
+            </p:spPr>
+            <p:txBody>
+              <a:bodyPr wrap="none" rtlCol="0">
+                <a:spAutoFit/>
+              </a:bodyPr>
+              <a:lstStyle/>
+              <a:p>
+                <a:r>
+                  <a:rPr lang="en-US" sz="800" dirty="0"/>
+                  <a:t>-2</a:t>
+                </a:r>
+              </a:p>
+            </p:txBody>
+          </p:sp>
+          <p:sp>
+            <p:nvSpPr>
+              <p:cNvPr id="218" name="TextBox 217">
+                <a:extLst>
+                  <a:ext uri="{FF2B5EF4-FFF2-40B4-BE49-F238E27FC236}">
+                    <a16:creationId xmlns:a16="http://schemas.microsoft.com/office/drawing/2014/main" id="{9B8F5A0F-0FD8-7647-D1D9-2B6666EDB29D}"/>
+                  </a:ext>
+                </a:extLst>
+              </p:cNvPr>
+              <p:cNvSpPr txBox="1"/>
+              <p:nvPr/>
+            </p:nvSpPr>
+            <p:spPr>
+              <a:xfrm>
+                <a:off x="1220980" y="6350368"/>
+                <a:ext cx="340041" cy="341005"/>
+              </a:xfrm>
+              <a:prstGeom prst="rect">
+                <a:avLst/>
+              </a:prstGeom>
+              <a:noFill/>
+            </p:spPr>
+            <p:txBody>
+              <a:bodyPr wrap="none" rtlCol="0">
+                <a:spAutoFit/>
+              </a:bodyPr>
+              <a:lstStyle/>
+              <a:p>
+                <a:endParaRPr lang="en-US" sz="800" dirty="0"/>
+              </a:p>
+            </p:txBody>
+          </p:sp>
+          <p:sp>
+            <p:nvSpPr>
+              <p:cNvPr id="219" name="TextBox 218">
+                <a:extLst>
+                  <a:ext uri="{FF2B5EF4-FFF2-40B4-BE49-F238E27FC236}">
+                    <a16:creationId xmlns:a16="http://schemas.microsoft.com/office/drawing/2014/main" id="{CB7A9278-28B1-9D3B-E694-3FDA49EA013E}"/>
+                  </a:ext>
+                </a:extLst>
+              </p:cNvPr>
+              <p:cNvSpPr txBox="1"/>
+              <p:nvPr/>
+            </p:nvSpPr>
+            <p:spPr>
+              <a:xfrm>
+                <a:off x="1993068" y="6350368"/>
+                <a:ext cx="670400" cy="341005"/>
+              </a:xfrm>
+              <a:prstGeom prst="rect">
+                <a:avLst/>
+              </a:prstGeom>
+              <a:noFill/>
+            </p:spPr>
+            <p:txBody>
+              <a:bodyPr wrap="none" rtlCol="0">
+                <a:spAutoFit/>
+              </a:bodyPr>
+              <a:lstStyle/>
+              <a:p>
+                <a:r>
+                  <a:rPr lang="en-US" sz="800" dirty="0"/>
+                  <a:t>0.01</a:t>
+                </a:r>
+              </a:p>
+            </p:txBody>
+          </p:sp>
+          <p:cxnSp>
+            <p:nvCxnSpPr>
+              <p:cNvPr id="220" name="Straight Connector 219">
+                <a:extLst>
+                  <a:ext uri="{FF2B5EF4-FFF2-40B4-BE49-F238E27FC236}">
+                    <a16:creationId xmlns:a16="http://schemas.microsoft.com/office/drawing/2014/main" id="{5CB1895F-E42F-69CE-1416-83B33FDF2880}"/>
+                  </a:ext>
+                </a:extLst>
+              </p:cNvPr>
+              <p:cNvCxnSpPr/>
+              <p:nvPr/>
+            </p:nvCxnSpPr>
+            <p:spPr>
+              <a:xfrm>
+                <a:off x="2796348" y="6159327"/>
+                <a:ext cx="0" cy="232989"/>
+              </a:xfrm>
+              <a:prstGeom prst="line">
+                <a:avLst/>
+              </a:prstGeom>
+              <a:ln w="19050">
+                <a:solidFill>
+                  <a:schemeClr val="tx1"/>
+                </a:solidFill>
+              </a:ln>
+            </p:spPr>
+            <p:style>
+              <a:lnRef idx="1">
+                <a:schemeClr val="accent1"/>
+              </a:lnRef>
+              <a:fillRef idx="0">
+                <a:schemeClr val="accent1"/>
+              </a:fillRef>
+              <a:effectRef idx="0">
+                <a:schemeClr val="accent1"/>
+              </a:effectRef>
+              <a:fontRef idx="minor">
+                <a:schemeClr val="tx1"/>
+              </a:fontRef>
+            </p:style>
+          </p:cxnSp>
+          <p:cxnSp>
+            <p:nvCxnSpPr>
+              <p:cNvPr id="221" name="Straight Connector 220">
+                <a:extLst>
+                  <a:ext uri="{FF2B5EF4-FFF2-40B4-BE49-F238E27FC236}">
+                    <a16:creationId xmlns:a16="http://schemas.microsoft.com/office/drawing/2014/main" id="{07D8916E-06A7-6559-600A-A7D149B5CC7B}"/>
+                  </a:ext>
+                </a:extLst>
+              </p:cNvPr>
+              <p:cNvCxnSpPr/>
+              <p:nvPr/>
+            </p:nvCxnSpPr>
+            <p:spPr>
+              <a:xfrm>
+                <a:off x="3259691" y="6177662"/>
+                <a:ext cx="0" cy="232989"/>
+              </a:xfrm>
+              <a:prstGeom prst="line">
+                <a:avLst/>
+              </a:prstGeom>
+              <a:ln w="19050">
+                <a:solidFill>
+                  <a:schemeClr val="tx1"/>
+                </a:solidFill>
+              </a:ln>
+            </p:spPr>
+            <p:style>
+              <a:lnRef idx="1">
+                <a:schemeClr val="accent1"/>
+              </a:lnRef>
+              <a:fillRef idx="0">
+                <a:schemeClr val="accent1"/>
+              </a:fillRef>
+              <a:effectRef idx="0">
+                <a:schemeClr val="accent1"/>
+              </a:effectRef>
+              <a:fontRef idx="minor">
+                <a:schemeClr val="tx1"/>
+              </a:fontRef>
+            </p:style>
+          </p:cxnSp>
+          <p:cxnSp>
+            <p:nvCxnSpPr>
+              <p:cNvPr id="222" name="Straight Connector 221">
+                <a:extLst>
+                  <a:ext uri="{FF2B5EF4-FFF2-40B4-BE49-F238E27FC236}">
+                    <a16:creationId xmlns:a16="http://schemas.microsoft.com/office/drawing/2014/main" id="{D0EC8A95-6694-4AB3-8229-62929B390A1F}"/>
+                  </a:ext>
+                </a:extLst>
+              </p:cNvPr>
+              <p:cNvCxnSpPr/>
+              <p:nvPr/>
+            </p:nvCxnSpPr>
+            <p:spPr>
+              <a:xfrm>
+                <a:off x="3723035" y="6177662"/>
+                <a:ext cx="0" cy="232989"/>
+              </a:xfrm>
+              <a:prstGeom prst="line">
+                <a:avLst/>
+              </a:prstGeom>
+              <a:ln w="19050">
+                <a:solidFill>
+                  <a:schemeClr val="tx1"/>
+                </a:solidFill>
+              </a:ln>
+            </p:spPr>
+            <p:style>
+              <a:lnRef idx="1">
+                <a:schemeClr val="accent1"/>
+              </a:lnRef>
+              <a:fillRef idx="0">
+                <a:schemeClr val="accent1"/>
+              </a:fillRef>
+              <a:effectRef idx="0">
+                <a:schemeClr val="accent1"/>
+              </a:effectRef>
+              <a:fontRef idx="minor">
+                <a:schemeClr val="tx1"/>
+              </a:fontRef>
+            </p:style>
+          </p:cxnSp>
+          <p:cxnSp>
+            <p:nvCxnSpPr>
+              <p:cNvPr id="223" name="Straight Connector 222">
+                <a:extLst>
+                  <a:ext uri="{FF2B5EF4-FFF2-40B4-BE49-F238E27FC236}">
+                    <a16:creationId xmlns:a16="http://schemas.microsoft.com/office/drawing/2014/main" id="{ABA13415-1C98-49E5-681A-DDA74C7C2739}"/>
+                  </a:ext>
+                </a:extLst>
+              </p:cNvPr>
+              <p:cNvCxnSpPr/>
+              <p:nvPr/>
+            </p:nvCxnSpPr>
+            <p:spPr>
+              <a:xfrm>
+                <a:off x="4186378" y="6177662"/>
+                <a:ext cx="0" cy="232989"/>
+              </a:xfrm>
+              <a:prstGeom prst="line">
+                <a:avLst/>
+              </a:prstGeom>
+              <a:ln w="19050">
+                <a:solidFill>
+                  <a:schemeClr val="tx1"/>
+                </a:solidFill>
+              </a:ln>
+            </p:spPr>
+            <p:style>
+              <a:lnRef idx="1">
+                <a:schemeClr val="accent1"/>
+              </a:lnRef>
+              <a:fillRef idx="0">
+                <a:schemeClr val="accent1"/>
+              </a:fillRef>
+              <a:effectRef idx="0">
+                <a:schemeClr val="accent1"/>
+              </a:effectRef>
+              <a:fontRef idx="minor">
+                <a:schemeClr val="tx1"/>
+              </a:fontRef>
+            </p:style>
+          </p:cxnSp>
+          <p:cxnSp>
+            <p:nvCxnSpPr>
+              <p:cNvPr id="224" name="Straight Connector 223">
+                <a:extLst>
+                  <a:ext uri="{FF2B5EF4-FFF2-40B4-BE49-F238E27FC236}">
+                    <a16:creationId xmlns:a16="http://schemas.microsoft.com/office/drawing/2014/main" id="{E199BAF7-8A85-5C7B-6629-8EB41D61674E}"/>
+                  </a:ext>
+                </a:extLst>
+              </p:cNvPr>
+              <p:cNvCxnSpPr/>
+              <p:nvPr/>
+            </p:nvCxnSpPr>
+            <p:spPr>
+              <a:xfrm>
+                <a:off x="2333005" y="6177662"/>
+                <a:ext cx="0" cy="232989"/>
+              </a:xfrm>
+              <a:prstGeom prst="line">
+                <a:avLst/>
+              </a:prstGeom>
+              <a:ln w="19050">
+                <a:solidFill>
+                  <a:schemeClr val="tx1"/>
+                </a:solidFill>
+              </a:ln>
+            </p:spPr>
+            <p:style>
+              <a:lnRef idx="1">
+                <a:schemeClr val="accent1"/>
+              </a:lnRef>
+              <a:fillRef idx="0">
+                <a:schemeClr val="accent1"/>
+              </a:fillRef>
+              <a:effectRef idx="0">
+                <a:schemeClr val="accent1"/>
+              </a:effectRef>
+              <a:fontRef idx="minor">
+                <a:schemeClr val="tx1"/>
+              </a:fontRef>
+            </p:style>
+          </p:cxnSp>
+          <p:cxnSp>
+            <p:nvCxnSpPr>
+              <p:cNvPr id="226" name="Straight Connector 225">
+                <a:extLst>
+                  <a:ext uri="{FF2B5EF4-FFF2-40B4-BE49-F238E27FC236}">
+                    <a16:creationId xmlns:a16="http://schemas.microsoft.com/office/drawing/2014/main" id="{C10BFD89-8F17-7CA9-3870-D76E497FFF48}"/>
+                  </a:ext>
+                </a:extLst>
+              </p:cNvPr>
+              <p:cNvCxnSpPr/>
+              <p:nvPr/>
+            </p:nvCxnSpPr>
+            <p:spPr>
+              <a:xfrm rot="5400000">
+                <a:off x="1880937" y="6696865"/>
+                <a:ext cx="0" cy="207888"/>
+              </a:xfrm>
+              <a:prstGeom prst="line">
+                <a:avLst/>
+              </a:prstGeom>
+              <a:ln w="19050">
+                <a:solidFill>
+                  <a:schemeClr val="tx1"/>
+                </a:solidFill>
+              </a:ln>
+            </p:spPr>
+            <p:style>
+              <a:lnRef idx="1">
+                <a:schemeClr val="accent1"/>
+              </a:lnRef>
+              <a:fillRef idx="0">
+                <a:schemeClr val="accent1"/>
+              </a:fillRef>
+              <a:effectRef idx="0">
+                <a:schemeClr val="accent1"/>
+              </a:effectRef>
+              <a:fontRef idx="minor">
+                <a:schemeClr val="tx1"/>
+              </a:fontRef>
+            </p:style>
+          </p:cxnSp>
+          <p:cxnSp>
+            <p:nvCxnSpPr>
+              <p:cNvPr id="227" name="Straight Connector 226">
+                <a:extLst>
+                  <a:ext uri="{FF2B5EF4-FFF2-40B4-BE49-F238E27FC236}">
+                    <a16:creationId xmlns:a16="http://schemas.microsoft.com/office/drawing/2014/main" id="{81DDB9ED-A814-160D-4F98-B4088D5C922D}"/>
+                  </a:ext>
+                </a:extLst>
+              </p:cNvPr>
+              <p:cNvCxnSpPr/>
+              <p:nvPr/>
+            </p:nvCxnSpPr>
+            <p:spPr>
+              <a:xfrm rot="5400000">
+                <a:off x="1880937" y="5658287"/>
+                <a:ext cx="0" cy="207888"/>
+              </a:xfrm>
+              <a:prstGeom prst="line">
+                <a:avLst/>
+              </a:prstGeom>
+              <a:ln w="19050">
+                <a:solidFill>
+                  <a:schemeClr val="tx1"/>
+                </a:solidFill>
+              </a:ln>
+            </p:spPr>
+            <p:style>
+              <a:lnRef idx="1">
+                <a:schemeClr val="accent1"/>
+              </a:lnRef>
+              <a:fillRef idx="0">
+                <a:schemeClr val="accent1"/>
+              </a:fillRef>
+              <a:effectRef idx="0">
+                <a:schemeClr val="accent1"/>
+              </a:effectRef>
+              <a:fontRef idx="minor">
+                <a:schemeClr val="tx1"/>
+              </a:fontRef>
+            </p:style>
+          </p:cxnSp>
+          <p:sp>
+            <p:nvSpPr>
+              <p:cNvPr id="228" name="TextBox 227">
+                <a:extLst>
+                  <a:ext uri="{FF2B5EF4-FFF2-40B4-BE49-F238E27FC236}">
+                    <a16:creationId xmlns:a16="http://schemas.microsoft.com/office/drawing/2014/main" id="{76257887-F1E7-6345-D032-F326E9BCC5C2}"/>
+                  </a:ext>
+                </a:extLst>
+              </p:cNvPr>
+              <p:cNvSpPr txBox="1"/>
+              <p:nvPr/>
+            </p:nvSpPr>
+            <p:spPr>
+              <a:xfrm>
+                <a:off x="3392074" y="5035227"/>
+                <a:ext cx="2462338" cy="341005"/>
+              </a:xfrm>
+              <a:prstGeom prst="rect">
+                <a:avLst/>
+              </a:prstGeom>
+              <a:noFill/>
+            </p:spPr>
+            <p:txBody>
+              <a:bodyPr wrap="square" rtlCol="0">
+                <a:spAutoFit/>
+              </a:bodyPr>
+              <a:lstStyle/>
+              <a:p>
+                <a:r>
+                  <a:rPr lang="en-US" sz="800" dirty="0"/>
+                  <a:t>X=2m</a:t>
+                </a:r>
+              </a:p>
+            </p:txBody>
+          </p:sp>
+          <p:sp>
+            <p:nvSpPr>
+              <p:cNvPr id="229" name="TextBox 228">
+                <a:extLst>
+                  <a:ext uri="{FF2B5EF4-FFF2-40B4-BE49-F238E27FC236}">
+                    <a16:creationId xmlns:a16="http://schemas.microsoft.com/office/drawing/2014/main" id="{871F7C91-A574-AECB-BF71-8505969EC711}"/>
+                  </a:ext>
+                </a:extLst>
+              </p:cNvPr>
+              <p:cNvSpPr txBox="1"/>
+              <p:nvPr/>
+            </p:nvSpPr>
+            <p:spPr>
+              <a:xfrm>
+                <a:off x="4603386" y="6350368"/>
+                <a:ext cx="1320529" cy="341005"/>
+              </a:xfrm>
+              <a:prstGeom prst="rect">
+                <a:avLst/>
+              </a:prstGeom>
+              <a:noFill/>
+            </p:spPr>
+            <p:txBody>
+              <a:bodyPr wrap="square" rtlCol="0">
+                <a:spAutoFit/>
+              </a:bodyPr>
+              <a:lstStyle/>
+              <a:p>
+                <a:r>
+                  <a:rPr lang="en-US" sz="800" dirty="0"/>
+                  <a:t>t(s)</a:t>
+                </a:r>
+              </a:p>
+            </p:txBody>
+          </p:sp>
+          <p:sp>
+            <p:nvSpPr>
+              <p:cNvPr id="231" name="TextBox 230">
+                <a:extLst>
+                  <a:ext uri="{FF2B5EF4-FFF2-40B4-BE49-F238E27FC236}">
+                    <a16:creationId xmlns:a16="http://schemas.microsoft.com/office/drawing/2014/main" id="{F9C63593-039C-DCA6-5010-3C17DB00BBE6}"/>
+                  </a:ext>
+                </a:extLst>
+              </p:cNvPr>
+              <p:cNvSpPr txBox="1"/>
+              <p:nvPr/>
+            </p:nvSpPr>
+            <p:spPr>
+              <a:xfrm>
+                <a:off x="2479726" y="6350368"/>
+                <a:ext cx="670400" cy="341005"/>
+              </a:xfrm>
+              <a:prstGeom prst="rect">
+                <a:avLst/>
+              </a:prstGeom>
+              <a:noFill/>
+            </p:spPr>
+            <p:txBody>
+              <a:bodyPr wrap="none" rtlCol="0">
+                <a:spAutoFit/>
+              </a:bodyPr>
+              <a:lstStyle/>
+              <a:p>
+                <a:r>
+                  <a:rPr lang="en-US" sz="800" dirty="0"/>
+                  <a:t>0.02</a:t>
+                </a:r>
+              </a:p>
+            </p:txBody>
+          </p:sp>
+          <p:sp>
+            <p:nvSpPr>
+              <p:cNvPr id="232" name="TextBox 231">
+                <a:extLst>
+                  <a:ext uri="{FF2B5EF4-FFF2-40B4-BE49-F238E27FC236}">
+                    <a16:creationId xmlns:a16="http://schemas.microsoft.com/office/drawing/2014/main" id="{9126FB8E-FFC3-A0F7-FF47-6F662F4345AE}"/>
+                  </a:ext>
+                </a:extLst>
+              </p:cNvPr>
+              <p:cNvSpPr txBox="1"/>
+              <p:nvPr/>
+            </p:nvSpPr>
+            <p:spPr>
+              <a:xfrm>
+                <a:off x="2968797" y="6350368"/>
+                <a:ext cx="670400" cy="341005"/>
+              </a:xfrm>
+              <a:prstGeom prst="rect">
+                <a:avLst/>
+              </a:prstGeom>
+              <a:noFill/>
+            </p:spPr>
+            <p:txBody>
+              <a:bodyPr wrap="none" rtlCol="0">
+                <a:spAutoFit/>
+              </a:bodyPr>
+              <a:lstStyle/>
+              <a:p>
+                <a:r>
+                  <a:rPr lang="en-US" sz="800" dirty="0"/>
+                  <a:t>0.03</a:t>
+                </a:r>
+              </a:p>
+            </p:txBody>
+          </p:sp>
+          <p:sp>
+            <p:nvSpPr>
+              <p:cNvPr id="233" name="TextBox 232">
+                <a:extLst>
+                  <a:ext uri="{FF2B5EF4-FFF2-40B4-BE49-F238E27FC236}">
+                    <a16:creationId xmlns:a16="http://schemas.microsoft.com/office/drawing/2014/main" id="{F51A107D-F686-40C9-764E-693C5E01D282}"/>
+                  </a:ext>
+                </a:extLst>
+              </p:cNvPr>
+              <p:cNvSpPr txBox="1"/>
+              <p:nvPr/>
+            </p:nvSpPr>
+            <p:spPr>
+              <a:xfrm>
+                <a:off x="3439157" y="6350368"/>
+                <a:ext cx="670400" cy="341005"/>
+              </a:xfrm>
+              <a:prstGeom prst="rect">
+                <a:avLst/>
+              </a:prstGeom>
+              <a:noFill/>
+            </p:spPr>
+            <p:txBody>
+              <a:bodyPr wrap="none" rtlCol="0">
+                <a:spAutoFit/>
+              </a:bodyPr>
+              <a:lstStyle/>
+              <a:p>
+                <a:r>
+                  <a:rPr lang="en-US" sz="800" dirty="0"/>
+                  <a:t>0.04</a:t>
+                </a:r>
+              </a:p>
+            </p:txBody>
+          </p:sp>
+          <p:sp>
+            <p:nvSpPr>
+              <p:cNvPr id="234" name="TextBox 233">
+                <a:extLst>
+                  <a:ext uri="{FF2B5EF4-FFF2-40B4-BE49-F238E27FC236}">
+                    <a16:creationId xmlns:a16="http://schemas.microsoft.com/office/drawing/2014/main" id="{F95DA13B-F021-EBAB-1653-81B6F825818C}"/>
+                  </a:ext>
+                </a:extLst>
+              </p:cNvPr>
+              <p:cNvSpPr txBox="1"/>
+              <p:nvPr/>
+            </p:nvSpPr>
+            <p:spPr>
+              <a:xfrm>
+                <a:off x="3925888" y="6350368"/>
+                <a:ext cx="670400" cy="341005"/>
+              </a:xfrm>
+              <a:prstGeom prst="rect">
+                <a:avLst/>
+              </a:prstGeom>
+              <a:noFill/>
+            </p:spPr>
+            <p:txBody>
+              <a:bodyPr wrap="none" rtlCol="0">
+                <a:spAutoFit/>
+              </a:bodyPr>
+              <a:lstStyle/>
+              <a:p>
+                <a:r>
+                  <a:rPr lang="en-US" sz="800" dirty="0"/>
+                  <a:t>0.05</a:t>
+                </a:r>
+              </a:p>
+            </p:txBody>
+          </p:sp>
+        </p:grpSp>
+        <p:sp>
+          <p:nvSpPr>
+            <p:cNvPr id="235" name="Oval 234">
+              <a:extLst>
+                <a:ext uri="{FF2B5EF4-FFF2-40B4-BE49-F238E27FC236}">
+                  <a16:creationId xmlns:a16="http://schemas.microsoft.com/office/drawing/2014/main" id="{2A410ABD-30B8-6D86-D7D8-6EF4C93C367A}"/>
+                </a:ext>
+              </a:extLst>
+            </p:cNvPr>
+            <p:cNvSpPr/>
+            <p:nvPr/>
+          </p:nvSpPr>
+          <p:spPr>
+            <a:xfrm flipH="1" flipV="1">
+              <a:off x="6536895" y="5855190"/>
+              <a:ext cx="96397" cy="118819"/>
+            </a:xfrm>
+            <a:prstGeom prst="ellipse">
+              <a:avLst/>
+            </a:prstGeom>
+            <a:solidFill>
+              <a:srgbClr val="FF0000"/>
+            </a:solidFill>
+            <a:ln>
+              <a:noFill/>
+            </a:ln>
+          </p:spPr>
+          <p:style>
+            <a:lnRef idx="2">
+              <a:schemeClr val="accent1">
+                <a:shade val="15000"/>
+              </a:schemeClr>
+            </a:lnRef>
+            <a:fillRef idx="1">
+              <a:schemeClr val="accent1"/>
+            </a:fillRef>
+            <a:effectRef idx="0">
+              <a:schemeClr val="accent1"/>
+            </a:effectRef>
+            <a:fontRef idx="minor">
+              <a:schemeClr val="lt1"/>
+            </a:fontRef>
+          </p:style>
+          <p:txBody>
+            <a:bodyPr rtlCol="0" anchor="ctr"/>
+            <a:lstStyle/>
+            <a:p>
+              <a:pPr algn="ctr"/>
+              <a:endParaRPr lang="en-US" sz="1100"/>
+            </a:p>
+          </p:txBody>
+        </p:sp>
+        <p:sp>
+          <p:nvSpPr>
+            <p:cNvPr id="237" name="Oval 236">
+              <a:extLst>
+                <a:ext uri="{FF2B5EF4-FFF2-40B4-BE49-F238E27FC236}">
+                  <a16:creationId xmlns:a16="http://schemas.microsoft.com/office/drawing/2014/main" id="{B8791CE0-AE93-6AFD-4E67-82A4FAAD6D47}"/>
+                </a:ext>
+              </a:extLst>
+            </p:cNvPr>
+            <p:cNvSpPr/>
+            <p:nvPr/>
+          </p:nvSpPr>
+          <p:spPr>
+            <a:xfrm flipH="1" flipV="1">
+              <a:off x="6251145" y="6208340"/>
+              <a:ext cx="96397" cy="118819"/>
+            </a:xfrm>
+            <a:prstGeom prst="ellipse">
+              <a:avLst/>
+            </a:prstGeom>
+            <a:solidFill>
+              <a:srgbClr val="FF0000"/>
+            </a:solidFill>
+            <a:ln>
+              <a:noFill/>
+            </a:ln>
+          </p:spPr>
+          <p:style>
+            <a:lnRef idx="2">
+              <a:schemeClr val="accent1">
+                <a:shade val="15000"/>
+              </a:schemeClr>
+            </a:lnRef>
+            <a:fillRef idx="1">
+              <a:schemeClr val="accent1"/>
+            </a:fillRef>
+            <a:effectRef idx="0">
+              <a:schemeClr val="accent1"/>
+            </a:effectRef>
+            <a:fontRef idx="minor">
+              <a:schemeClr val="lt1"/>
+            </a:fontRef>
+          </p:style>
+          <p:txBody>
+            <a:bodyPr rtlCol="0" anchor="ctr"/>
+            <a:lstStyle/>
+            <a:p>
+              <a:pPr algn="ctr"/>
+              <a:endParaRPr lang="en-US" sz="1100"/>
+            </a:p>
+          </p:txBody>
+        </p:sp>
+        <p:sp>
+          <p:nvSpPr>
+            <p:cNvPr id="238" name="Oval 237">
+              <a:extLst>
+                <a:ext uri="{FF2B5EF4-FFF2-40B4-BE49-F238E27FC236}">
+                  <a16:creationId xmlns:a16="http://schemas.microsoft.com/office/drawing/2014/main" id="{B26A5770-FDA5-B85A-D634-7D1372FCF0E7}"/>
+                </a:ext>
+              </a:extLst>
+            </p:cNvPr>
+            <p:cNvSpPr/>
+            <p:nvPr/>
+          </p:nvSpPr>
+          <p:spPr>
+            <a:xfrm flipH="1" flipV="1">
+              <a:off x="6822645" y="5855915"/>
+              <a:ext cx="96397" cy="118819"/>
+            </a:xfrm>
+            <a:prstGeom prst="ellipse">
+              <a:avLst/>
+            </a:prstGeom>
+            <a:solidFill>
+              <a:srgbClr val="FF0000"/>
+            </a:solidFill>
+            <a:ln>
+              <a:noFill/>
+            </a:ln>
+          </p:spPr>
+          <p:style>
+            <a:lnRef idx="2">
+              <a:schemeClr val="accent1">
+                <a:shade val="15000"/>
+              </a:schemeClr>
+            </a:lnRef>
+            <a:fillRef idx="1">
+              <a:schemeClr val="accent1"/>
+            </a:fillRef>
+            <a:effectRef idx="0">
+              <a:schemeClr val="accent1"/>
+            </a:effectRef>
+            <a:fontRef idx="minor">
+              <a:schemeClr val="lt1"/>
+            </a:fontRef>
+          </p:style>
+          <p:txBody>
+            <a:bodyPr rtlCol="0" anchor="ctr"/>
+            <a:lstStyle/>
+            <a:p>
+              <a:pPr algn="ctr"/>
+              <a:endParaRPr lang="en-US" sz="1100"/>
+            </a:p>
+          </p:txBody>
+        </p:sp>
+        <p:sp>
+          <p:nvSpPr>
+            <p:cNvPr id="239" name="Oval 238">
+              <a:extLst>
+                <a:ext uri="{FF2B5EF4-FFF2-40B4-BE49-F238E27FC236}">
+                  <a16:creationId xmlns:a16="http://schemas.microsoft.com/office/drawing/2014/main" id="{11EDDF38-500B-B984-7D17-0CD49F8F18F0}"/>
+                </a:ext>
+              </a:extLst>
+            </p:cNvPr>
+            <p:cNvSpPr/>
+            <p:nvPr/>
+          </p:nvSpPr>
+          <p:spPr>
+            <a:xfrm flipH="1" flipV="1">
+              <a:off x="7127444" y="6069086"/>
+              <a:ext cx="96397" cy="118819"/>
+            </a:xfrm>
+            <a:prstGeom prst="ellipse">
+              <a:avLst/>
+            </a:prstGeom>
+            <a:solidFill>
+              <a:srgbClr val="FF0000"/>
+            </a:solidFill>
+            <a:ln>
+              <a:noFill/>
+            </a:ln>
+          </p:spPr>
+          <p:style>
+            <a:lnRef idx="2">
+              <a:schemeClr val="accent1">
+                <a:shade val="15000"/>
+              </a:schemeClr>
+            </a:lnRef>
+            <a:fillRef idx="1">
+              <a:schemeClr val="accent1"/>
+            </a:fillRef>
+            <a:effectRef idx="0">
+              <a:schemeClr val="accent1"/>
+            </a:effectRef>
+            <a:fontRef idx="minor">
+              <a:schemeClr val="lt1"/>
+            </a:fontRef>
+          </p:style>
+          <p:txBody>
+            <a:bodyPr rtlCol="0" anchor="ctr"/>
+            <a:lstStyle/>
+            <a:p>
+              <a:pPr algn="ctr"/>
+              <a:endParaRPr lang="en-US" sz="1100"/>
+            </a:p>
+          </p:txBody>
+        </p:sp>
+        <p:sp>
+          <p:nvSpPr>
+            <p:cNvPr id="240" name="Oval 239">
+              <a:extLst>
+                <a:ext uri="{FF2B5EF4-FFF2-40B4-BE49-F238E27FC236}">
+                  <a16:creationId xmlns:a16="http://schemas.microsoft.com/office/drawing/2014/main" id="{32C0D1B1-E755-070E-73C0-0E71E97C9B62}"/>
+                </a:ext>
+              </a:extLst>
+            </p:cNvPr>
+            <p:cNvSpPr/>
+            <p:nvPr/>
+          </p:nvSpPr>
+          <p:spPr>
+            <a:xfrm flipH="1" flipV="1">
+              <a:off x="7432246" y="6126345"/>
+              <a:ext cx="96397" cy="118819"/>
+            </a:xfrm>
+            <a:prstGeom prst="ellipse">
+              <a:avLst/>
+            </a:prstGeom>
+            <a:solidFill>
+              <a:srgbClr val="FF0000"/>
+            </a:solidFill>
+            <a:ln>
+              <a:noFill/>
+            </a:ln>
+          </p:spPr>
+          <p:style>
+            <a:lnRef idx="2">
+              <a:schemeClr val="accent1">
+                <a:shade val="15000"/>
+              </a:schemeClr>
+            </a:lnRef>
+            <a:fillRef idx="1">
+              <a:schemeClr val="accent1"/>
+            </a:fillRef>
+            <a:effectRef idx="0">
+              <a:schemeClr val="accent1"/>
+            </a:effectRef>
+            <a:fontRef idx="minor">
+              <a:schemeClr val="lt1"/>
+            </a:fontRef>
+          </p:style>
+          <p:txBody>
+            <a:bodyPr rtlCol="0" anchor="ctr"/>
+            <a:lstStyle/>
+            <a:p>
+              <a:pPr algn="ctr"/>
+              <a:endParaRPr lang="en-US" sz="1100"/>
+            </a:p>
+          </p:txBody>
+        </p:sp>
+      </p:grpSp>
+      <mc:AlternateContent xmlns:mc="http://schemas.openxmlformats.org/markup-compatibility/2006">
+        <mc:Choice xmlns:a14="http://schemas.microsoft.com/office/drawing/2010/main" Requires="a14">
+          <p:sp>
+            <p:nvSpPr>
+              <p:cNvPr id="244" name="TextBox 243">
+                <a:extLst>
+                  <a:ext uri="{FF2B5EF4-FFF2-40B4-BE49-F238E27FC236}">
+                    <a16:creationId xmlns:a16="http://schemas.microsoft.com/office/drawing/2014/main" id="{2E32B649-C40A-8258-D4D7-31C3A8650DD9}"/>
+                  </a:ext>
+                </a:extLst>
+              </p:cNvPr>
+              <p:cNvSpPr txBox="1"/>
+              <p:nvPr/>
+            </p:nvSpPr>
+            <p:spPr>
+              <a:xfrm>
+                <a:off x="615199" y="726743"/>
+                <a:ext cx="938975" cy="610936"/>
+              </a:xfrm>
+              <a:prstGeom prst="rect">
+                <a:avLst/>
+              </a:prstGeom>
+              <a:noFill/>
+            </p:spPr>
+            <p:txBody>
+              <a:bodyPr wrap="none" rtlCol="0">
+                <a:spAutoFit/>
+              </a:bodyPr>
+              <a:lstStyle/>
+              <a:p>
+                <a:pPr/>
+                <a14:m>
+                  <m:oMathPara xmlns:m="http://schemas.openxmlformats.org/officeDocument/2006/math">
+                    <m:oMathParaPr>
+                      <m:jc m:val="centerGroup"/>
+                    </m:oMathParaPr>
+                    <m:oMath xmlns:m="http://schemas.openxmlformats.org/officeDocument/2006/math">
+                      <m:r>
+                        <a:rPr lang="en-US" b="0" i="1" smtClean="0">
+                          <a:latin typeface="Cambria Math" panose="02040503050406030204" pitchFamily="18" charset="0"/>
+                        </a:rPr>
+                        <m:t>𝑣</m:t>
+                      </m:r>
+                      <m:r>
+                        <a:rPr lang="en-US" b="0" i="1" smtClean="0">
+                          <a:latin typeface="Cambria Math" panose="02040503050406030204" pitchFamily="18" charset="0"/>
+                        </a:rPr>
+                        <m:t>=</m:t>
+                      </m:r>
+                      <m:f>
+                        <m:fPr>
+                          <m:ctrlPr>
+                            <a:rPr lang="en-US" b="0" i="1" smtClean="0">
+                              <a:latin typeface="Cambria Math" panose="02040503050406030204" pitchFamily="18" charset="0"/>
+                            </a:rPr>
+                          </m:ctrlPr>
+                        </m:fPr>
+                        <m:num>
+                          <m:r>
+                            <a:rPr lang="en-US" b="0" i="1" smtClean="0">
+                              <a:latin typeface="Cambria Math" panose="02040503050406030204" pitchFamily="18" charset="0"/>
+                              <a:ea typeface="Cambria Math" panose="02040503050406030204" pitchFamily="18" charset="0"/>
+                            </a:rPr>
+                            <m:t>∆</m:t>
+                          </m:r>
+                          <m:r>
+                            <a:rPr lang="en-US" b="0" i="1" smtClean="0">
+                              <a:latin typeface="Cambria Math" panose="02040503050406030204" pitchFamily="18" charset="0"/>
+                              <a:ea typeface="Cambria Math" panose="02040503050406030204" pitchFamily="18" charset="0"/>
+                            </a:rPr>
+                            <m:t>𝑥</m:t>
+                          </m:r>
+                        </m:num>
+                        <m:den>
+                          <m:r>
+                            <a:rPr lang="en-US" b="0" i="1" smtClean="0">
+                              <a:latin typeface="Cambria Math" panose="02040503050406030204" pitchFamily="18" charset="0"/>
+                              <a:ea typeface="Cambria Math" panose="02040503050406030204" pitchFamily="18" charset="0"/>
+                            </a:rPr>
+                            <m:t>∆</m:t>
+                          </m:r>
+                          <m:r>
+                            <a:rPr lang="en-US" b="0" i="1" smtClean="0">
+                              <a:latin typeface="Cambria Math" panose="02040503050406030204" pitchFamily="18" charset="0"/>
+                              <a:ea typeface="Cambria Math" panose="02040503050406030204" pitchFamily="18" charset="0"/>
+                            </a:rPr>
+                            <m:t>𝑡</m:t>
+                          </m:r>
+                        </m:den>
+                      </m:f>
+                    </m:oMath>
+                  </m:oMathPara>
+                </a14:m>
+                <a:endParaRPr lang="en-US" dirty="0"/>
+              </a:p>
+            </p:txBody>
+          </p:sp>
+        </mc:Choice>
+        <mc:Fallback>
+          <p:sp>
+            <p:nvSpPr>
+              <p:cNvPr id="244" name="TextBox 243">
+                <a:extLst>
+                  <a:ext uri="{FF2B5EF4-FFF2-40B4-BE49-F238E27FC236}">
+                    <a16:creationId xmlns:a16="http://schemas.microsoft.com/office/drawing/2014/main" id="{2E32B649-C40A-8258-D4D7-31C3A8650DD9}"/>
+                  </a:ext>
+                </a:extLst>
+              </p:cNvPr>
+              <p:cNvSpPr txBox="1">
+                <a:spLocks noRot="1" noChangeAspect="1" noMove="1" noResize="1" noEditPoints="1" noAdjustHandles="1" noChangeArrowheads="1" noChangeShapeType="1" noTextEdit="1"/>
+              </p:cNvSpPr>
+              <p:nvPr/>
+            </p:nvSpPr>
+            <p:spPr>
+              <a:xfrm>
+                <a:off x="615199" y="726743"/>
+                <a:ext cx="938975" cy="610936"/>
+              </a:xfrm>
+              <a:prstGeom prst="rect">
+                <a:avLst/>
+              </a:prstGeom>
+              <a:blipFill>
+                <a:blip r:embed="rId2"/>
+                <a:stretch>
+                  <a:fillRect/>
+                </a:stretch>
+              </a:blipFill>
+            </p:spPr>
+            <p:txBody>
+              <a:bodyPr/>
+              <a:lstStyle/>
+              <a:p>
+                <a:r>
+                  <a:rPr lang="en-US">
+                    <a:noFill/>
+                  </a:rPr>
+                  <a:t> </a:t>
+                </a:r>
+              </a:p>
+            </p:txBody>
+          </p:sp>
+        </mc:Fallback>
+      </mc:AlternateContent>
+      <mc:AlternateContent xmlns:mc="http://schemas.openxmlformats.org/markup-compatibility/2006">
+        <mc:Choice xmlns:a14="http://schemas.microsoft.com/office/drawing/2010/main" Requires="a14">
+          <p:sp>
+            <p:nvSpPr>
+              <p:cNvPr id="245" name="TextBox 244">
+                <a:extLst>
+                  <a:ext uri="{FF2B5EF4-FFF2-40B4-BE49-F238E27FC236}">
+                    <a16:creationId xmlns:a16="http://schemas.microsoft.com/office/drawing/2014/main" id="{2AF3BB31-B47A-6F23-E0FF-5E74464E96AF}"/>
+                  </a:ext>
+                </a:extLst>
+              </p:cNvPr>
+              <p:cNvSpPr txBox="1"/>
+              <p:nvPr/>
+            </p:nvSpPr>
+            <p:spPr>
+              <a:xfrm>
+                <a:off x="575533" y="1365183"/>
+                <a:ext cx="1042080" cy="612732"/>
+              </a:xfrm>
+              <a:prstGeom prst="rect">
+                <a:avLst/>
+              </a:prstGeom>
+              <a:noFill/>
+            </p:spPr>
+            <p:txBody>
+              <a:bodyPr wrap="none" rtlCol="0">
+                <a:spAutoFit/>
+              </a:bodyPr>
+              <a:lstStyle/>
+              <a:p>
+                <a:pPr/>
+                <a14:m>
+                  <m:oMathPara xmlns:m="http://schemas.openxmlformats.org/officeDocument/2006/math">
+                    <m:oMathParaPr>
+                      <m:jc m:val="centerGroup"/>
+                    </m:oMathParaPr>
+                    <m:oMath xmlns:m="http://schemas.openxmlformats.org/officeDocument/2006/math">
+                      <m:r>
+                        <a:rPr lang="en-US" b="0" i="1" smtClean="0">
+                          <a:latin typeface="Cambria Math" panose="02040503050406030204" pitchFamily="18" charset="0"/>
+                          <a:ea typeface="Cambria Math" panose="02040503050406030204" pitchFamily="18" charset="0"/>
+                        </a:rPr>
+                        <m:t>∆</m:t>
+                      </m:r>
+                      <m:r>
+                        <a:rPr lang="en-US" b="0" i="1" smtClean="0">
+                          <a:latin typeface="Cambria Math" panose="02040503050406030204" pitchFamily="18" charset="0"/>
+                          <a:ea typeface="Cambria Math" panose="02040503050406030204" pitchFamily="18" charset="0"/>
+                        </a:rPr>
+                        <m:t>𝑡</m:t>
+                      </m:r>
+                      <m:r>
+                        <a:rPr lang="en-US" b="0" i="1" smtClean="0">
+                          <a:latin typeface="Cambria Math" panose="02040503050406030204" pitchFamily="18" charset="0"/>
+                        </a:rPr>
+                        <m:t>=</m:t>
+                      </m:r>
+                      <m:f>
+                        <m:fPr>
+                          <m:ctrlPr>
+                            <a:rPr lang="en-US" b="0" i="1" smtClean="0">
+                              <a:latin typeface="Cambria Math" panose="02040503050406030204" pitchFamily="18" charset="0"/>
+                            </a:rPr>
+                          </m:ctrlPr>
+                        </m:fPr>
+                        <m:num>
+                          <m:r>
+                            <a:rPr lang="en-US" b="0" i="1" smtClean="0">
+                              <a:latin typeface="Cambria Math" panose="02040503050406030204" pitchFamily="18" charset="0"/>
+                              <a:ea typeface="Cambria Math" panose="02040503050406030204" pitchFamily="18" charset="0"/>
+                            </a:rPr>
+                            <m:t>∆</m:t>
+                          </m:r>
+                          <m:r>
+                            <a:rPr lang="en-US" b="0" i="1" smtClean="0">
+                              <a:latin typeface="Cambria Math" panose="02040503050406030204" pitchFamily="18" charset="0"/>
+                              <a:ea typeface="Cambria Math" panose="02040503050406030204" pitchFamily="18" charset="0"/>
+                            </a:rPr>
+                            <m:t>𝑥</m:t>
+                          </m:r>
+                        </m:num>
+                        <m:den>
+                          <m:r>
+                            <a:rPr lang="en-US" b="0" i="1" smtClean="0">
+                              <a:latin typeface="Cambria Math" panose="02040503050406030204" pitchFamily="18" charset="0"/>
+                            </a:rPr>
+                            <m:t>𝑣</m:t>
+                          </m:r>
+                        </m:den>
+                      </m:f>
+                    </m:oMath>
+                  </m:oMathPara>
+                </a14:m>
+                <a:endParaRPr lang="en-US" dirty="0"/>
+              </a:p>
+            </p:txBody>
+          </p:sp>
+        </mc:Choice>
+        <mc:Fallback>
+          <p:sp>
+            <p:nvSpPr>
+              <p:cNvPr id="245" name="TextBox 244">
+                <a:extLst>
+                  <a:ext uri="{FF2B5EF4-FFF2-40B4-BE49-F238E27FC236}">
+                    <a16:creationId xmlns:a16="http://schemas.microsoft.com/office/drawing/2014/main" id="{2AF3BB31-B47A-6F23-E0FF-5E74464E96AF}"/>
+                  </a:ext>
+                </a:extLst>
+              </p:cNvPr>
+              <p:cNvSpPr txBox="1">
+                <a:spLocks noRot="1" noChangeAspect="1" noMove="1" noResize="1" noEditPoints="1" noAdjustHandles="1" noChangeArrowheads="1" noChangeShapeType="1" noTextEdit="1"/>
+              </p:cNvSpPr>
+              <p:nvPr/>
+            </p:nvSpPr>
+            <p:spPr>
+              <a:xfrm>
+                <a:off x="575533" y="1365183"/>
+                <a:ext cx="1042080" cy="612732"/>
+              </a:xfrm>
+              <a:prstGeom prst="rect">
+                <a:avLst/>
+              </a:prstGeom>
+              <a:blipFill>
+                <a:blip r:embed="rId3"/>
+                <a:stretch>
+                  <a:fillRect/>
+                </a:stretch>
+              </a:blipFill>
+            </p:spPr>
+            <p:txBody>
+              <a:bodyPr/>
+              <a:lstStyle/>
+              <a:p>
+                <a:r>
+                  <a:rPr lang="en-US">
+                    <a:noFill/>
+                  </a:rPr>
+                  <a:t> </a:t>
+                </a:r>
+              </a:p>
+            </p:txBody>
+          </p:sp>
+        </mc:Fallback>
+      </mc:AlternateContent>
+      <mc:AlternateContent xmlns:mc="http://schemas.openxmlformats.org/markup-compatibility/2006">
+        <mc:Choice xmlns:a14="http://schemas.microsoft.com/office/drawing/2010/main" Requires="a14">
+          <p:sp>
+            <p:nvSpPr>
+              <p:cNvPr id="246" name="TextBox 245">
+                <a:extLst>
+                  <a:ext uri="{FF2B5EF4-FFF2-40B4-BE49-F238E27FC236}">
+                    <a16:creationId xmlns:a16="http://schemas.microsoft.com/office/drawing/2014/main" id="{E22182E2-9445-3454-C1C6-8F4D689FC3BF}"/>
+                  </a:ext>
+                </a:extLst>
+              </p:cNvPr>
+              <p:cNvSpPr txBox="1"/>
+              <p:nvPr/>
+            </p:nvSpPr>
+            <p:spPr>
+              <a:xfrm>
+                <a:off x="536646" y="2034837"/>
+                <a:ext cx="1500732" cy="808426"/>
+              </a:xfrm>
+              <a:prstGeom prst="rect">
+                <a:avLst/>
+              </a:prstGeom>
+              <a:noFill/>
+            </p:spPr>
+            <p:txBody>
+              <a:bodyPr wrap="none" rtlCol="0">
+                <a:spAutoFit/>
+              </a:bodyPr>
+              <a:lstStyle/>
+              <a:p>
+                <a:pPr/>
+                <a14:m>
+                  <m:oMathPara xmlns:m="http://schemas.openxmlformats.org/officeDocument/2006/math">
+                    <m:oMathParaPr>
+                      <m:jc m:val="centerGroup"/>
+                    </m:oMathParaPr>
+                    <m:oMath xmlns:m="http://schemas.openxmlformats.org/officeDocument/2006/math">
+                      <m:r>
+                        <a:rPr lang="en-US" b="0" i="1" smtClean="0">
+                          <a:latin typeface="Cambria Math" panose="02040503050406030204" pitchFamily="18" charset="0"/>
+                          <a:ea typeface="Cambria Math" panose="02040503050406030204" pitchFamily="18" charset="0"/>
+                        </a:rPr>
+                        <m:t>∆</m:t>
+                      </m:r>
+                      <m:r>
+                        <a:rPr lang="en-US" b="0" i="1" smtClean="0">
+                          <a:latin typeface="Cambria Math" panose="02040503050406030204" pitchFamily="18" charset="0"/>
+                          <a:ea typeface="Cambria Math" panose="02040503050406030204" pitchFamily="18" charset="0"/>
+                        </a:rPr>
+                        <m:t>𝑡</m:t>
+                      </m:r>
+                      <m:r>
+                        <a:rPr lang="en-US" b="0" i="1" smtClean="0">
+                          <a:latin typeface="Cambria Math" panose="02040503050406030204" pitchFamily="18" charset="0"/>
+                        </a:rPr>
+                        <m:t>=</m:t>
+                      </m:r>
+                      <m:f>
+                        <m:fPr>
+                          <m:ctrlPr>
+                            <a:rPr lang="en-US" b="0" i="1" smtClean="0">
+                              <a:latin typeface="Cambria Math" panose="02040503050406030204" pitchFamily="18" charset="0"/>
+                            </a:rPr>
+                          </m:ctrlPr>
+                        </m:fPr>
+                        <m:num>
+                          <m:r>
+                            <a:rPr lang="en-US" b="0" i="1" smtClean="0">
+                              <a:latin typeface="Cambria Math" panose="02040503050406030204" pitchFamily="18" charset="0"/>
+                              <a:ea typeface="Cambria Math" panose="02040503050406030204" pitchFamily="18" charset="0"/>
+                            </a:rPr>
+                            <m:t>1</m:t>
+                          </m:r>
+                          <m:r>
+                            <a:rPr lang="en-US" b="0" i="1" smtClean="0">
+                              <a:latin typeface="Cambria Math" panose="02040503050406030204" pitchFamily="18" charset="0"/>
+                              <a:ea typeface="Cambria Math" panose="02040503050406030204" pitchFamily="18" charset="0"/>
+                            </a:rPr>
+                            <m:t>𝑐𝑚</m:t>
+                          </m:r>
+                        </m:num>
+                        <m:den>
+                          <m:r>
+                            <a:rPr lang="en-US" b="0" i="1" smtClean="0">
+                              <a:latin typeface="Cambria Math" panose="02040503050406030204" pitchFamily="18" charset="0"/>
+                            </a:rPr>
+                            <m:t>100</m:t>
+                          </m:r>
+                          <m:f>
+                            <m:fPr>
+                              <m:ctrlPr>
+                                <a:rPr lang="en-US" b="0" i="1" smtClean="0">
+                                  <a:latin typeface="Cambria Math" panose="02040503050406030204" pitchFamily="18" charset="0"/>
+                                </a:rPr>
+                              </m:ctrlPr>
+                            </m:fPr>
+                            <m:num>
+                              <m:r>
+                                <a:rPr lang="en-US" b="0" i="1" smtClean="0">
+                                  <a:latin typeface="Cambria Math" panose="02040503050406030204" pitchFamily="18" charset="0"/>
+                                </a:rPr>
+                                <m:t>𝑐𝑚</m:t>
+                              </m:r>
+                            </m:num>
+                            <m:den>
+                              <m:r>
+                                <a:rPr lang="en-US" b="0" i="1" smtClean="0">
+                                  <a:latin typeface="Cambria Math" panose="02040503050406030204" pitchFamily="18" charset="0"/>
+                                </a:rPr>
+                                <m:t>𝑠</m:t>
+                              </m:r>
+                            </m:den>
+                          </m:f>
+                        </m:den>
+                      </m:f>
+                    </m:oMath>
+                  </m:oMathPara>
+                </a14:m>
+                <a:endParaRPr lang="en-US" dirty="0"/>
+              </a:p>
+            </p:txBody>
+          </p:sp>
+        </mc:Choice>
+        <mc:Fallback>
+          <p:sp>
+            <p:nvSpPr>
+              <p:cNvPr id="246" name="TextBox 245">
+                <a:extLst>
+                  <a:ext uri="{FF2B5EF4-FFF2-40B4-BE49-F238E27FC236}">
+                    <a16:creationId xmlns:a16="http://schemas.microsoft.com/office/drawing/2014/main" id="{E22182E2-9445-3454-C1C6-8F4D689FC3BF}"/>
+                  </a:ext>
+                </a:extLst>
+              </p:cNvPr>
+              <p:cNvSpPr txBox="1">
+                <a:spLocks noRot="1" noChangeAspect="1" noMove="1" noResize="1" noEditPoints="1" noAdjustHandles="1" noChangeArrowheads="1" noChangeShapeType="1" noTextEdit="1"/>
+              </p:cNvSpPr>
+              <p:nvPr/>
+            </p:nvSpPr>
+            <p:spPr>
+              <a:xfrm>
+                <a:off x="536646" y="2034837"/>
+                <a:ext cx="1500732" cy="808426"/>
+              </a:xfrm>
+              <a:prstGeom prst="rect">
+                <a:avLst/>
+              </a:prstGeom>
+              <a:blipFill>
+                <a:blip r:embed="rId4"/>
+                <a:stretch>
+                  <a:fillRect/>
+                </a:stretch>
+              </a:blipFill>
+            </p:spPr>
+            <p:txBody>
+              <a:bodyPr/>
+              <a:lstStyle/>
+              <a:p>
+                <a:r>
+                  <a:rPr lang="en-US">
+                    <a:noFill/>
+                  </a:rPr>
+                  <a:t> </a:t>
+                </a:r>
+              </a:p>
+            </p:txBody>
+          </p:sp>
+        </mc:Fallback>
+      </mc:AlternateContent>
+      <mc:AlternateContent xmlns:mc="http://schemas.openxmlformats.org/markup-compatibility/2006">
+        <mc:Choice xmlns:a14="http://schemas.microsoft.com/office/drawing/2010/main" Requires="a14">
+          <p:sp>
+            <p:nvSpPr>
+              <p:cNvPr id="247" name="TextBox 246">
+                <a:extLst>
+                  <a:ext uri="{FF2B5EF4-FFF2-40B4-BE49-F238E27FC236}">
+                    <a16:creationId xmlns:a16="http://schemas.microsoft.com/office/drawing/2014/main" id="{34FFD664-BA93-315E-9D5F-B88E61EA506D}"/>
+                  </a:ext>
+                </a:extLst>
+              </p:cNvPr>
+              <p:cNvSpPr txBox="1"/>
+              <p:nvPr/>
+            </p:nvSpPr>
+            <p:spPr>
+              <a:xfrm>
+                <a:off x="559585" y="2829006"/>
+                <a:ext cx="1318759" cy="369332"/>
+              </a:xfrm>
+              <a:prstGeom prst="rect">
+                <a:avLst/>
+              </a:prstGeom>
+              <a:noFill/>
+            </p:spPr>
+            <p:txBody>
+              <a:bodyPr wrap="none" rtlCol="0">
+                <a:spAutoFit/>
+              </a:bodyPr>
+              <a:lstStyle/>
+              <a:p>
+                <a:pPr/>
+                <a14:m>
+                  <m:oMathPara xmlns:m="http://schemas.openxmlformats.org/officeDocument/2006/math">
+                    <m:oMathParaPr>
+                      <m:jc m:val="centerGroup"/>
+                    </m:oMathParaPr>
+                    <m:oMath xmlns:m="http://schemas.openxmlformats.org/officeDocument/2006/math">
+                      <m:r>
+                        <a:rPr lang="en-US" b="0" i="1" smtClean="0">
+                          <a:latin typeface="Cambria Math" panose="02040503050406030204" pitchFamily="18" charset="0"/>
+                          <a:ea typeface="Cambria Math" panose="02040503050406030204" pitchFamily="18" charset="0"/>
+                        </a:rPr>
+                        <m:t>∆</m:t>
+                      </m:r>
+                      <m:r>
+                        <a:rPr lang="en-US" b="0" i="1" smtClean="0">
+                          <a:latin typeface="Cambria Math" panose="02040503050406030204" pitchFamily="18" charset="0"/>
+                          <a:ea typeface="Cambria Math" panose="02040503050406030204" pitchFamily="18" charset="0"/>
+                        </a:rPr>
+                        <m:t>𝑡</m:t>
+                      </m:r>
+                      <m:r>
+                        <a:rPr lang="en-US" b="0" i="1" smtClean="0">
+                          <a:latin typeface="Cambria Math" panose="02040503050406030204" pitchFamily="18" charset="0"/>
+                        </a:rPr>
+                        <m:t>=0.01</m:t>
+                      </m:r>
+                      <m:r>
+                        <a:rPr lang="en-US" b="0" i="1" smtClean="0">
+                          <a:latin typeface="Cambria Math" panose="02040503050406030204" pitchFamily="18" charset="0"/>
+                        </a:rPr>
+                        <m:t>𝑠</m:t>
+                      </m:r>
+                    </m:oMath>
+                  </m:oMathPara>
+                </a14:m>
+                <a:endParaRPr lang="en-US" dirty="0"/>
+              </a:p>
+            </p:txBody>
+          </p:sp>
+        </mc:Choice>
+        <mc:Fallback>
+          <p:sp>
+            <p:nvSpPr>
+              <p:cNvPr id="247" name="TextBox 246">
+                <a:extLst>
+                  <a:ext uri="{FF2B5EF4-FFF2-40B4-BE49-F238E27FC236}">
+                    <a16:creationId xmlns:a16="http://schemas.microsoft.com/office/drawing/2014/main" id="{34FFD664-BA93-315E-9D5F-B88E61EA506D}"/>
+                  </a:ext>
+                </a:extLst>
+              </p:cNvPr>
+              <p:cNvSpPr txBox="1">
+                <a:spLocks noRot="1" noChangeAspect="1" noMove="1" noResize="1" noEditPoints="1" noAdjustHandles="1" noChangeArrowheads="1" noChangeShapeType="1" noTextEdit="1"/>
+              </p:cNvSpPr>
+              <p:nvPr/>
+            </p:nvSpPr>
+            <p:spPr>
+              <a:xfrm>
+                <a:off x="559585" y="2829006"/>
+                <a:ext cx="1318759" cy="369332"/>
+              </a:xfrm>
+              <a:prstGeom prst="rect">
+                <a:avLst/>
+              </a:prstGeom>
+              <a:blipFill>
+                <a:blip r:embed="rId5"/>
+                <a:stretch>
+                  <a:fillRect/>
+                </a:stretch>
+              </a:blipFill>
+            </p:spPr>
+            <p:txBody>
+              <a:bodyPr/>
+              <a:lstStyle/>
+              <a:p>
+                <a:r>
+                  <a:rPr lang="en-US">
+                    <a:noFill/>
+                  </a:rPr>
+                  <a:t> </a:t>
+                </a:r>
+              </a:p>
+            </p:txBody>
+          </p:sp>
+        </mc:Fallback>
+      </mc:AlternateContent>
+      <p:sp>
+        <p:nvSpPr>
+          <p:cNvPr id="248" name="TextBox 247">
+            <a:extLst>
+              <a:ext uri="{FF2B5EF4-FFF2-40B4-BE49-F238E27FC236}">
+                <a16:creationId xmlns:a16="http://schemas.microsoft.com/office/drawing/2014/main" id="{E73AADC8-19B5-E286-137F-BC547464ABBF}"/>
+              </a:ext>
+            </a:extLst>
+          </p:cNvPr>
+          <p:cNvSpPr txBox="1"/>
+          <p:nvPr/>
+        </p:nvSpPr>
+        <p:spPr>
+          <a:xfrm>
+            <a:off x="392737" y="112546"/>
+            <a:ext cx="1818514" cy="646331"/>
+          </a:xfrm>
+          <a:prstGeom prst="rect">
+            <a:avLst/>
+          </a:prstGeom>
+          <a:noFill/>
+        </p:spPr>
+        <p:txBody>
+          <a:bodyPr wrap="square" rtlCol="0">
+            <a:spAutoFit/>
+          </a:bodyPr>
+          <a:lstStyle/>
+          <a:p>
+            <a:r>
+              <a:rPr lang="en-US" dirty="0"/>
+              <a:t>1) Find the time for 1cm distance</a:t>
+            </a:r>
+          </a:p>
+        </p:txBody>
+      </p:sp>
+      <p:sp>
+        <p:nvSpPr>
+          <p:cNvPr id="249" name="TextBox 248">
+            <a:extLst>
+              <a:ext uri="{FF2B5EF4-FFF2-40B4-BE49-F238E27FC236}">
+                <a16:creationId xmlns:a16="http://schemas.microsoft.com/office/drawing/2014/main" id="{B5877734-9EBD-9B3E-E605-5DE675E8916B}"/>
+              </a:ext>
+            </a:extLst>
+          </p:cNvPr>
+          <p:cNvSpPr txBox="1"/>
+          <p:nvPr/>
+        </p:nvSpPr>
+        <p:spPr>
+          <a:xfrm>
+            <a:off x="314370" y="3203274"/>
+            <a:ext cx="1818514" cy="2031325"/>
+          </a:xfrm>
+          <a:prstGeom prst="rect">
+            <a:avLst/>
+          </a:prstGeom>
+          <a:noFill/>
+        </p:spPr>
+        <p:txBody>
+          <a:bodyPr wrap="square" rtlCol="0">
+            <a:spAutoFit/>
+          </a:bodyPr>
+          <a:lstStyle/>
+          <a:p>
+            <a:r>
+              <a:rPr lang="en-US" dirty="0"/>
+              <a:t>2) Make snapshot graphs that are </a:t>
+            </a:r>
+            <a:r>
+              <a:rPr lang="en-US" dirty="0">
+                <a:sym typeface="Symbol" panose="05050102010706020507" pitchFamily="18" charset="2"/>
+              </a:rPr>
+              <a:t>t apart in time and mark where the wave medium is at  x=2m (red dots)</a:t>
+            </a:r>
+            <a:endParaRPr lang="en-US" dirty="0"/>
+          </a:p>
+        </p:txBody>
+      </p:sp>
+      <p:sp>
+        <p:nvSpPr>
+          <p:cNvPr id="250" name="TextBox 249">
+            <a:extLst>
+              <a:ext uri="{FF2B5EF4-FFF2-40B4-BE49-F238E27FC236}">
+                <a16:creationId xmlns:a16="http://schemas.microsoft.com/office/drawing/2014/main" id="{12B94F3E-708E-9F56-6484-D4C43F6883CF}"/>
+              </a:ext>
+            </a:extLst>
+          </p:cNvPr>
+          <p:cNvSpPr txBox="1"/>
+          <p:nvPr/>
+        </p:nvSpPr>
+        <p:spPr>
+          <a:xfrm>
+            <a:off x="70271" y="5400015"/>
+            <a:ext cx="3855173" cy="1477328"/>
+          </a:xfrm>
+          <a:prstGeom prst="rect">
+            <a:avLst/>
+          </a:prstGeom>
+          <a:noFill/>
+        </p:spPr>
+        <p:txBody>
+          <a:bodyPr wrap="square" rtlCol="0">
+            <a:spAutoFit/>
+          </a:bodyPr>
+          <a:lstStyle/>
+          <a:p>
+            <a:r>
+              <a:rPr lang="en-US" dirty="0"/>
+              <a:t>3) Make a history graph for x=2m for each time that you used to make a snapshot graph. Just use the red dot positions for x=2m at the time for each snapshot graph </a:t>
+            </a:r>
+          </a:p>
+        </p:txBody>
+      </p:sp>
+    </p:spTree>
+    <p:extLst>
+      <p:ext uri="{BB962C8B-B14F-4D97-AF65-F5344CB8AC3E}">
+        <p14:creationId xmlns:p14="http://schemas.microsoft.com/office/powerpoint/2010/main" val="3061675383"/>
+      </p:ext>
+    </p:extLst>
+  </p:cSld>
+  <p:clrMapOvr>
+    <a:masterClrMapping/>
+  </p:clrMapOvr>
+</p:sld>
+</file>
+
 <file path=ppt/slides/slide4.xml><?xml version="1.0" encoding="utf-8"?>
 <p:sld xmlns:a="http://schemas.openxmlformats.org/drawingml/2006/main" xmlns:r="http://schemas.openxmlformats.org/officeDocument/2006/relationships" xmlns:p="http://schemas.openxmlformats.org/presentationml/2006/main">
   <p:cSld>
